--- a/The-Limits-to-Growth/LTG-L12-Beyond-the-Circular-Economy--Part-2.pptx
+++ b/The-Limits-to-Growth/LTG-L12-Beyond-the-Circular-Economy--Part-2.pptx
@@ -151,7 +151,1092 @@
       </a:defRPr>
     </a:lvl9pPr>
   </p:defaultTextStyle>
+  <p:extLst>
+    <p:ext uri="{EFAFB233-063F-42B5-8137-9DF3F51BA10A}">
+      <p15:sldGuideLst xmlns:p15="http://schemas.microsoft.com/office/powerpoint/2012/main"/>
+    </p:ext>
+  </p:extLst>
 </p:presentation>
+</file>
+
+<file path=ppt/charts/chart1.xml><?xml version="1.0" encoding="utf-8"?>
+<c:chartSpace xmlns:c="http://schemas.openxmlformats.org/drawingml/2006/chart" xmlns:a="http://schemas.openxmlformats.org/drawingml/2006/main" xmlns:r="http://schemas.openxmlformats.org/officeDocument/2006/relationships" xmlns:c16r2="http://schemas.microsoft.com/office/drawing/2015/06/chart">
+  <c:date1904 val="0"/>
+  <c:lang val="de-DE"/>
+  <c:roundedCorners val="0"/>
+  <mc:AlternateContent xmlns:mc="http://schemas.openxmlformats.org/markup-compatibility/2006">
+    <mc:Choice xmlns:c14="http://schemas.microsoft.com/office/drawing/2007/8/2/chart" Requires="c14">
+      <c14:style val="105"/>
+    </mc:Choice>
+    <mc:Fallback>
+      <c:style val="5"/>
+    </mc:Fallback>
+  </mc:AlternateContent>
+  <c:chart>
+    <c:title>
+      <c:tx>
+        <c:rich>
+          <a:bodyPr rot="0" spcFirstLastPara="1" vertOverflow="ellipsis" vert="horz" wrap="square" anchor="ctr" anchorCtr="1"/>
+          <a:lstStyle/>
+          <a:p>
+            <a:pPr>
+              <a:defRPr sz="2128" b="1" i="0" u="none" strike="noStrike" kern="1200" spc="100" baseline="0">
+                <a:solidFill>
+                  <a:schemeClr val="lt1">
+                    <a:lumMod val="95000"/>
+                  </a:schemeClr>
+                </a:solidFill>
+                <a:effectLst>
+                  <a:outerShdw blurRad="50800" dist="38100" dir="5400000" algn="t" rotWithShape="0">
+                    <a:prstClr val="black">
+                      <a:alpha val="40000"/>
+                    </a:prstClr>
+                  </a:outerShdw>
+                </a:effectLst>
+                <a:latin typeface="+mn-lt"/>
+                <a:ea typeface="+mn-ea"/>
+                <a:cs typeface="+mn-cs"/>
+              </a:defRPr>
+            </a:pPr>
+            <a:r>
+              <a:rPr lang="de-DE" noProof="0" dirty="0"/>
+              <a:t>Verteilung</a:t>
+            </a:r>
+            <a:r>
+              <a:rPr lang="de-DE" baseline="0" noProof="0" dirty="0"/>
+              <a:t> der Bundeshauhalt  Daten</a:t>
+            </a:r>
+            <a:endParaRPr lang="de-DE" noProof="0" dirty="0"/>
+          </a:p>
+        </c:rich>
+      </c:tx>
+      <c:overlay val="0"/>
+      <c:spPr>
+        <a:noFill/>
+        <a:ln>
+          <a:noFill/>
+        </a:ln>
+        <a:effectLst/>
+      </c:spPr>
+      <c:txPr>
+        <a:bodyPr rot="0" spcFirstLastPara="1" vertOverflow="ellipsis" vert="horz" wrap="square" anchor="ctr" anchorCtr="1"/>
+        <a:lstStyle/>
+        <a:p>
+          <a:pPr>
+            <a:defRPr sz="2128" b="1" i="0" u="none" strike="noStrike" kern="1200" spc="100" baseline="0">
+              <a:solidFill>
+                <a:schemeClr val="lt1">
+                  <a:lumMod val="95000"/>
+                </a:schemeClr>
+              </a:solidFill>
+              <a:effectLst>
+                <a:outerShdw blurRad="50800" dist="38100" dir="5400000" algn="t" rotWithShape="0">
+                  <a:prstClr val="black">
+                    <a:alpha val="40000"/>
+                  </a:prstClr>
+                </a:outerShdw>
+              </a:effectLst>
+              <a:latin typeface="+mn-lt"/>
+              <a:ea typeface="+mn-ea"/>
+              <a:cs typeface="+mn-cs"/>
+            </a:defRPr>
+          </a:pPr>
+          <a:endParaRPr lang="de-DE"/>
+        </a:p>
+      </c:txPr>
+    </c:title>
+    <c:autoTitleDeleted val="0"/>
+    <c:plotArea>
+      <c:layout/>
+      <c:barChart>
+        <c:barDir val="bar"/>
+        <c:grouping val="clustered"/>
+        <c:varyColors val="0"/>
+        <c:ser>
+          <c:idx val="0"/>
+          <c:order val="0"/>
+          <c:tx>
+            <c:strRef>
+              <c:f>Tabelle1!$B$1</c:f>
+              <c:strCache>
+                <c:ptCount val="1"/>
+                <c:pt idx="0">
+                  <c:v>Anteil an Gesamthaushalt</c:v>
+                </c:pt>
+              </c:strCache>
+            </c:strRef>
+          </c:tx>
+          <c:spPr>
+            <a:gradFill>
+              <a:gsLst>
+                <a:gs pos="0">
+                  <a:schemeClr val="accent3">
+                    <a:shade val="51000"/>
+                  </a:schemeClr>
+                </a:gs>
+                <a:gs pos="80000">
+                  <a:schemeClr val="accent3">
+                    <a:shade val="93000"/>
+                  </a:schemeClr>
+                </a:gs>
+                <a:gs pos="100000">
+                  <a:schemeClr val="accent3">
+                    <a:shade val="94000"/>
+                  </a:schemeClr>
+                </a:gs>
+              </a:gsLst>
+              <a:lin ang="16200000" scaled="0"/>
+              <a:tileRect/>
+            </a:gradFill>
+            <a:ln>
+              <a:noFill/>
+            </a:ln>
+            <a:effectLst>
+              <a:outerShdw blurRad="57150" dist="19050" dir="5400000" algn="ctr" rotWithShape="0">
+                <a:srgbClr val="000000">
+                  <a:alpha val="63000"/>
+                </a:srgbClr>
+              </a:outerShdw>
+            </a:effectLst>
+          </c:spPr>
+          <c:invertIfNegative val="0"/>
+          <c:dLbls>
+            <c:spPr>
+              <a:noFill/>
+              <a:ln>
+                <a:noFill/>
+              </a:ln>
+              <a:effectLst/>
+            </c:spPr>
+            <c:txPr>
+              <a:bodyPr rot="0" spcFirstLastPara="1" vertOverflow="ellipsis" vert="horz" wrap="square" lIns="38100" tIns="19050" rIns="38100" bIns="19050" anchor="ctr" anchorCtr="1">
+                <a:spAutoFit/>
+              </a:bodyPr>
+              <a:lstStyle/>
+              <a:p>
+                <a:pPr>
+                  <a:defRPr sz="1197" b="0" i="0" u="none" strike="noStrike" kern="1200" baseline="0">
+                    <a:solidFill>
+                      <a:schemeClr val="lt1">
+                        <a:lumMod val="85000"/>
+                      </a:schemeClr>
+                    </a:solidFill>
+                    <a:latin typeface="+mn-lt"/>
+                    <a:ea typeface="+mn-ea"/>
+                    <a:cs typeface="+mn-cs"/>
+                  </a:defRPr>
+                </a:pPr>
+                <a:endParaRPr lang="de-DE"/>
+              </a:p>
+            </c:txPr>
+            <c:showLegendKey val="0"/>
+            <c:showVal val="1"/>
+            <c:showCatName val="0"/>
+            <c:showSerName val="0"/>
+            <c:showPercent val="0"/>
+            <c:showBubbleSize val="0"/>
+            <c:showLeaderLines val="0"/>
+            <c:extLst>
+              <c:ext xmlns:c15="http://schemas.microsoft.com/office/drawing/2012/chart" uri="{CE6537A1-D6FC-4f65-9D91-7224C49458BB}">
+                <c15:showLeaderLines val="1"/>
+                <c15:leaderLines>
+                  <c:spPr>
+                    <a:ln w="9525">
+                      <a:solidFill>
+                        <a:schemeClr val="lt1">
+                          <a:lumMod val="95000"/>
+                          <a:alpha val="54000"/>
+                        </a:schemeClr>
+                      </a:solidFill>
+                    </a:ln>
+                    <a:effectLst/>
+                  </c:spPr>
+                </c15:leaderLines>
+              </c:ext>
+            </c:extLst>
+          </c:dLbls>
+          <c:cat>
+            <c:strRef>
+              <c:f>Tabelle1!$A$2:$A$26</c:f>
+              <c:strCache>
+                <c:ptCount val="25"/>
+                <c:pt idx="0">
+                  <c:v>Bundesministerium für Arbeit und Soziales</c:v>
+                </c:pt>
+                <c:pt idx="1">
+                  <c:v>Bundesministerium der Verteidigung</c:v>
+                </c:pt>
+                <c:pt idx="2">
+                  <c:v>Bundesministerium für Digitales und Verkehr</c:v>
+                </c:pt>
+                <c:pt idx="3">
+                  <c:v>Allgemeine Finanzverwaltung</c:v>
+                </c:pt>
+                <c:pt idx="4">
+                  <c:v>Bundesschuld</c:v>
+                </c:pt>
+                <c:pt idx="5">
+                  <c:v>Bundesministerium für Bildung und Forschung</c:v>
+                </c:pt>
+                <c:pt idx="6">
+                  <c:v>Bundesministerium für Gesundheit</c:v>
+                </c:pt>
+                <c:pt idx="7">
+                  <c:v>Bundesministerium für Familie, Senioren, Frauen und Jugend</c:v>
+                </c:pt>
+                <c:pt idx="8">
+                  <c:v>Bundesministerium des Innern und für Heimat</c:v>
+                </c:pt>
+                <c:pt idx="9">
+                  <c:v>Bundesministerium für wirtschaftliche Zusammenarbeit und Entwicklung</c:v>
+                </c:pt>
+                <c:pt idx="10">
+                  <c:v>Bundesministerium für Wirtschaft und Klimaschutz</c:v>
+                </c:pt>
+                <c:pt idx="11">
+                  <c:v>Bundesministerium der Finanzen</c:v>
+                </c:pt>
+                <c:pt idx="12">
+                  <c:v>Bundesministerium für Wohnen, Stadtentwicklung und Bauwesen</c:v>
+                </c:pt>
+                <c:pt idx="13">
+                  <c:v>Bundesministerium für Ernährung und Landwirtschaft</c:v>
+                </c:pt>
+                <c:pt idx="14">
+                  <c:v>Auswärtiges Amt</c:v>
+                </c:pt>
+                <c:pt idx="15">
+                  <c:v>Bundeskanzler und Bundeskanzleramt</c:v>
+                </c:pt>
+                <c:pt idx="16">
+                  <c:v>Bundesministerium für Umwelt, Naturschutz, nukleare Sicherheit und Verbraucherschutz</c:v>
+                </c:pt>
+                <c:pt idx="17">
+                  <c:v>Deutscher Bundestag</c:v>
+                </c:pt>
+                <c:pt idx="18">
+                  <c:v>Bundesministerium der Justiz</c:v>
+                </c:pt>
+                <c:pt idx="19">
+                  <c:v>Bundesrechnungshof</c:v>
+                </c:pt>
+                <c:pt idx="20">
+                  <c:v>Bundespräsident und Bundespräsidialamt</c:v>
+                </c:pt>
+                <c:pt idx="21">
+                  <c:v>Die Bundesbeauftragte für den Datenschutz und die Informationsfreiheit</c:v>
+                </c:pt>
+                <c:pt idx="22">
+                  <c:v>Bundesverfassungsgericht</c:v>
+                </c:pt>
+                <c:pt idx="23">
+                  <c:v>Bundesrat</c:v>
+                </c:pt>
+                <c:pt idx="24">
+                  <c:v>Unabhängiger Kontrollrat</c:v>
+                </c:pt>
+              </c:strCache>
+            </c:strRef>
+          </c:cat>
+          <c:val>
+            <c:numRef>
+              <c:f>Tabelle1!$B$2:$B$26</c:f>
+              <c:numCache>
+                <c:formatCode>0.00</c:formatCode>
+                <c:ptCount val="25"/>
+                <c:pt idx="0" formatCode="General">
+                  <c:v>36.69</c:v>
+                </c:pt>
+                <c:pt idx="1">
+                  <c:v>10.9</c:v>
+                </c:pt>
+                <c:pt idx="2" formatCode="General">
+                  <c:v>10.17</c:v>
+                </c:pt>
+                <c:pt idx="3" formatCode="General">
+                  <c:v>9.4499999999999993</c:v>
+                </c:pt>
+                <c:pt idx="4" formatCode="General">
+                  <c:v>6.8</c:v>
+                </c:pt>
+                <c:pt idx="5" formatCode="General">
+                  <c:v>4.57</c:v>
+                </c:pt>
+                <c:pt idx="6" formatCode="General">
+                  <c:v>3.36</c:v>
+                </c:pt>
+                <c:pt idx="7" formatCode="General">
+                  <c:v>2.96</c:v>
+                </c:pt>
+                <c:pt idx="8" formatCode="General">
+                  <c:v>2.81</c:v>
+                </c:pt>
+                <c:pt idx="9" formatCode="General">
+                  <c:v>2.1</c:v>
+                </c:pt>
+                <c:pt idx="10" formatCode="General">
+                  <c:v>2.1</c:v>
+                </c:pt>
+                <c:pt idx="11" formatCode="General">
+                  <c:v>2.08</c:v>
+                </c:pt>
+                <c:pt idx="12" formatCode="General">
+                  <c:v>1.52</c:v>
+                </c:pt>
+                <c:pt idx="13" formatCode="General">
+                  <c:v>1.4</c:v>
+                </c:pt>
+                <c:pt idx="14" formatCode="General">
+                  <c:v>1.2</c:v>
+                </c:pt>
+                <c:pt idx="15" formatCode="General">
+                  <c:v>0.8</c:v>
+                </c:pt>
+                <c:pt idx="16" formatCode="General">
+                  <c:v>0.54</c:v>
+                </c:pt>
+                <c:pt idx="17" formatCode="General">
+                  <c:v>0.26</c:v>
+                </c:pt>
+                <c:pt idx="18" formatCode="General">
+                  <c:v>0.21</c:v>
+                </c:pt>
+                <c:pt idx="19" formatCode="General">
+                  <c:v>0.04</c:v>
+                </c:pt>
+                <c:pt idx="20" formatCode="General">
+                  <c:v>0.01</c:v>
+                </c:pt>
+                <c:pt idx="21" formatCode="General">
+                  <c:v>0.01</c:v>
+                </c:pt>
+                <c:pt idx="22" formatCode="General">
+                  <c:v>0.01</c:v>
+                </c:pt>
+                <c:pt idx="23" formatCode="General">
+                  <c:v>0.01</c:v>
+                </c:pt>
+                <c:pt idx="24" formatCode="General">
+                  <c:v>0</c:v>
+                </c:pt>
+              </c:numCache>
+            </c:numRef>
+          </c:val>
+          <c:extLst>
+            <c:ext xmlns:c16="http://schemas.microsoft.com/office/drawing/2014/chart" uri="{C3380CC4-5D6E-409C-BE32-E72D297353CC}">
+              <c16:uniqueId val="{00000000-7E0E-4D5E-81C8-F63E86B1D7CB}"/>
+            </c:ext>
+          </c:extLst>
+        </c:ser>
+        <c:dLbls>
+          <c:showLegendKey val="0"/>
+          <c:showVal val="0"/>
+          <c:showCatName val="0"/>
+          <c:showSerName val="0"/>
+          <c:showPercent val="0"/>
+          <c:showBubbleSize val="0"/>
+        </c:dLbls>
+        <c:gapWidth val="115"/>
+        <c:overlap val="-20"/>
+        <c:axId val="2131243647"/>
+        <c:axId val="2131246559"/>
+      </c:barChart>
+      <c:valAx>
+        <c:axId val="2131246559"/>
+        <c:scaling>
+          <c:orientation val="minMax"/>
+        </c:scaling>
+        <c:delete val="0"/>
+        <c:axPos val="b"/>
+        <c:majorGridlines>
+          <c:spPr>
+            <a:ln w="9525" cap="flat" cmpd="sng" algn="ctr">
+              <a:solidFill>
+                <a:schemeClr val="lt1">
+                  <a:lumMod val="95000"/>
+                  <a:alpha val="10000"/>
+                </a:schemeClr>
+              </a:solidFill>
+              <a:round/>
+            </a:ln>
+            <a:effectLst/>
+          </c:spPr>
+        </c:majorGridlines>
+        <c:numFmt formatCode="General" sourceLinked="1"/>
+        <c:majorTickMark val="none"/>
+        <c:minorTickMark val="none"/>
+        <c:tickLblPos val="nextTo"/>
+        <c:spPr>
+          <a:noFill/>
+          <a:ln>
+            <a:noFill/>
+          </a:ln>
+          <a:effectLst/>
+        </c:spPr>
+        <c:txPr>
+          <a:bodyPr rot="-60000000" spcFirstLastPara="1" vertOverflow="ellipsis" vert="horz" wrap="square" anchor="ctr" anchorCtr="1"/>
+          <a:lstStyle/>
+          <a:p>
+            <a:pPr>
+              <a:defRPr sz="1197" b="0" i="0" u="none" strike="noStrike" kern="1200" baseline="0">
+                <a:solidFill>
+                  <a:schemeClr val="lt1">
+                    <a:lumMod val="85000"/>
+                  </a:schemeClr>
+                </a:solidFill>
+                <a:latin typeface="+mn-lt"/>
+                <a:ea typeface="+mn-ea"/>
+                <a:cs typeface="+mn-cs"/>
+              </a:defRPr>
+            </a:pPr>
+            <a:endParaRPr lang="de-DE"/>
+          </a:p>
+        </c:txPr>
+        <c:crossAx val="2131243647"/>
+        <c:crosses val="autoZero"/>
+        <c:crossBetween val="between"/>
+      </c:valAx>
+      <c:catAx>
+        <c:axId val="2131243647"/>
+        <c:scaling>
+          <c:orientation val="minMax"/>
+        </c:scaling>
+        <c:delete val="0"/>
+        <c:axPos val="l"/>
+        <c:numFmt formatCode="General" sourceLinked="1"/>
+        <c:majorTickMark val="none"/>
+        <c:minorTickMark val="none"/>
+        <c:tickLblPos val="nextTo"/>
+        <c:spPr>
+          <a:noFill/>
+          <a:ln w="12700" cap="flat" cmpd="sng" algn="ctr">
+            <a:solidFill>
+              <a:schemeClr val="lt1">
+                <a:lumMod val="95000"/>
+                <a:alpha val="54000"/>
+              </a:schemeClr>
+            </a:solidFill>
+            <a:round/>
+          </a:ln>
+          <a:effectLst/>
+        </c:spPr>
+        <c:txPr>
+          <a:bodyPr rot="-60000000" spcFirstLastPara="1" vertOverflow="ellipsis" vert="horz" wrap="square" anchor="ctr" anchorCtr="1"/>
+          <a:lstStyle/>
+          <a:p>
+            <a:pPr>
+              <a:defRPr sz="1197" b="0" i="0" u="none" strike="noStrike" kern="1200" baseline="0">
+                <a:solidFill>
+                  <a:schemeClr val="lt1">
+                    <a:lumMod val="85000"/>
+                  </a:schemeClr>
+                </a:solidFill>
+                <a:latin typeface="+mn-lt"/>
+                <a:ea typeface="+mn-ea"/>
+                <a:cs typeface="+mn-cs"/>
+              </a:defRPr>
+            </a:pPr>
+            <a:endParaRPr lang="de-DE"/>
+          </a:p>
+        </c:txPr>
+        <c:crossAx val="2131246559"/>
+        <c:crosses val="autoZero"/>
+        <c:auto val="1"/>
+        <c:lblAlgn val="ctr"/>
+        <c:lblOffset val="100"/>
+        <c:noMultiLvlLbl val="0"/>
+      </c:catAx>
+      <c:spPr>
+        <a:noFill/>
+        <a:ln>
+          <a:noFill/>
+        </a:ln>
+        <a:effectLst/>
+      </c:spPr>
+    </c:plotArea>
+    <c:legend>
+      <c:legendPos val="b"/>
+      <c:overlay val="0"/>
+      <c:spPr>
+        <a:noFill/>
+        <a:ln>
+          <a:noFill/>
+        </a:ln>
+        <a:effectLst/>
+      </c:spPr>
+      <c:txPr>
+        <a:bodyPr rot="0" spcFirstLastPara="1" vertOverflow="ellipsis" vert="horz" wrap="square" anchor="ctr" anchorCtr="1"/>
+        <a:lstStyle/>
+        <a:p>
+          <a:pPr>
+            <a:defRPr sz="1197" b="0" i="0" u="none" strike="noStrike" kern="1200" baseline="0">
+              <a:solidFill>
+                <a:schemeClr val="lt1">
+                  <a:lumMod val="85000"/>
+                </a:schemeClr>
+              </a:solidFill>
+              <a:latin typeface="+mn-lt"/>
+              <a:ea typeface="+mn-ea"/>
+              <a:cs typeface="+mn-cs"/>
+            </a:defRPr>
+          </a:pPr>
+          <a:endParaRPr lang="de-DE"/>
+        </a:p>
+      </c:txPr>
+    </c:legend>
+    <c:plotVisOnly val="1"/>
+    <c:dispBlanksAs val="gap"/>
+    <c:extLst>
+      <c:ext xmlns:c16r3="http://schemas.microsoft.com/office/drawing/2017/03/chart" uri="{56B9EC1D-385E-4148-901F-78D8002777C0}">
+        <c16r3:dataDisplayOptions16>
+          <c16r3:dispNaAsBlank val="1"/>
+        </c16r3:dataDisplayOptions16>
+      </c:ext>
+    </c:extLst>
+    <c:showDLblsOverMax val="0"/>
+  </c:chart>
+  <c:spPr>
+    <a:gradFill flip="none" rotWithShape="1">
+      <a:gsLst>
+        <a:gs pos="0">
+          <a:schemeClr val="dk1">
+            <a:lumMod val="65000"/>
+            <a:lumOff val="35000"/>
+          </a:schemeClr>
+        </a:gs>
+        <a:gs pos="100000">
+          <a:schemeClr val="dk1">
+            <a:lumMod val="85000"/>
+            <a:lumOff val="15000"/>
+          </a:schemeClr>
+        </a:gs>
+      </a:gsLst>
+      <a:path path="circle">
+        <a:fillToRect l="50000" t="50000" r="50000" b="50000"/>
+      </a:path>
+      <a:tileRect/>
+    </a:gradFill>
+    <a:ln>
+      <a:noFill/>
+    </a:ln>
+    <a:effectLst/>
+  </c:spPr>
+  <c:txPr>
+    <a:bodyPr/>
+    <a:lstStyle/>
+    <a:p>
+      <a:pPr>
+        <a:defRPr/>
+      </a:pPr>
+      <a:endParaRPr lang="de-DE"/>
+    </a:p>
+  </c:txPr>
+  <c:externalData r:id="rId3">
+    <c:autoUpdate val="0"/>
+  </c:externalData>
+</c:chartSpace>
+</file>
+
+<file path=ppt/charts/colors1.xml><?xml version="1.0" encoding="utf-8"?>
+<cs:colorStyle xmlns:cs="http://schemas.microsoft.com/office/drawing/2012/chartStyle" xmlns:a="http://schemas.openxmlformats.org/drawingml/2006/main" meth="withinLinearReversed" id="23">
+  <a:schemeClr val="accent3"/>
+</cs:colorStyle>
+</file>
+
+<file path=ppt/charts/style1.xml><?xml version="1.0" encoding="utf-8"?>
+<cs:chartStyle xmlns:cs="http://schemas.microsoft.com/office/drawing/2012/chartStyle" xmlns:a="http://schemas.openxmlformats.org/drawingml/2006/main" id="222">
+  <cs:axisTitle>
+    <cs:lnRef idx="0"/>
+    <cs:fillRef idx="0"/>
+    <cs:effectRef idx="0"/>
+    <cs:fontRef idx="minor">
+      <a:schemeClr val="lt1">
+        <a:lumMod val="85000"/>
+      </a:schemeClr>
+    </cs:fontRef>
+    <cs:defRPr sz="1197" b="1" kern="1200" cap="all"/>
+  </cs:axisTitle>
+  <cs:categoryAxis>
+    <cs:lnRef idx="0"/>
+    <cs:fillRef idx="0"/>
+    <cs:effectRef idx="0"/>
+    <cs:fontRef idx="minor">
+      <a:schemeClr val="lt1">
+        <a:lumMod val="85000"/>
+      </a:schemeClr>
+    </cs:fontRef>
+    <cs:spPr>
+      <a:ln w="12700" cap="flat" cmpd="sng" algn="ctr">
+        <a:solidFill>
+          <a:schemeClr val="lt1">
+            <a:lumMod val="95000"/>
+            <a:alpha val="54000"/>
+          </a:schemeClr>
+        </a:solidFill>
+        <a:round/>
+      </a:ln>
+    </cs:spPr>
+    <cs:defRPr sz="1197" kern="1200"/>
+  </cs:categoryAxis>
+  <cs:chartArea>
+    <cs:lnRef idx="0"/>
+    <cs:fillRef idx="0"/>
+    <cs:effectRef idx="0"/>
+    <cs:fontRef idx="minor">
+      <a:schemeClr val="dk1"/>
+    </cs:fontRef>
+    <cs:spPr>
+      <a:gradFill flip="none" rotWithShape="1">
+        <a:gsLst>
+          <a:gs pos="0">
+            <a:schemeClr val="dk1">
+              <a:lumMod val="65000"/>
+              <a:lumOff val="35000"/>
+            </a:schemeClr>
+          </a:gs>
+          <a:gs pos="100000">
+            <a:schemeClr val="dk1">
+              <a:lumMod val="85000"/>
+              <a:lumOff val="15000"/>
+            </a:schemeClr>
+          </a:gs>
+        </a:gsLst>
+        <a:path path="circle">
+          <a:fillToRect l="50000" t="50000" r="50000" b="50000"/>
+        </a:path>
+        <a:tileRect/>
+      </a:gradFill>
+    </cs:spPr>
+    <cs:defRPr sz="1330" kern="1200"/>
+  </cs:chartArea>
+  <cs:dataLabel>
+    <cs:lnRef idx="0"/>
+    <cs:fillRef idx="0"/>
+    <cs:effectRef idx="0"/>
+    <cs:fontRef idx="minor">
+      <a:schemeClr val="lt1">
+        <a:lumMod val="85000"/>
+      </a:schemeClr>
+    </cs:fontRef>
+    <cs:defRPr sz="1197" kern="1200"/>
+  </cs:dataLabel>
+  <cs:dataLabelCallout>
+    <cs:lnRef idx="0"/>
+    <cs:fillRef idx="0"/>
+    <cs:effectRef idx="0"/>
+    <cs:fontRef idx="minor">
+      <a:schemeClr val="dk1">
+        <a:lumMod val="65000"/>
+        <a:lumOff val="35000"/>
+      </a:schemeClr>
+    </cs:fontRef>
+    <cs:spPr>
+      <a:solidFill>
+        <a:schemeClr val="lt1"/>
+      </a:solidFill>
+    </cs:spPr>
+    <cs:defRPr sz="1197" kern="1200"/>
+    <cs:bodyPr rot="0" spcFirstLastPara="1" vertOverflow="clip" horzOverflow="clip" vert="horz" wrap="square" lIns="36576" tIns="18288" rIns="36576" bIns="18288" anchor="ctr" anchorCtr="1">
+      <a:spAutoFit/>
+    </cs:bodyPr>
+  </cs:dataLabelCallout>
+  <cs:dataPoint>
+    <cs:lnRef idx="0"/>
+    <cs:fillRef idx="3">
+      <cs:styleClr val="auto"/>
+    </cs:fillRef>
+    <cs:effectRef idx="3"/>
+    <cs:fontRef idx="minor">
+      <a:schemeClr val="tx1"/>
+    </cs:fontRef>
+  </cs:dataPoint>
+  <cs:dataPoint3D>
+    <cs:lnRef idx="0"/>
+    <cs:fillRef idx="3">
+      <cs:styleClr val="auto"/>
+    </cs:fillRef>
+    <cs:effectRef idx="3"/>
+    <cs:fontRef idx="minor">
+      <a:schemeClr val="tx1"/>
+    </cs:fontRef>
+  </cs:dataPoint3D>
+  <cs:dataPointLine>
+    <cs:lnRef idx="0">
+      <cs:styleClr val="auto"/>
+    </cs:lnRef>
+    <cs:fillRef idx="3"/>
+    <cs:effectRef idx="3"/>
+    <cs:fontRef idx="minor">
+      <a:schemeClr val="tx1"/>
+    </cs:fontRef>
+    <cs:spPr>
+      <a:ln w="34925" cap="rnd">
+        <a:solidFill>
+          <a:schemeClr val="phClr"/>
+        </a:solidFill>
+        <a:round/>
+      </a:ln>
+    </cs:spPr>
+  </cs:dataPointLine>
+  <cs:dataPointMarker>
+    <cs:lnRef idx="0">
+      <cs:styleClr val="auto"/>
+    </cs:lnRef>
+    <cs:fillRef idx="3">
+      <cs:styleClr val="auto"/>
+    </cs:fillRef>
+    <cs:effectRef idx="3"/>
+    <cs:fontRef idx="minor">
+      <a:schemeClr val="tx1"/>
+    </cs:fontRef>
+    <cs:spPr>
+      <a:ln w="9525">
+        <a:solidFill>
+          <a:schemeClr val="phClr"/>
+        </a:solidFill>
+        <a:round/>
+      </a:ln>
+    </cs:spPr>
+  </cs:dataPointMarker>
+  <cs:dataPointMarkerLayout size="5"/>
+  <cs:dataPointWireframe>
+    <cs:lnRef idx="0">
+      <cs:styleClr val="auto"/>
+    </cs:lnRef>
+    <cs:fillRef idx="3"/>
+    <cs:effectRef idx="3"/>
+    <cs:fontRef idx="minor">
+      <a:schemeClr val="tx1"/>
+    </cs:fontRef>
+    <cs:spPr>
+      <a:ln w="9525" cap="rnd">
+        <a:solidFill>
+          <a:schemeClr val="phClr"/>
+        </a:solidFill>
+        <a:round/>
+      </a:ln>
+    </cs:spPr>
+  </cs:dataPointWireframe>
+  <cs:dataTable>
+    <cs:lnRef idx="0"/>
+    <cs:fillRef idx="0"/>
+    <cs:effectRef idx="0"/>
+    <cs:fontRef idx="minor">
+      <a:schemeClr val="lt1">
+        <a:lumMod val="85000"/>
+      </a:schemeClr>
+    </cs:fontRef>
+    <cs:spPr>
+      <a:ln w="9525">
+        <a:solidFill>
+          <a:schemeClr val="lt1">
+            <a:lumMod val="95000"/>
+            <a:alpha val="54000"/>
+          </a:schemeClr>
+        </a:solidFill>
+      </a:ln>
+    </cs:spPr>
+    <cs:defRPr sz="1197" kern="1200"/>
+  </cs:dataTable>
+  <cs:downBar>
+    <cs:lnRef idx="0"/>
+    <cs:fillRef idx="0"/>
+    <cs:effectRef idx="0"/>
+    <cs:fontRef idx="minor">
+      <a:schemeClr val="tx1"/>
+    </cs:fontRef>
+    <cs:spPr>
+      <a:solidFill>
+        <a:schemeClr val="dk1">
+          <a:lumMod val="75000"/>
+          <a:lumOff val="25000"/>
+        </a:schemeClr>
+      </a:solidFill>
+      <a:ln w="9525">
+        <a:solidFill>
+          <a:schemeClr val="lt1">
+            <a:lumMod val="95000"/>
+            <a:alpha val="54000"/>
+          </a:schemeClr>
+        </a:solidFill>
+      </a:ln>
+    </cs:spPr>
+  </cs:downBar>
+  <cs:dropLine>
+    <cs:lnRef idx="0"/>
+    <cs:fillRef idx="0"/>
+    <cs:effectRef idx="0"/>
+    <cs:fontRef idx="minor">
+      <a:schemeClr val="tx1"/>
+    </cs:fontRef>
+    <cs:spPr>
+      <a:ln w="9525">
+        <a:solidFill>
+          <a:schemeClr val="lt1">
+            <a:lumMod val="95000"/>
+            <a:alpha val="54000"/>
+          </a:schemeClr>
+        </a:solidFill>
+        <a:prstDash val="dash"/>
+      </a:ln>
+    </cs:spPr>
+  </cs:dropLine>
+  <cs:errorBar>
+    <cs:lnRef idx="0"/>
+    <cs:fillRef idx="0"/>
+    <cs:effectRef idx="0"/>
+    <cs:fontRef idx="minor">
+      <a:schemeClr val="tx1"/>
+    </cs:fontRef>
+    <cs:spPr>
+      <a:ln w="9525" cap="flat" cmpd="sng" algn="ctr">
+        <a:solidFill>
+          <a:schemeClr val="lt1">
+            <a:lumMod val="95000"/>
+          </a:schemeClr>
+        </a:solidFill>
+        <a:round/>
+      </a:ln>
+    </cs:spPr>
+  </cs:errorBar>
+  <cs:floor>
+    <cs:lnRef idx="0"/>
+    <cs:fillRef idx="0"/>
+    <cs:effectRef idx="0"/>
+    <cs:fontRef idx="minor">
+      <a:schemeClr val="tx1"/>
+    </cs:fontRef>
+  </cs:floor>
+  <cs:gridlineMajor>
+    <cs:lnRef idx="0"/>
+    <cs:fillRef idx="0"/>
+    <cs:effectRef idx="0"/>
+    <cs:fontRef idx="minor">
+      <a:schemeClr val="tx1"/>
+    </cs:fontRef>
+    <cs:spPr>
+      <a:ln w="9525" cap="flat" cmpd="sng" algn="ctr">
+        <a:solidFill>
+          <a:schemeClr val="lt1">
+            <a:lumMod val="95000"/>
+            <a:alpha val="10000"/>
+          </a:schemeClr>
+        </a:solidFill>
+        <a:round/>
+      </a:ln>
+    </cs:spPr>
+  </cs:gridlineMajor>
+  <cs:gridlineMinor>
+    <cs:lnRef idx="0"/>
+    <cs:fillRef idx="0"/>
+    <cs:effectRef idx="0"/>
+    <cs:fontRef idx="minor">
+      <a:schemeClr val="tx1"/>
+    </cs:fontRef>
+    <cs:spPr>
+      <a:ln>
+        <a:solidFill>
+          <a:schemeClr val="lt1">
+            <a:lumMod val="95000"/>
+            <a:alpha val="5000"/>
+          </a:schemeClr>
+        </a:solidFill>
+      </a:ln>
+    </cs:spPr>
+  </cs:gridlineMinor>
+  <cs:hiLoLine>
+    <cs:lnRef idx="0"/>
+    <cs:fillRef idx="0"/>
+    <cs:effectRef idx="0"/>
+    <cs:fontRef idx="minor">
+      <a:schemeClr val="tx1"/>
+    </cs:fontRef>
+    <cs:spPr>
+      <a:ln w="9525">
+        <a:solidFill>
+          <a:schemeClr val="lt1">
+            <a:lumMod val="95000"/>
+            <a:alpha val="54000"/>
+          </a:schemeClr>
+        </a:solidFill>
+        <a:prstDash val="dash"/>
+      </a:ln>
+    </cs:spPr>
+  </cs:hiLoLine>
+  <cs:leaderLine>
+    <cs:lnRef idx="0"/>
+    <cs:fillRef idx="0"/>
+    <cs:effectRef idx="0"/>
+    <cs:fontRef idx="minor">
+      <a:schemeClr val="tx1"/>
+    </cs:fontRef>
+    <cs:spPr>
+      <a:ln w="9525">
+        <a:solidFill>
+          <a:schemeClr val="lt1">
+            <a:lumMod val="95000"/>
+            <a:alpha val="54000"/>
+          </a:schemeClr>
+        </a:solidFill>
+      </a:ln>
+    </cs:spPr>
+  </cs:leaderLine>
+  <cs:legend>
+    <cs:lnRef idx="0"/>
+    <cs:fillRef idx="0"/>
+    <cs:effectRef idx="0"/>
+    <cs:fontRef idx="minor">
+      <a:schemeClr val="lt1">
+        <a:lumMod val="85000"/>
+      </a:schemeClr>
+    </cs:fontRef>
+    <cs:defRPr sz="1197" kern="1200"/>
+  </cs:legend>
+  <cs:plotArea>
+    <cs:lnRef idx="0"/>
+    <cs:fillRef idx="0"/>
+    <cs:effectRef idx="0"/>
+    <cs:fontRef idx="minor">
+      <a:schemeClr val="tx1"/>
+    </cs:fontRef>
+  </cs:plotArea>
+  <cs:plotArea3D>
+    <cs:lnRef idx="0"/>
+    <cs:fillRef idx="0"/>
+    <cs:effectRef idx="0"/>
+    <cs:fontRef idx="minor">
+      <a:schemeClr val="tx1"/>
+    </cs:fontRef>
+  </cs:plotArea3D>
+  <cs:seriesAxis>
+    <cs:lnRef idx="0"/>
+    <cs:fillRef idx="0"/>
+    <cs:effectRef idx="0"/>
+    <cs:fontRef idx="minor">
+      <a:schemeClr val="lt1">
+        <a:lumMod val="85000"/>
+      </a:schemeClr>
+    </cs:fontRef>
+    <cs:spPr>
+      <a:ln w="12700" cap="flat" cmpd="sng" algn="ctr">
+        <a:solidFill>
+          <a:schemeClr val="lt1">
+            <a:lumMod val="95000"/>
+            <a:alpha val="54000"/>
+          </a:schemeClr>
+        </a:solidFill>
+        <a:round/>
+      </a:ln>
+    </cs:spPr>
+    <cs:defRPr sz="1197" kern="1200"/>
+  </cs:seriesAxis>
+  <cs:seriesLine>
+    <cs:lnRef idx="0"/>
+    <cs:fillRef idx="0"/>
+    <cs:effectRef idx="0"/>
+    <cs:fontRef idx="minor">
+      <a:schemeClr val="lt1"/>
+    </cs:fontRef>
+    <cs:spPr>
+      <a:ln w="9525" cap="flat" cmpd="sng" algn="ctr">
+        <a:solidFill>
+          <a:schemeClr val="lt1">
+            <a:lumMod val="95000"/>
+            <a:alpha val="54000"/>
+          </a:schemeClr>
+        </a:solidFill>
+        <a:round/>
+      </a:ln>
+    </cs:spPr>
+  </cs:seriesLine>
+  <cs:title>
+    <cs:lnRef idx="0"/>
+    <cs:fillRef idx="0"/>
+    <cs:effectRef idx="0"/>
+    <cs:fontRef idx="minor">
+      <a:schemeClr val="lt1">
+        <a:lumMod val="95000"/>
+      </a:schemeClr>
+    </cs:fontRef>
+    <cs:defRPr sz="2128" b="1" kern="1200" spc="100" baseline="0">
+      <a:effectLst>
+        <a:outerShdw blurRad="50800" dist="38100" dir="5400000" algn="t" rotWithShape="0">
+          <a:prstClr val="black">
+            <a:alpha val="40000"/>
+          </a:prstClr>
+        </a:outerShdw>
+      </a:effectLst>
+    </cs:defRPr>
+  </cs:title>
+  <cs:trendline>
+    <cs:lnRef idx="0">
+      <cs:styleClr val="auto"/>
+    </cs:lnRef>
+    <cs:fillRef idx="0"/>
+    <cs:effectRef idx="0"/>
+    <cs:fontRef idx="minor">
+      <a:schemeClr val="tx1"/>
+    </cs:fontRef>
+    <cs:spPr>
+      <a:ln w="19050" cap="rnd">
+        <a:solidFill>
+          <a:schemeClr val="phClr"/>
+        </a:solidFill>
+      </a:ln>
+    </cs:spPr>
+  </cs:trendline>
+  <cs:trendlineLabel>
+    <cs:lnRef idx="0"/>
+    <cs:fillRef idx="0"/>
+    <cs:effectRef idx="0"/>
+    <cs:fontRef idx="minor">
+      <a:schemeClr val="lt1">
+        <a:lumMod val="85000"/>
+      </a:schemeClr>
+    </cs:fontRef>
+    <cs:defRPr sz="1197" kern="1200"/>
+  </cs:trendlineLabel>
+  <cs:upBar>
+    <cs:lnRef idx="0"/>
+    <cs:fillRef idx="0"/>
+    <cs:effectRef idx="0"/>
+    <cs:fontRef idx="minor">
+      <a:schemeClr val="tx1"/>
+    </cs:fontRef>
+    <cs:spPr>
+      <a:solidFill>
+        <a:schemeClr val="lt1"/>
+      </a:solidFill>
+      <a:ln w="9525">
+        <a:solidFill>
+          <a:schemeClr val="lt1">
+            <a:lumMod val="95000"/>
+            <a:alpha val="54000"/>
+          </a:schemeClr>
+        </a:solidFill>
+      </a:ln>
+    </cs:spPr>
+  </cs:upBar>
+  <cs:valueAxis>
+    <cs:lnRef idx="0"/>
+    <cs:fillRef idx="0"/>
+    <cs:effectRef idx="0"/>
+    <cs:fontRef idx="minor">
+      <a:schemeClr val="lt1">
+        <a:lumMod val="85000"/>
+      </a:schemeClr>
+    </cs:fontRef>
+    <cs:defRPr sz="1197" kern="1200"/>
+  </cs:valueAxis>
+  <cs:wall>
+    <cs:lnRef idx="0"/>
+    <cs:fillRef idx="0"/>
+    <cs:effectRef idx="0"/>
+    <cs:fontRef idx="minor">
+      <a:schemeClr val="tx1"/>
+    </cs:fontRef>
+  </cs:wall>
+</cs:chartStyle>
 </file>
 
 <file path=ppt/slideLayouts/slideLayout1.xml><?xml version="1.0" encoding="utf-8"?>
@@ -16446,29 +17531,6 @@
           </a:p>
         </p:txBody>
       </p:sp>
-      <p:pic>
-        <p:nvPicPr>
-          <p:cNvPr id="1480" name="Grafik 1479"/>
-          <p:cNvPicPr/>
-          <p:nvPr/>
-        </p:nvPicPr>
-        <p:blipFill>
-          <a:blip r:embed="rId2"/>
-          <a:stretch/>
-        </p:blipFill>
-        <p:spPr>
-          <a:xfrm>
-            <a:off x="3483360" y="1365120"/>
-            <a:ext cx="7315920" cy="4934160"/>
-          </a:xfrm>
-          <a:prstGeom prst="rect">
-            <a:avLst/>
-          </a:prstGeom>
-          <a:ln w="72000">
-            <a:noFill/>
-          </a:ln>
-        </p:spPr>
-      </p:pic>
       <p:sp>
         <p:nvSpPr>
           <p:cNvPr id="1481" name="CustomShape 123"/>
@@ -16512,16 +17574,26 @@
               </a:lnSpc>
             </a:pPr>
             <a:r>
-              <a:rPr lang="en-US" sz="900" b="0" strike="noStrike" spc="-1">
+              <a:rPr lang="en-US" sz="900" spc="-1" dirty="0">
                 <a:solidFill>
                   <a:srgbClr val="A6A6A6"/>
                 </a:solidFill>
                 <a:latin typeface="DejaVu Sans"/>
                 <a:ea typeface="Roboto"/>
               </a:rPr>
-              <a:t>https://www.bundeshaushalt.de/DE/Bundeshaushalt-digital/bundeshaushalt-digital.html</a:t>
-            </a:r>
-            <a:endParaRPr lang="en-GB" sz="900" b="0" strike="noStrike" spc="-1">
+              <a:t>A</a:t>
+            </a:r>
+            <a:r>
+              <a:rPr lang="en-US" sz="900" b="0" strike="noStrike" spc="-1" dirty="0">
+                <a:solidFill>
+                  <a:srgbClr val="A6A6A6"/>
+                </a:solidFill>
+                <a:latin typeface="DejaVu Sans"/>
+                <a:ea typeface="Roboto"/>
+              </a:rPr>
+              <a:t>dapted from https://www.bundeshaushalt.de/DE/Bundeshaushalt-digital/bundeshaushalt-digital.html</a:t>
+            </a:r>
+            <a:endParaRPr lang="en-GB" sz="900" b="0" strike="noStrike" spc="-1" dirty="0">
               <a:solidFill>
                 <a:srgbClr val="000000"/>
               </a:solidFill>
@@ -16530,6 +17602,34 @@
           </a:p>
         </p:txBody>
       </p:sp>
+      <p:graphicFrame>
+        <p:nvGraphicFramePr>
+          <p:cNvPr id="6" name="Diagramm 5">
+            <a:extLst>
+              <a:ext uri="{FF2B5EF4-FFF2-40B4-BE49-F238E27FC236}">
+                <a16:creationId xmlns:a16="http://schemas.microsoft.com/office/drawing/2014/main" id="{95664852-9EEA-4D72-A203-CAA9D79B0E9B}"/>
+              </a:ext>
+            </a:extLst>
+          </p:cNvPr>
+          <p:cNvGraphicFramePr/>
+          <p:nvPr>
+            <p:extLst>
+              <p:ext uri="{D42A27DB-BD31-4B8C-83A1-F6EECF244321}">
+                <p14:modId xmlns:p14="http://schemas.microsoft.com/office/powerpoint/2010/main" val="3911412920"/>
+              </p:ext>
+            </p:extLst>
+          </p:nvPr>
+        </p:nvGraphicFramePr>
+        <p:xfrm>
+          <a:off x="2317315" y="1794086"/>
+          <a:ext cx="7823896" cy="4466108"/>
+        </p:xfrm>
+        <a:graphic>
+          <a:graphicData uri="http://schemas.openxmlformats.org/drawingml/2006/chart">
+            <c:chart xmlns:c="http://schemas.openxmlformats.org/drawingml/2006/chart" xmlns:r="http://schemas.openxmlformats.org/officeDocument/2006/relationships" r:id="rId2"/>
+          </a:graphicData>
+        </a:graphic>
+      </p:graphicFrame>
     </p:spTree>
   </p:cSld>
   <p:clrMapOvr>

--- a/The-Limits-to-Growth/LTG-L12-Beyond-the-Circular-Economy--Part-2.pptx
+++ b/The-Limits-to-Growth/LTG-L12-Beyond-the-Circular-Economy--Part-2.pptx
@@ -40,19 +40,20 @@
     <p:sldId id="280" r:id="rId34"/>
     <p:sldId id="281" r:id="rId35"/>
     <p:sldId id="282" r:id="rId36"/>
-    <p:sldId id="283" r:id="rId37"/>
-    <p:sldId id="284" r:id="rId38"/>
-    <p:sldId id="285" r:id="rId39"/>
-    <p:sldId id="286" r:id="rId40"/>
-    <p:sldId id="287" r:id="rId41"/>
-    <p:sldId id="288" r:id="rId42"/>
-    <p:sldId id="289" r:id="rId43"/>
-    <p:sldId id="290" r:id="rId44"/>
-    <p:sldId id="291" r:id="rId45"/>
-    <p:sldId id="292" r:id="rId46"/>
-    <p:sldId id="293" r:id="rId47"/>
-    <p:sldId id="294" r:id="rId48"/>
-    <p:sldId id="295" r:id="rId49"/>
+    <p:sldId id="296" r:id="rId37"/>
+    <p:sldId id="283" r:id="rId38"/>
+    <p:sldId id="284" r:id="rId39"/>
+    <p:sldId id="285" r:id="rId40"/>
+    <p:sldId id="286" r:id="rId41"/>
+    <p:sldId id="287" r:id="rId42"/>
+    <p:sldId id="288" r:id="rId43"/>
+    <p:sldId id="289" r:id="rId44"/>
+    <p:sldId id="290" r:id="rId45"/>
+    <p:sldId id="291" r:id="rId46"/>
+    <p:sldId id="292" r:id="rId47"/>
+    <p:sldId id="293" r:id="rId48"/>
+    <p:sldId id="294" r:id="rId49"/>
+    <p:sldId id="295" r:id="rId50"/>
   </p:sldIdLst>
   <p:sldSz cx="12192000" cy="6858000"/>
   <p:notesSz cx="7559675" cy="10691813"/>
@@ -180,33 +181,27 @@
           <a:lstStyle/>
           <a:p>
             <a:pPr>
-              <a:defRPr sz="2128" b="1" i="0" u="none" strike="noStrike" kern="1200" spc="100" baseline="0">
-                <a:solidFill>
-                  <a:schemeClr val="lt1">
-                    <a:lumMod val="95000"/>
+              <a:defRPr sz="2128" b="1" i="0" u="none" strike="noStrike" kern="1200" cap="none" spc="0" normalizeH="0" baseline="0">
+                <a:solidFill>
+                  <a:schemeClr val="dk1">
+                    <a:lumMod val="50000"/>
+                    <a:lumOff val="50000"/>
                   </a:schemeClr>
                 </a:solidFill>
-                <a:effectLst>
-                  <a:outerShdw blurRad="50800" dist="38100" dir="5400000" algn="t" rotWithShape="0">
-                    <a:prstClr val="black">
-                      <a:alpha val="40000"/>
-                    </a:prstClr>
-                  </a:outerShdw>
-                </a:effectLst>
-                <a:latin typeface="+mn-lt"/>
-                <a:ea typeface="+mn-ea"/>
-                <a:cs typeface="+mn-cs"/>
+                <a:latin typeface="+mj-lt"/>
+                <a:ea typeface="+mj-ea"/>
+                <a:cs typeface="+mj-cs"/>
               </a:defRPr>
             </a:pPr>
             <a:r>
-              <a:rPr lang="de-DE" noProof="0" dirty="0"/>
-              <a:t>Verteilung</a:t>
-            </a:r>
-            <a:r>
-              <a:rPr lang="de-DE" baseline="0" noProof="0" dirty="0"/>
-              <a:t> der Bundeshauhalt  Daten</a:t>
-            </a:r>
-            <a:endParaRPr lang="de-DE" noProof="0" dirty="0"/>
+              <a:rPr lang="en-US" sz="2000" b="1" i="0" baseline="0" dirty="0">
+                <a:effectLst/>
+              </a:rPr>
+              <a:t>Distribution of Federal Expenditures by Sector </a:t>
+            </a:r>
+            <a:endParaRPr lang="de-DE" sz="2400" dirty="0">
+              <a:effectLst/>
+            </a:endParaRPr>
           </a:p>
         </c:rich>
       </c:tx>
@@ -223,22 +218,16 @@
         <a:lstStyle/>
         <a:p>
           <a:pPr>
-            <a:defRPr sz="2128" b="1" i="0" u="none" strike="noStrike" kern="1200" spc="100" baseline="0">
-              <a:solidFill>
-                <a:schemeClr val="lt1">
-                  <a:lumMod val="95000"/>
+            <a:defRPr sz="2128" b="1" i="0" u="none" strike="noStrike" kern="1200" cap="none" spc="0" normalizeH="0" baseline="0">
+              <a:solidFill>
+                <a:schemeClr val="dk1">
+                  <a:lumMod val="50000"/>
+                  <a:lumOff val="50000"/>
                 </a:schemeClr>
               </a:solidFill>
-              <a:effectLst>
-                <a:outerShdw blurRad="50800" dist="38100" dir="5400000" algn="t" rotWithShape="0">
-                  <a:prstClr val="black">
-                    <a:alpha val="40000"/>
-                  </a:prstClr>
-                </a:outerShdw>
-              </a:effectLst>
-              <a:latin typeface="+mn-lt"/>
-              <a:ea typeface="+mn-ea"/>
-              <a:cs typeface="+mn-cs"/>
+              <a:latin typeface="+mj-lt"/>
+              <a:ea typeface="+mj-ea"/>
+              <a:cs typeface="+mj-cs"/>
             </a:defRPr>
           </a:pPr>
           <a:endParaRPr lang="de-DE"/>
@@ -247,7 +236,17 @@
     </c:title>
     <c:autoTitleDeleted val="0"/>
     <c:plotArea>
-      <c:layout/>
+      <c:layout>
+        <c:manualLayout>
+          <c:layoutTarget val="inner"/>
+          <c:xMode val="edge"/>
+          <c:yMode val="edge"/>
+          <c:x val="0.46122931555459828"/>
+          <c:y val="0.10640091479387526"/>
+          <c:w val="0.52206933070108297"/>
+          <c:h val="0.77285941422212889"/>
+        </c:manualLayout>
+      </c:layout>
       <c:barChart>
         <c:barDir val="bar"/>
         <c:grouping val="clustered"/>
@@ -261,43 +260,19 @@
               <c:strCache>
                 <c:ptCount val="1"/>
                 <c:pt idx="0">
-                  <c:v>Anteil an Gesamthaushalt</c:v>
+                  <c:v>Percentage share of overall budget</c:v>
                 </c:pt>
               </c:strCache>
             </c:strRef>
           </c:tx>
           <c:spPr>
-            <a:gradFill>
-              <a:gsLst>
-                <a:gs pos="0">
-                  <a:schemeClr val="accent3">
-                    <a:shade val="51000"/>
-                  </a:schemeClr>
-                </a:gs>
-                <a:gs pos="80000">
-                  <a:schemeClr val="accent3">
-                    <a:shade val="93000"/>
-                  </a:schemeClr>
-                </a:gs>
-                <a:gs pos="100000">
-                  <a:schemeClr val="accent3">
-                    <a:shade val="94000"/>
-                  </a:schemeClr>
-                </a:gs>
-              </a:gsLst>
-              <a:lin ang="16200000" scaled="0"/>
-              <a:tileRect/>
-            </a:gradFill>
+            <a:solidFill>
+              <a:schemeClr val="accent3"/>
+            </a:solidFill>
             <a:ln>
               <a:noFill/>
             </a:ln>
-            <a:effectLst>
-              <a:outerShdw blurRad="57150" dist="19050" dir="5400000" algn="ctr" rotWithShape="0">
-                <a:srgbClr val="000000">
-                  <a:alpha val="63000"/>
-                </a:srgbClr>
-              </a:outerShdw>
-            </a:effectLst>
+            <a:effectLst/>
           </c:spPr>
           <c:invertIfNegative val="0"/>
           <c:dLbls>
@@ -315,10 +290,11 @@
               <a:lstStyle/>
               <a:p>
                 <a:pPr>
-                  <a:defRPr sz="1197" b="0" i="0" u="none" strike="noStrike" kern="1200" baseline="0">
+                  <a:defRPr sz="1100" b="0" i="1" u="none" strike="noStrike" kern="1200" baseline="0">
                     <a:solidFill>
-                      <a:schemeClr val="lt1">
-                        <a:lumMod val="85000"/>
+                      <a:schemeClr val="dk1">
+                        <a:lumMod val="75000"/>
+                        <a:lumOff val="25000"/>
                       </a:schemeClr>
                     </a:solidFill>
                     <a:latin typeface="+mn-lt"/>
@@ -341,13 +317,14 @@
                 <c15:showLeaderLines val="1"/>
                 <c15:leaderLines>
                   <c:spPr>
-                    <a:ln w="9525">
+                    <a:ln w="9525" cap="flat" cmpd="sng" algn="ctr">
                       <a:solidFill>
-                        <a:schemeClr val="lt1">
-                          <a:lumMod val="95000"/>
-                          <a:alpha val="54000"/>
+                        <a:schemeClr val="dk1">
+                          <a:lumMod val="35000"/>
+                          <a:lumOff val="65000"/>
                         </a:schemeClr>
                       </a:solidFill>
+                      <a:round/>
                     </a:ln>
                     <a:effectLst/>
                   </c:spPr>
@@ -524,7 +501,7 @@
           </c:val>
           <c:extLst>
             <c:ext xmlns:c16="http://schemas.microsoft.com/office/drawing/2014/chart" uri="{C3380CC4-5D6E-409C-BE32-E72D297353CC}">
-              <c16:uniqueId val="{00000000-7E0E-4D5E-81C8-F63E86B1D7CB}"/>
+              <c16:uniqueId val="{00000000-655C-4DCF-838E-6BA11AD3D414}"/>
             </c:ext>
           </c:extLst>
         </c:ser>
@@ -536,7 +513,7 @@
           <c:showPercent val="0"/>
           <c:showBubbleSize val="0"/>
         </c:dLbls>
-        <c:gapWidth val="115"/>
+        <c:gapWidth val="247"/>
         <c:overlap val="-20"/>
         <c:axId val="2131243647"/>
         <c:axId val="2131246559"/>
@@ -552,9 +529,9 @@
           <c:spPr>
             <a:ln w="9525" cap="flat" cmpd="sng" algn="ctr">
               <a:solidFill>
-                <a:schemeClr val="lt1">
-                  <a:lumMod val="95000"/>
-                  <a:alpha val="10000"/>
+                <a:schemeClr val="dk1">
+                  <a:lumMod val="15000"/>
+                  <a:lumOff val="85000"/>
                 </a:schemeClr>
               </a:solidFill>
               <a:round/>
@@ -580,8 +557,9 @@
             <a:pPr>
               <a:defRPr sz="1197" b="0" i="0" u="none" strike="noStrike" kern="1200" baseline="0">
                 <a:solidFill>
-                  <a:schemeClr val="lt1">
-                    <a:lumMod val="85000"/>
+                  <a:schemeClr val="dk1">
+                    <a:lumMod val="65000"/>
+                    <a:lumOff val="35000"/>
                   </a:schemeClr>
                 </a:solidFill>
                 <a:latin typeface="+mn-lt"/>
@@ -603,17 +581,31 @@
         </c:scaling>
         <c:delete val="0"/>
         <c:axPos val="l"/>
+        <c:majorGridlines>
+          <c:spPr>
+            <a:ln w="9525" cap="flat" cmpd="sng" algn="ctr">
+              <a:solidFill>
+                <a:schemeClr val="dk1">
+                  <a:lumMod val="15000"/>
+                  <a:lumOff val="85000"/>
+                </a:schemeClr>
+              </a:solidFill>
+              <a:round/>
+            </a:ln>
+            <a:effectLst/>
+          </c:spPr>
+        </c:majorGridlines>
         <c:numFmt formatCode="General" sourceLinked="1"/>
-        <c:majorTickMark val="none"/>
+        <c:majorTickMark val="out"/>
         <c:minorTickMark val="none"/>
         <c:tickLblPos val="nextTo"/>
         <c:spPr>
           <a:noFill/>
-          <a:ln w="12700" cap="flat" cmpd="sng" algn="ctr">
+          <a:ln w="9525" cap="flat" cmpd="sng" algn="ctr">
             <a:solidFill>
-              <a:schemeClr val="lt1">
-                <a:lumMod val="95000"/>
-                <a:alpha val="54000"/>
+              <a:schemeClr val="dk1">
+                <a:lumMod val="15000"/>
+                <a:lumOff val="85000"/>
               </a:schemeClr>
             </a:solidFill>
             <a:round/>
@@ -625,10 +617,11 @@
           <a:lstStyle/>
           <a:p>
             <a:pPr>
-              <a:defRPr sz="1197" b="0" i="0" u="none" strike="noStrike" kern="1200" baseline="0">
-                <a:solidFill>
-                  <a:schemeClr val="lt1">
-                    <a:lumMod val="85000"/>
+              <a:defRPr sz="1100" b="0" i="0" u="none" strike="noStrike" kern="1200" cap="none" spc="0" normalizeH="0" baseline="0">
+                <a:solidFill>
+                  <a:schemeClr val="dk1">
+                    <a:lumMod val="65000"/>
+                    <a:lumOff val="35000"/>
                   </a:schemeClr>
                 </a:solidFill>
                 <a:latin typeface="+mn-lt"/>
@@ -647,7 +640,17 @@
         <c:noMultiLvlLbl val="0"/>
       </c:catAx>
       <c:spPr>
-        <a:noFill/>
+        <a:pattFill prst="ltDnDiag">
+          <a:fgClr>
+            <a:schemeClr val="dk1">
+              <a:lumMod val="15000"/>
+              <a:lumOff val="85000"/>
+            </a:schemeClr>
+          </a:fgClr>
+          <a:bgClr>
+            <a:schemeClr val="lt1"/>
+          </a:bgClr>
+        </a:pattFill>
         <a:ln>
           <a:noFill/>
         </a:ln>
@@ -656,6 +659,16 @@
     </c:plotArea>
     <c:legend>
       <c:legendPos val="b"/>
+      <c:layout>
+        <c:manualLayout>
+          <c:xMode val="edge"/>
+          <c:yMode val="edge"/>
+          <c:x val="0.38489707126543127"/>
+          <c:y val="0.93875400336214088"/>
+          <c:w val="0.3755590577113283"/>
+          <c:h val="4.5092655873180461E-2"/>
+        </c:manualLayout>
+      </c:layout>
       <c:overlay val="0"/>
       <c:spPr>
         <a:noFill/>
@@ -671,8 +684,9 @@
           <a:pPr>
             <a:defRPr sz="1197" b="0" i="0" u="none" strike="noStrike" kern="1200" baseline="0">
               <a:solidFill>
-                <a:schemeClr val="lt1">
-                  <a:lumMod val="85000"/>
+                <a:schemeClr val="dk1">
+                  <a:lumMod val="65000"/>
+                  <a:lumOff val="35000"/>
                 </a:schemeClr>
               </a:solidFill>
               <a:latin typeface="+mn-lt"/>
@@ -696,28 +710,14 @@
     <c:showDLblsOverMax val="0"/>
   </c:chart>
   <c:spPr>
-    <a:gradFill flip="none" rotWithShape="1">
-      <a:gsLst>
-        <a:gs pos="0">
-          <a:schemeClr val="dk1">
-            <a:lumMod val="65000"/>
-            <a:lumOff val="35000"/>
-          </a:schemeClr>
-        </a:gs>
-        <a:gs pos="100000">
-          <a:schemeClr val="dk1">
-            <a:lumMod val="85000"/>
-            <a:lumOff val="15000"/>
-          </a:schemeClr>
-        </a:gs>
-      </a:gsLst>
-      <a:path path="circle">
-        <a:fillToRect l="50000" t="50000" r="50000" b="50000"/>
-      </a:path>
-      <a:tileRect/>
-    </a:gradFill>
-    <a:ln>
-      <a:noFill/>
+    <a:solidFill>
+      <a:schemeClr val="lt1"/>
+    </a:solidFill>
+    <a:ln w="9525" cap="flat" cmpd="sng" algn="ctr">
+      <a:solidFill>
+        <a:schemeClr val="bg1"/>
+      </a:solidFill>
+      <a:round/>
     </a:ln>
     <a:effectLst/>
   </c:spPr>
@@ -737,46 +737,314 @@
 </c:chartSpace>
 </file>
 
+<file path=ppt/charts/chartEx1.xml><?xml version="1.0" encoding="utf-8"?>
+<cx:chartSpace xmlns:a="http://schemas.openxmlformats.org/drawingml/2006/main" xmlns:r="http://schemas.openxmlformats.org/officeDocument/2006/relationships" xmlns:cx="http://schemas.microsoft.com/office/drawing/2014/chartex">
+  <cx:chartData>
+    <cx:externalData r:id="rId1" cx:autoUpdate="0"/>
+    <cx:data id="0">
+      <cx:strDim type="cat">
+        <cx:f dir="row">Tabelle1!$A$2:$A$26</cx:f>
+        <cx:lvl ptCount="25">
+          <cx:pt idx="0">Bundesministerium für Arbeit und Soziales</cx:pt>
+          <cx:pt idx="1">Bundesministerium der Verteidigung</cx:pt>
+          <cx:pt idx="2">Bundesministerium für Digitales und Verkehr</cx:pt>
+          <cx:pt idx="3">Allgemeine Finanzverwaltung</cx:pt>
+          <cx:pt idx="4">Bundesschuld</cx:pt>
+          <cx:pt idx="5">Bundesministerium für Bildung und Forschung</cx:pt>
+          <cx:pt idx="6">Bundesministerium für Gesundheit</cx:pt>
+          <cx:pt idx="7">Bundesministerium für Familie, Senioren, Frauen und Jugend</cx:pt>
+          <cx:pt idx="8">Bundesministerium des Innern und für Heimat</cx:pt>
+          <cx:pt idx="9">Bundesministerium für wirtschaftliche Zusammenarbeit und Entwicklung</cx:pt>
+          <cx:pt idx="10">Bundesministerium für Wirtschaft und Klimaschutz</cx:pt>
+          <cx:pt idx="11">Bundesministerium der Finanzen</cx:pt>
+          <cx:pt idx="12">Bundesministerium für Wohnen, Stadtentwicklung und Bauwesen</cx:pt>
+          <cx:pt idx="13">Bundesministerium für Ernährung und Landwirtschaft</cx:pt>
+          <cx:pt idx="14">Auswärtiges Amt</cx:pt>
+          <cx:pt idx="15">Bundeskanzler und Bundeskanzleramt</cx:pt>
+          <cx:pt idx="16">Bundesministerium für Umwelt, Naturschutz, nukleare Sicherheit und Verbraucherschutz</cx:pt>
+          <cx:pt idx="17">Deutscher Bundestag</cx:pt>
+          <cx:pt idx="18">Bundesministerium der Justiz</cx:pt>
+          <cx:pt idx="19">Bundesrechnungshof</cx:pt>
+          <cx:pt idx="20">Bundespräsident und Bundespräsidialamt</cx:pt>
+          <cx:pt idx="21">Die Bundesbeauftragte für den Datenschutz und die Informationsfreiheit</cx:pt>
+          <cx:pt idx="22">Bundesverfassungsgericht</cx:pt>
+          <cx:pt idx="23">Bundesrat</cx:pt>
+          <cx:pt idx="24">Unabhängiger Kontrollrat</cx:pt>
+        </cx:lvl>
+      </cx:strDim>
+      <cx:numDim type="size">
+        <cx:f dir="row">Tabelle1!$B$2:$B$26</cx:f>
+        <cx:lvl ptCount="25" formatCode="General">
+          <cx:pt idx="0">36.689999999999998</cx:pt>
+          <cx:pt idx="1">10.9</cx:pt>
+          <cx:pt idx="2">10.17</cx:pt>
+          <cx:pt idx="3">9.4499999999999993</cx:pt>
+          <cx:pt idx="4">6.7999999999999998</cx:pt>
+          <cx:pt idx="5">4.5700000000000003</cx:pt>
+          <cx:pt idx="6">3.3599999999999999</cx:pt>
+          <cx:pt idx="7">2.96</cx:pt>
+          <cx:pt idx="8">2.8100000000000001</cx:pt>
+          <cx:pt idx="9">2.1000000000000001</cx:pt>
+          <cx:pt idx="10">2.1000000000000001</cx:pt>
+          <cx:pt idx="11">2.0800000000000001</cx:pt>
+          <cx:pt idx="12">1.52</cx:pt>
+          <cx:pt idx="13">1.3999999999999999</cx:pt>
+          <cx:pt idx="14">1.2</cx:pt>
+          <cx:pt idx="15">0.80000000000000004</cx:pt>
+          <cx:pt idx="16">0.54000000000000004</cx:pt>
+          <cx:pt idx="17">0.26000000000000001</cx:pt>
+          <cx:pt idx="18">0.20999999999999999</cx:pt>
+          <cx:pt idx="19">0.040000000000000001</cx:pt>
+          <cx:pt idx="20">0.01</cx:pt>
+          <cx:pt idx="21">0.01</cx:pt>
+          <cx:pt idx="22">0.01</cx:pt>
+          <cx:pt idx="23">0.01</cx:pt>
+          <cx:pt idx="24">0</cx:pt>
+        </cx:lvl>
+      </cx:numDim>
+    </cx:data>
+  </cx:chartData>
+  <cx:chart>
+    <cx:title pos="t" align="ctr" overlay="0">
+      <cx:tx>
+        <cx:rich>
+          <a:bodyPr rot="0" spcFirstLastPara="1" vertOverflow="ellipsis" vert="horz" wrap="square" lIns="38100" tIns="19050" rIns="38100" bIns="19050" anchor="ctr" anchorCtr="1" compatLnSpc="0"/>
+          <a:lstStyle/>
+          <a:p>
+            <a:pPr marL="0" marR="0" lvl="0" indent="0" algn="ctr" defTabSz="914400" rtl="0" eaLnBrk="1" fontAlgn="auto" latinLnBrk="0" hangingPunct="1">
+              <a:lnSpc>
+                <a:spcPct val="100000"/>
+              </a:lnSpc>
+              <a:spcBef>
+                <a:spcPts val="0"/>
+              </a:spcBef>
+              <a:spcAft>
+                <a:spcPts val="0"/>
+              </a:spcAft>
+              <a:buClrTx/>
+              <a:buSzTx/>
+              <a:buFontTx/>
+              <a:buNone/>
+              <a:tabLst/>
+              <a:defRPr sz="2128" b="1" i="0" u="none" strike="noStrike" kern="1200" cap="none" spc="0" normalizeH="0" baseline="0">
+                <a:solidFill>
+                  <a:prstClr val="black">
+                    <a:lumMod val="50000"/>
+                    <a:lumOff val="50000"/>
+                  </a:prstClr>
+                </a:solidFill>
+                <a:latin typeface="+mj-lt"/>
+                <a:ea typeface="+mj-ea"/>
+                <a:cs typeface="+mj-cs"/>
+              </a:defRPr>
+            </a:pPr>
+            <a:r>
+              <a:rPr lang="en-US" sz="2000" b="1" i="0" kern="1200" spc="0" baseline="0" dirty="0">
+                <a:ln>
+                  <a:noFill/>
+                </a:ln>
+                <a:solidFill>
+                  <a:srgbClr val="7F7F7F"/>
+                </a:solidFill>
+                <a:effectLst/>
+                <a:latin typeface="Calibri Light" panose="020F0302020204030204" pitchFamily="34" charset="0"/>
+                <a:ea typeface="Calibri" panose="020F0502020204030204" pitchFamily="34" charset="0"/>
+                <a:cs typeface="Calibri" panose="020F0502020204030204" pitchFamily="34" charset="0"/>
+              </a:rPr>
+              <a:t>Distribution of Federal Expenditures by Sector </a:t>
+            </a:r>
+            <a:endParaRPr lang="de-DE" sz="2400" dirty="0">
+              <a:effectLst/>
+            </a:endParaRPr>
+          </a:p>
+        </cx:rich>
+      </cx:tx>
+    </cx:title>
+    <cx:plotArea>
+      <cx:plotAreaRegion>
+        <cx:series layoutId="sunburst" uniqueId="{187807D3-8BDF-429F-A84F-624CA67F957D}">
+          <cx:tx>
+            <cx:txData>
+              <cx:f>Tabelle1!$B$1</cx:f>
+              <cx:v>Anteil an Gesanthaushalt</cx:v>
+            </cx:txData>
+          </cx:tx>
+          <cx:dataLabels pos="ctr">
+            <cx:visibility seriesName="0" categoryName="1" value="0"/>
+            <cx:separator>, </cx:separator>
+            <cx:dataLabel idx="5">
+              <cx:txPr>
+                <a:bodyPr spcFirstLastPara="1" vertOverflow="ellipsis" horzOverflow="overflow" wrap="square" lIns="0" tIns="0" rIns="0" bIns="0" anchor="ctr" anchorCtr="1"/>
+                <a:lstStyle/>
+                <a:p>
+                  <a:pPr algn="ctr" rtl="0">
+                    <a:defRPr sz="800"/>
+                  </a:pPr>
+                  <a:r>
+                    <a:rPr lang="de-DE" sz="800" b="0" i="0" u="none" strike="noStrike" baseline="0">
+                      <a:solidFill>
+                        <a:prstClr val="white"/>
+                      </a:solidFill>
+                      <a:latin typeface="Calibri" panose="020F0502020204030204"/>
+                    </a:rPr>
+                    <a:t>Bundesministerium für Bildung und Forschung</a:t>
+                  </a:r>
+                </a:p>
+              </cx:txPr>
+            </cx:dataLabel>
+            <cx:dataLabel idx="6">
+              <cx:txPr>
+                <a:bodyPr spcFirstLastPara="1" vertOverflow="ellipsis" horzOverflow="overflow" wrap="square" lIns="0" tIns="0" rIns="0" bIns="0" anchor="ctr" anchorCtr="1"/>
+                <a:lstStyle/>
+                <a:p>
+                  <a:pPr algn="ctr" rtl="0">
+                    <a:defRPr sz="800"/>
+                  </a:pPr>
+                  <a:r>
+                    <a:rPr lang="de-DE" sz="800" b="0" i="0" u="none" strike="noStrike" baseline="0">
+                      <a:solidFill>
+                        <a:prstClr val="white"/>
+                      </a:solidFill>
+                      <a:latin typeface="Calibri" panose="020F0502020204030204"/>
+                    </a:rPr>
+                    <a:t>Bundesministerium für Gesundheit</a:t>
+                  </a:r>
+                </a:p>
+              </cx:txPr>
+            </cx:dataLabel>
+            <cx:dataLabel idx="7">
+              <cx:txPr>
+                <a:bodyPr spcFirstLastPara="1" vertOverflow="ellipsis" horzOverflow="overflow" wrap="square" lIns="0" tIns="0" rIns="0" bIns="0" anchor="ctr" anchorCtr="1"/>
+                <a:lstStyle/>
+                <a:p>
+                  <a:pPr algn="ctr" rtl="0">
+                    <a:defRPr sz="700"/>
+                  </a:pPr>
+                  <a:r>
+                    <a:rPr lang="de-DE" sz="700" b="0" i="0" u="none" strike="noStrike" baseline="0">
+                      <a:solidFill>
+                        <a:prstClr val="white"/>
+                      </a:solidFill>
+                      <a:latin typeface="Calibri" panose="020F0502020204030204"/>
+                    </a:rPr>
+                    <a:t>Bundesministerium für Familie, Senioren, Frauen und Jugend</a:t>
+                  </a:r>
+                </a:p>
+              </cx:txPr>
+            </cx:dataLabel>
+            <cx:dataLabel idx="8">
+              <cx:txPr>
+                <a:bodyPr spcFirstLastPara="1" vertOverflow="ellipsis" horzOverflow="overflow" wrap="square" lIns="0" tIns="0" rIns="0" bIns="0" anchor="ctr" anchorCtr="1"/>
+                <a:lstStyle/>
+                <a:p>
+                  <a:pPr algn="ctr" rtl="0">
+                    <a:defRPr sz="600">
+                      <a:solidFill>
+                        <a:schemeClr val="tx1"/>
+                      </a:solidFill>
+                    </a:defRPr>
+                  </a:pPr>
+                  <a:r>
+                    <a:rPr lang="de-DE" sz="600" b="0" i="0" u="none" strike="noStrike" baseline="0">
+                      <a:solidFill>
+                        <a:schemeClr val="tx1"/>
+                      </a:solidFill>
+                      <a:latin typeface="Calibri" panose="020F0502020204030204"/>
+                    </a:rPr>
+                    <a:t>Bundesministerium des Innern und für Heimat</a:t>
+                  </a:r>
+                </a:p>
+              </cx:txPr>
+            </cx:dataLabel>
+          </cx:dataLabels>
+          <cx:dataId val="0"/>
+        </cx:series>
+      </cx:plotAreaRegion>
+    </cx:plotArea>
+  </cx:chart>
+  <cx:clrMapOvr bg1="lt1" tx1="dk1" bg2="lt2" tx2="dk2" accent1="accent1" accent2="accent2" accent3="accent3" accent4="accent4" accent5="accent5" accent6="accent6" hlink="hlink" folHlink="folHlink"/>
+</cx:chartSpace>
+</file>
+
 <file path=ppt/charts/colors1.xml><?xml version="1.0" encoding="utf-8"?>
-<cs:colorStyle xmlns:cs="http://schemas.microsoft.com/office/drawing/2012/chartStyle" xmlns:a="http://schemas.openxmlformats.org/drawingml/2006/main" meth="withinLinearReversed" id="23">
+<cs:colorStyle xmlns:cs="http://schemas.microsoft.com/office/drawing/2012/chartStyle" xmlns:a="http://schemas.openxmlformats.org/drawingml/2006/main" meth="withinLinear" id="16">
   <a:schemeClr val="accent3"/>
 </cs:colorStyle>
 </file>
 
+<file path=ppt/charts/colors2.xml><?xml version="1.0" encoding="utf-8"?>
+<cs:colorStyle xmlns:cs="http://schemas.microsoft.com/office/drawing/2012/chartStyle" xmlns:a="http://schemas.openxmlformats.org/drawingml/2006/main" meth="cycle" id="13">
+  <a:schemeClr val="accent6"/>
+  <a:schemeClr val="accent5"/>
+  <a:schemeClr val="accent4"/>
+  <cs:variation/>
+  <cs:variation>
+    <a:lumMod val="60000"/>
+  </cs:variation>
+  <cs:variation>
+    <a:lumMod val="80000"/>
+    <a:lumOff val="20000"/>
+  </cs:variation>
+  <cs:variation>
+    <a:lumMod val="80000"/>
+  </cs:variation>
+  <cs:variation>
+    <a:lumMod val="60000"/>
+    <a:lumOff val="40000"/>
+  </cs:variation>
+  <cs:variation>
+    <a:lumMod val="50000"/>
+  </cs:variation>
+  <cs:variation>
+    <a:lumMod val="70000"/>
+    <a:lumOff val="30000"/>
+  </cs:variation>
+  <cs:variation>
+    <a:lumMod val="70000"/>
+  </cs:variation>
+  <cs:variation>
+    <a:lumMod val="50000"/>
+    <a:lumOff val="50000"/>
+  </cs:variation>
+</cs:colorStyle>
+</file>
+
 <file path=ppt/charts/style1.xml><?xml version="1.0" encoding="utf-8"?>
-<cs:chartStyle xmlns:cs="http://schemas.microsoft.com/office/drawing/2012/chartStyle" xmlns:a="http://schemas.openxmlformats.org/drawingml/2006/main" id="222">
+<cs:chartStyle xmlns:cs="http://schemas.microsoft.com/office/drawing/2012/chartStyle" xmlns:a="http://schemas.openxmlformats.org/drawingml/2006/main" id="221">
   <cs:axisTitle>
     <cs:lnRef idx="0"/>
     <cs:fillRef idx="0"/>
     <cs:effectRef idx="0"/>
     <cs:fontRef idx="minor">
-      <a:schemeClr val="lt1">
-        <a:lumMod val="85000"/>
+      <a:schemeClr val="dk1">
+        <a:lumMod val="65000"/>
+        <a:lumOff val="35000"/>
       </a:schemeClr>
     </cs:fontRef>
-    <cs:defRPr sz="1197" b="1" kern="1200" cap="all"/>
+    <cs:defRPr sz="1197" b="1" kern="1200"/>
   </cs:axisTitle>
   <cs:categoryAxis>
     <cs:lnRef idx="0"/>
     <cs:fillRef idx="0"/>
     <cs:effectRef idx="0"/>
     <cs:fontRef idx="minor">
-      <a:schemeClr val="lt1">
-        <a:lumMod val="85000"/>
+      <a:schemeClr val="dk1">
+        <a:lumMod val="65000"/>
+        <a:lumOff val="35000"/>
       </a:schemeClr>
     </cs:fontRef>
     <cs:spPr>
-      <a:ln w="12700" cap="flat" cmpd="sng" algn="ctr">
+      <a:ln w="9525" cap="flat" cmpd="sng" algn="ctr">
         <a:solidFill>
-          <a:schemeClr val="lt1">
-            <a:lumMod val="95000"/>
-            <a:alpha val="54000"/>
+          <a:schemeClr val="dk1">
+            <a:lumMod val="15000"/>
+            <a:lumOff val="85000"/>
           </a:schemeClr>
         </a:solidFill>
         <a:round/>
       </a:ln>
     </cs:spPr>
-    <cs:defRPr sz="1197" kern="1200"/>
+    <cs:defRPr sz="1197" kern="1200" cap="none" spc="0" normalizeH="0" baseline="0"/>
   </cs:categoryAxis>
   <cs:chartArea>
     <cs:lnRef idx="0"/>
@@ -786,36 +1054,29 @@
       <a:schemeClr val="dk1"/>
     </cs:fontRef>
     <cs:spPr>
-      <a:gradFill flip="none" rotWithShape="1">
-        <a:gsLst>
-          <a:gs pos="0">
-            <a:schemeClr val="dk1">
-              <a:lumMod val="65000"/>
-              <a:lumOff val="35000"/>
-            </a:schemeClr>
-          </a:gs>
-          <a:gs pos="100000">
-            <a:schemeClr val="dk1">
-              <a:lumMod val="85000"/>
-              <a:lumOff val="15000"/>
-            </a:schemeClr>
-          </a:gs>
-        </a:gsLst>
-        <a:path path="circle">
-          <a:fillToRect l="50000" t="50000" r="50000" b="50000"/>
-        </a:path>
-        <a:tileRect/>
-      </a:gradFill>
+      <a:solidFill>
+        <a:schemeClr val="lt1"/>
+      </a:solidFill>
+      <a:ln w="9525" cap="flat" cmpd="sng" algn="ctr">
+        <a:solidFill>
+          <a:schemeClr val="dk1">
+            <a:lumMod val="15000"/>
+            <a:lumOff val="85000"/>
+          </a:schemeClr>
+        </a:solidFill>
+        <a:round/>
+      </a:ln>
     </cs:spPr>
-    <cs:defRPr sz="1330" kern="1200"/>
+    <cs:defRPr sz="1197" kern="1200"/>
   </cs:chartArea>
   <cs:dataLabel>
     <cs:lnRef idx="0"/>
     <cs:fillRef idx="0"/>
     <cs:effectRef idx="0"/>
     <cs:fontRef idx="minor">
-      <a:schemeClr val="lt1">
-        <a:lumMod val="85000"/>
+      <a:schemeClr val="dk1">
+        <a:lumMod val="75000"/>
+        <a:lumOff val="25000"/>
       </a:schemeClr>
     </cs:fontRef>
     <cs:defRPr sz="1197" kern="1200"/>
@@ -834,6 +1095,14 @@
       <a:solidFill>
         <a:schemeClr val="lt1"/>
       </a:solidFill>
+      <a:ln>
+        <a:solidFill>
+          <a:schemeClr val="dk1">
+            <a:lumMod val="25000"/>
+            <a:lumOff val="75000"/>
+          </a:schemeClr>
+        </a:solidFill>
+      </a:ln>
     </cs:spPr>
     <cs:defRPr sz="1197" kern="1200"/>
     <cs:bodyPr rot="0" spcFirstLastPara="1" vertOverflow="clip" horzOverflow="clip" vert="horz" wrap="square" lIns="36576" tIns="18288" rIns="36576" bIns="18288" anchor="ctr" anchorCtr="1">
@@ -842,35 +1111,45 @@
   </cs:dataLabelCallout>
   <cs:dataPoint>
     <cs:lnRef idx="0"/>
-    <cs:fillRef idx="3">
+    <cs:fillRef idx="0">
       <cs:styleClr val="auto"/>
     </cs:fillRef>
-    <cs:effectRef idx="3"/>
+    <cs:effectRef idx="0"/>
     <cs:fontRef idx="minor">
-      <a:schemeClr val="tx1"/>
+      <a:schemeClr val="dk1"/>
     </cs:fontRef>
+    <cs:spPr>
+      <a:solidFill>
+        <a:schemeClr val="phClr"/>
+      </a:solidFill>
+    </cs:spPr>
   </cs:dataPoint>
   <cs:dataPoint3D>
     <cs:lnRef idx="0"/>
-    <cs:fillRef idx="3">
+    <cs:fillRef idx="0">
       <cs:styleClr val="auto"/>
     </cs:fillRef>
-    <cs:effectRef idx="3"/>
+    <cs:effectRef idx="0"/>
     <cs:fontRef idx="minor">
-      <a:schemeClr val="tx1"/>
+      <a:schemeClr val="dk1"/>
     </cs:fontRef>
+    <cs:spPr>
+      <a:solidFill>
+        <a:schemeClr val="phClr"/>
+      </a:solidFill>
+    </cs:spPr>
   </cs:dataPoint3D>
   <cs:dataPointLine>
     <cs:lnRef idx="0">
       <cs:styleClr val="auto"/>
     </cs:lnRef>
-    <cs:fillRef idx="3"/>
-    <cs:effectRef idx="3"/>
+    <cs:fillRef idx="0"/>
+    <cs:effectRef idx="0"/>
     <cs:fontRef idx="minor">
-      <a:schemeClr val="tx1"/>
+      <a:schemeClr val="dk1"/>
     </cs:fontRef>
     <cs:spPr>
-      <a:ln w="34925" cap="rnd">
+      <a:ln w="22225" cap="rnd">
         <a:solidFill>
           <a:schemeClr val="phClr"/>
         </a:solidFill>
@@ -882,15 +1161,18 @@
     <cs:lnRef idx="0">
       <cs:styleClr val="auto"/>
     </cs:lnRef>
-    <cs:fillRef idx="3">
+    <cs:fillRef idx="0">
       <cs:styleClr val="auto"/>
     </cs:fillRef>
-    <cs:effectRef idx="3"/>
+    <cs:effectRef idx="0"/>
     <cs:fontRef idx="minor">
-      <a:schemeClr val="tx1"/>
+      <a:schemeClr val="dk1"/>
     </cs:fontRef>
     <cs:spPr>
-      <a:ln w="9525">
+      <a:solidFill>
+        <a:schemeClr val="lt1"/>
+      </a:solidFill>
+      <a:ln w="15875">
         <a:solidFill>
           <a:schemeClr val="phClr"/>
         </a:solidFill>
@@ -898,15 +1180,15 @@
       </a:ln>
     </cs:spPr>
   </cs:dataPointMarker>
-  <cs:dataPointMarkerLayout size="5"/>
+  <cs:dataPointMarkerLayout symbol="circle" size="6"/>
   <cs:dataPointWireframe>
     <cs:lnRef idx="0">
       <cs:styleClr val="auto"/>
     </cs:lnRef>
-    <cs:fillRef idx="3"/>
-    <cs:effectRef idx="3"/>
+    <cs:fillRef idx="0"/>
+    <cs:effectRef idx="0"/>
     <cs:fontRef idx="minor">
-      <a:schemeClr val="tx1"/>
+      <a:schemeClr val="dk1"/>
     </cs:fontRef>
     <cs:spPr>
       <a:ln w="9525" cap="rnd">
@@ -922,23 +1204,398 @@
     <cs:fillRef idx="0"/>
     <cs:effectRef idx="0"/>
     <cs:fontRef idx="minor">
-      <a:schemeClr val="lt1">
-        <a:lumMod val="85000"/>
+      <a:schemeClr val="dk1">
+        <a:lumMod val="65000"/>
+        <a:lumOff val="35000"/>
       </a:schemeClr>
     </cs:fontRef>
     <cs:spPr>
-      <a:ln w="9525">
+      <a:ln w="9525" cap="flat" cmpd="sng" algn="ctr">
         <a:solidFill>
-          <a:schemeClr val="lt1">
-            <a:lumMod val="95000"/>
-            <a:alpha val="54000"/>
+          <a:schemeClr val="dk1">
+            <a:lumMod val="15000"/>
+            <a:lumOff val="85000"/>
           </a:schemeClr>
+        </a:solidFill>
+        <a:round/>
+      </a:ln>
+    </cs:spPr>
+    <cs:defRPr sz="1064" kern="1200"/>
+  </cs:dataTable>
+  <cs:downBar>
+    <cs:lnRef idx="0"/>
+    <cs:fillRef idx="0"/>
+    <cs:effectRef idx="0"/>
+    <cs:fontRef idx="minor">
+      <a:schemeClr val="dk1"/>
+    </cs:fontRef>
+    <cs:spPr>
+      <a:solidFill>
+        <a:schemeClr val="dk1">
+          <a:lumMod val="75000"/>
+          <a:lumOff val="25000"/>
+        </a:schemeClr>
+      </a:solidFill>
+      <a:ln w="9525" cap="flat" cmpd="sng" algn="ctr">
+        <a:solidFill>
+          <a:schemeClr val="dk1">
+            <a:lumMod val="50000"/>
+            <a:lumOff val="50000"/>
+          </a:schemeClr>
+        </a:solidFill>
+        <a:round/>
+      </a:ln>
+    </cs:spPr>
+  </cs:downBar>
+  <cs:dropLine>
+    <cs:lnRef idx="0"/>
+    <cs:fillRef idx="0"/>
+    <cs:effectRef idx="0"/>
+    <cs:fontRef idx="minor">
+      <a:schemeClr val="dk1"/>
+    </cs:fontRef>
+    <cs:spPr>
+      <a:ln w="9525" cap="flat" cmpd="sng" algn="ctr">
+        <a:solidFill>
+          <a:schemeClr val="dk1">
+            <a:lumMod val="35000"/>
+            <a:lumOff val="65000"/>
+          </a:schemeClr>
+        </a:solidFill>
+        <a:round/>
+      </a:ln>
+    </cs:spPr>
+  </cs:dropLine>
+  <cs:errorBar>
+    <cs:lnRef idx="0"/>
+    <cs:fillRef idx="0"/>
+    <cs:effectRef idx="0"/>
+    <cs:fontRef idx="minor">
+      <a:schemeClr val="dk1"/>
+    </cs:fontRef>
+    <cs:spPr>
+      <a:ln w="9525" cap="flat" cmpd="sng" algn="ctr">
+        <a:solidFill>
+          <a:schemeClr val="dk1">
+            <a:lumMod val="50000"/>
+            <a:lumOff val="50000"/>
+          </a:schemeClr>
+        </a:solidFill>
+        <a:round/>
+      </a:ln>
+    </cs:spPr>
+  </cs:errorBar>
+  <cs:floor>
+    <cs:lnRef idx="0"/>
+    <cs:fillRef idx="0"/>
+    <cs:effectRef idx="0"/>
+    <cs:fontRef idx="minor">
+      <a:schemeClr val="dk1"/>
+    </cs:fontRef>
+    <cs:spPr>
+      <a:pattFill prst="ltDnDiag">
+        <a:fgClr>
+          <a:schemeClr val="dk1">
+            <a:lumMod val="15000"/>
+            <a:lumOff val="85000"/>
+          </a:schemeClr>
+        </a:fgClr>
+        <a:bgClr>
+          <a:schemeClr val="lt1"/>
+        </a:bgClr>
+      </a:pattFill>
+    </cs:spPr>
+  </cs:floor>
+  <cs:gridlineMajor>
+    <cs:lnRef idx="0"/>
+    <cs:fillRef idx="0"/>
+    <cs:effectRef idx="0"/>
+    <cs:fontRef idx="minor">
+      <a:schemeClr val="dk1"/>
+    </cs:fontRef>
+    <cs:spPr>
+      <a:ln w="9525" cap="flat" cmpd="sng" algn="ctr">
+        <a:solidFill>
+          <a:schemeClr val="dk1">
+            <a:lumMod val="15000"/>
+            <a:lumOff val="85000"/>
+          </a:schemeClr>
+        </a:solidFill>
+        <a:round/>
+      </a:ln>
+    </cs:spPr>
+  </cs:gridlineMajor>
+  <cs:gridlineMinor>
+    <cs:lnRef idx="0"/>
+    <cs:fillRef idx="0"/>
+    <cs:effectRef idx="0"/>
+    <cs:fontRef idx="minor">
+      <a:schemeClr val="dk1"/>
+    </cs:fontRef>
+    <cs:spPr>
+      <a:ln w="9525" cap="flat" cmpd="sng" algn="ctr">
+        <a:solidFill>
+          <a:schemeClr val="dk1">
+            <a:lumMod val="5000"/>
+            <a:lumOff val="95000"/>
+          </a:schemeClr>
+        </a:solidFill>
+        <a:round/>
+      </a:ln>
+    </cs:spPr>
+  </cs:gridlineMinor>
+  <cs:hiLoLine>
+    <cs:lnRef idx="0"/>
+    <cs:fillRef idx="0"/>
+    <cs:effectRef idx="0"/>
+    <cs:fontRef idx="minor">
+      <a:schemeClr val="dk1"/>
+    </cs:fontRef>
+    <cs:spPr>
+      <a:ln w="9525" cap="flat" cmpd="sng" algn="ctr">
+        <a:solidFill>
+          <a:schemeClr val="dk1">
+            <a:lumMod val="35000"/>
+            <a:lumOff val="65000"/>
+          </a:schemeClr>
+        </a:solidFill>
+        <a:round/>
+      </a:ln>
+    </cs:spPr>
+  </cs:hiLoLine>
+  <cs:leaderLine>
+    <cs:lnRef idx="0"/>
+    <cs:fillRef idx="0"/>
+    <cs:effectRef idx="0"/>
+    <cs:fontRef idx="minor">
+      <a:schemeClr val="dk1"/>
+    </cs:fontRef>
+    <cs:spPr>
+      <a:ln w="9525" cap="flat" cmpd="sng" algn="ctr">
+        <a:solidFill>
+          <a:schemeClr val="dk1">
+            <a:lumMod val="35000"/>
+            <a:lumOff val="65000"/>
+          </a:schemeClr>
+        </a:solidFill>
+        <a:round/>
+      </a:ln>
+    </cs:spPr>
+  </cs:leaderLine>
+  <cs:legend>
+    <cs:lnRef idx="0"/>
+    <cs:fillRef idx="0"/>
+    <cs:effectRef idx="0"/>
+    <cs:fontRef idx="minor">
+      <a:schemeClr val="dk1">
+        <a:lumMod val="65000"/>
+        <a:lumOff val="35000"/>
+      </a:schemeClr>
+    </cs:fontRef>
+    <cs:defRPr sz="1197" kern="1200"/>
+  </cs:legend>
+  <cs:plotArea>
+    <cs:lnRef idx="0"/>
+    <cs:fillRef idx="0"/>
+    <cs:effectRef idx="0"/>
+    <cs:fontRef idx="minor">
+      <a:schemeClr val="dk1"/>
+    </cs:fontRef>
+    <cs:spPr>
+      <a:pattFill prst="ltDnDiag">
+        <a:fgClr>
+          <a:schemeClr val="dk1">
+            <a:lumMod val="15000"/>
+            <a:lumOff val="85000"/>
+          </a:schemeClr>
+        </a:fgClr>
+        <a:bgClr>
+          <a:schemeClr val="lt1"/>
+        </a:bgClr>
+      </a:pattFill>
+    </cs:spPr>
+  </cs:plotArea>
+  <cs:plotArea3D>
+    <cs:lnRef idx="0"/>
+    <cs:fillRef idx="0"/>
+    <cs:effectRef idx="0"/>
+    <cs:fontRef idx="minor">
+      <a:schemeClr val="dk1"/>
+    </cs:fontRef>
+    <cs:spPr>
+      <a:solidFill>
+        <a:schemeClr val="lt1"/>
+      </a:solidFill>
+    </cs:spPr>
+  </cs:plotArea3D>
+  <cs:seriesAxis>
+    <cs:lnRef idx="0"/>
+    <cs:fillRef idx="0"/>
+    <cs:effectRef idx="0"/>
+    <cs:fontRef idx="minor">
+      <a:schemeClr val="dk1">
+        <a:lumMod val="65000"/>
+        <a:lumOff val="35000"/>
+      </a:schemeClr>
+    </cs:fontRef>
+    <cs:defRPr sz="1197" kern="1200"/>
+  </cs:seriesAxis>
+  <cs:seriesLine>
+    <cs:lnRef idx="0"/>
+    <cs:fillRef idx="0"/>
+    <cs:effectRef idx="0"/>
+    <cs:fontRef idx="minor">
+      <a:schemeClr val="dk1"/>
+    </cs:fontRef>
+    <cs:spPr>
+      <a:ln w="9525" cap="flat" cmpd="sng" algn="ctr">
+        <a:solidFill>
+          <a:schemeClr val="dk1">
+            <a:lumMod val="35000"/>
+            <a:lumOff val="65000"/>
+          </a:schemeClr>
+        </a:solidFill>
+        <a:round/>
+      </a:ln>
+    </cs:spPr>
+  </cs:seriesLine>
+  <cs:title>
+    <cs:lnRef idx="0"/>
+    <cs:fillRef idx="0"/>
+    <cs:effectRef idx="0"/>
+    <cs:fontRef idx="major">
+      <a:schemeClr val="dk1">
+        <a:lumMod val="50000"/>
+        <a:lumOff val="50000"/>
+      </a:schemeClr>
+    </cs:fontRef>
+    <cs:defRPr sz="2128" b="1" kern="1200" cap="none" spc="0" normalizeH="0" baseline="0"/>
+  </cs:title>
+  <cs:trendline>
+    <cs:lnRef idx="0">
+      <cs:styleClr val="auto"/>
+    </cs:lnRef>
+    <cs:fillRef idx="0"/>
+    <cs:effectRef idx="0"/>
+    <cs:fontRef idx="minor">
+      <a:schemeClr val="dk1"/>
+    </cs:fontRef>
+    <cs:spPr>
+      <a:ln w="19050" cap="rnd">
+        <a:solidFill>
+          <a:schemeClr val="phClr"/>
         </a:solidFill>
       </a:ln>
     </cs:spPr>
+  </cs:trendline>
+  <cs:trendlineLabel>
+    <cs:lnRef idx="0"/>
+    <cs:fillRef idx="0"/>
+    <cs:effectRef idx="0"/>
+    <cs:fontRef idx="minor">
+      <a:schemeClr val="dk1">
+        <a:lumMod val="65000"/>
+        <a:lumOff val="35000"/>
+      </a:schemeClr>
+    </cs:fontRef>
     <cs:defRPr sz="1197" kern="1200"/>
-  </cs:dataTable>
-  <cs:downBar>
+  </cs:trendlineLabel>
+  <cs:upBar>
+    <cs:lnRef idx="0"/>
+    <cs:fillRef idx="0"/>
+    <cs:effectRef idx="0"/>
+    <cs:fontRef idx="minor">
+      <a:schemeClr val="dk1"/>
+    </cs:fontRef>
+    <cs:spPr>
+      <a:solidFill>
+        <a:schemeClr val="lt1"/>
+      </a:solidFill>
+      <a:ln w="9525" cap="flat" cmpd="sng" algn="ctr">
+        <a:solidFill>
+          <a:schemeClr val="dk1">
+            <a:lumMod val="50000"/>
+            <a:lumOff val="50000"/>
+          </a:schemeClr>
+        </a:solidFill>
+        <a:round/>
+      </a:ln>
+    </cs:spPr>
+  </cs:upBar>
+  <cs:valueAxis>
+    <cs:lnRef idx="0"/>
+    <cs:fillRef idx="0"/>
+    <cs:effectRef idx="0"/>
+    <cs:fontRef idx="minor">
+      <a:schemeClr val="dk1">
+        <a:lumMod val="65000"/>
+        <a:lumOff val="35000"/>
+      </a:schemeClr>
+    </cs:fontRef>
+    <cs:defRPr sz="1197" kern="1200"/>
+  </cs:valueAxis>
+  <cs:wall>
+    <cs:lnRef idx="0"/>
+    <cs:fillRef idx="0"/>
+    <cs:effectRef idx="0"/>
+    <cs:fontRef idx="minor">
+      <a:schemeClr val="dk1"/>
+    </cs:fontRef>
+    <cs:spPr>
+      <a:pattFill prst="ltDnDiag">
+        <a:fgClr>
+          <a:schemeClr val="dk1">
+            <a:lumMod val="15000"/>
+            <a:lumOff val="85000"/>
+          </a:schemeClr>
+        </a:fgClr>
+        <a:bgClr>
+          <a:schemeClr val="lt1"/>
+        </a:bgClr>
+      </a:pattFill>
+    </cs:spPr>
+  </cs:wall>
+</cs:chartStyle>
+</file>
+
+<file path=ppt/charts/style2.xml><?xml version="1.0" encoding="utf-8"?>
+<cs:chartStyle xmlns:cs="http://schemas.microsoft.com/office/drawing/2012/chartStyle" xmlns:a="http://schemas.openxmlformats.org/drawingml/2006/main" id="381">
+  <cs:axisTitle>
+    <cs:lnRef idx="0"/>
+    <cs:fillRef idx="0"/>
+    <cs:effectRef idx="0"/>
+    <cs:fontRef idx="minor">
+      <a:schemeClr val="tx1">
+        <a:lumMod val="65000"/>
+        <a:lumOff val="35000"/>
+      </a:schemeClr>
+    </cs:fontRef>
+    <cs:defRPr sz="1197"/>
+  </cs:axisTitle>
+  <cs:categoryAxis>
+    <cs:lnRef idx="0"/>
+    <cs:fillRef idx="0"/>
+    <cs:effectRef idx="0"/>
+    <cs:fontRef idx="minor">
+      <a:schemeClr val="tx1">
+        <a:lumMod val="65000"/>
+        <a:lumOff val="35000"/>
+      </a:schemeClr>
+    </cs:fontRef>
+    <cs:spPr>
+      <a:ln w="9525" cap="flat" cmpd="sng" algn="ctr">
+        <a:solidFill>
+          <a:schemeClr val="tx1">
+            <a:lumMod val="15000"/>
+            <a:lumOff val="85000"/>
+          </a:schemeClr>
+        </a:solidFill>
+        <a:round/>
+      </a:ln>
+    </cs:spPr>
+    <cs:defRPr sz="1197"/>
+  </cs:categoryAxis>
+  <cs:chartArea mods="allowNoFillOverride allowNoLineOverride">
     <cs:lnRef idx="0"/>
     <cs:fillRef idx="0"/>
     <cs:effectRef idx="0"/>
@@ -947,16 +1604,190 @@
     </cs:fontRef>
     <cs:spPr>
       <a:solidFill>
+        <a:schemeClr val="bg1"/>
+      </a:solidFill>
+      <a:ln w="9525" cap="flat" cmpd="sng" algn="ctr">
+        <a:solidFill>
+          <a:schemeClr val="tx1">
+            <a:lumMod val="15000"/>
+            <a:lumOff val="85000"/>
+          </a:schemeClr>
+        </a:solidFill>
+        <a:round/>
+      </a:ln>
+    </cs:spPr>
+    <cs:defRPr sz="1330"/>
+  </cs:chartArea>
+  <cs:dataLabel>
+    <cs:lnRef idx="0"/>
+    <cs:fillRef idx="0"/>
+    <cs:effectRef idx="0"/>
+    <cs:fontRef idx="minor">
+      <a:schemeClr val="lt1"/>
+    </cs:fontRef>
+    <cs:defRPr sz="1197"/>
+  </cs:dataLabel>
+  <cs:dataLabelCallout>
+    <cs:lnRef idx="0"/>
+    <cs:fillRef idx="0"/>
+    <cs:effectRef idx="0"/>
+    <cs:fontRef idx="minor">
+      <a:schemeClr val="dk1">
+        <a:lumMod val="65000"/>
+        <a:lumOff val="35000"/>
+      </a:schemeClr>
+    </cs:fontRef>
+    <cs:spPr>
+      <a:solidFill>
+        <a:schemeClr val="lt1"/>
+      </a:solidFill>
+      <a:ln>
+        <a:solidFill>
+          <a:schemeClr val="dk1">
+            <a:lumMod val="25000"/>
+            <a:lumOff val="75000"/>
+          </a:schemeClr>
+        </a:solidFill>
+      </a:ln>
+    </cs:spPr>
+    <cs:defRPr sz="1197"/>
+    <cs:bodyPr rot="0" spcFirstLastPara="1" vertOverflow="clip" horzOverflow="clip" vert="horz" wrap="square" lIns="36576" tIns="18288" rIns="36576" bIns="18288" anchor="ctr" anchorCtr="1">
+      <a:spAutoFit/>
+    </cs:bodyPr>
+  </cs:dataLabelCallout>
+  <cs:dataPoint>
+    <cs:lnRef idx="0"/>
+    <cs:fillRef idx="0">
+      <cs:styleClr val="auto"/>
+    </cs:fillRef>
+    <cs:effectRef idx="0"/>
+    <cs:fontRef idx="minor">
+      <a:schemeClr val="tx1"/>
+    </cs:fontRef>
+    <cs:spPr>
+      <a:solidFill>
+        <a:schemeClr val="phClr"/>
+      </a:solidFill>
+      <a:ln w="19050">
+        <a:solidFill>
+          <a:schemeClr val="lt1"/>
+        </a:solidFill>
+      </a:ln>
+    </cs:spPr>
+  </cs:dataPoint>
+  <cs:dataPoint3D>
+    <cs:lnRef idx="0"/>
+    <cs:fillRef idx="0">
+      <cs:styleClr val="auto"/>
+    </cs:fillRef>
+    <cs:effectRef idx="0"/>
+    <cs:fontRef idx="minor">
+      <a:schemeClr val="tx1"/>
+    </cs:fontRef>
+    <cs:spPr>
+      <a:solidFill>
+        <a:schemeClr val="phClr"/>
+      </a:solidFill>
+    </cs:spPr>
+  </cs:dataPoint3D>
+  <cs:dataPointLine>
+    <cs:lnRef idx="0">
+      <cs:styleClr val="auto"/>
+    </cs:lnRef>
+    <cs:fillRef idx="0"/>
+    <cs:effectRef idx="0"/>
+    <cs:fontRef idx="minor">
+      <a:schemeClr val="tx1"/>
+    </cs:fontRef>
+    <cs:spPr>
+      <a:ln w="28575" cap="rnd">
+        <a:solidFill>
+          <a:schemeClr val="phClr"/>
+        </a:solidFill>
+        <a:round/>
+      </a:ln>
+    </cs:spPr>
+  </cs:dataPointLine>
+  <cs:dataPointMarker>
+    <cs:lnRef idx="0"/>
+    <cs:fillRef idx="0">
+      <cs:styleClr val="auto"/>
+    </cs:fillRef>
+    <cs:effectRef idx="0"/>
+    <cs:fontRef idx="minor">
+      <a:schemeClr val="tx1"/>
+    </cs:fontRef>
+    <cs:spPr>
+      <a:solidFill>
+        <a:schemeClr val="phClr"/>
+      </a:solidFill>
+      <a:ln w="9525">
+        <a:solidFill>
+          <a:schemeClr val="lt1"/>
+        </a:solidFill>
+      </a:ln>
+    </cs:spPr>
+  </cs:dataPointMarker>
+  <cs:dataPointMarkerLayout symbol="circle" size="5"/>
+  <cs:dataPointWireframe>
+    <cs:lnRef idx="0">
+      <cs:styleClr val="auto"/>
+    </cs:lnRef>
+    <cs:fillRef idx="0"/>
+    <cs:effectRef idx="0"/>
+    <cs:fontRef idx="minor">
+      <a:schemeClr val="tx1"/>
+    </cs:fontRef>
+    <cs:spPr>
+      <a:ln w="28575" cap="rnd">
+        <a:solidFill>
+          <a:schemeClr val="phClr"/>
+        </a:solidFill>
+        <a:round/>
+      </a:ln>
+    </cs:spPr>
+  </cs:dataPointWireframe>
+  <cs:dataTable>
+    <cs:lnRef idx="0"/>
+    <cs:fillRef idx="0"/>
+    <cs:effectRef idx="0"/>
+    <cs:fontRef idx="minor">
+      <a:schemeClr val="tx1">
+        <a:lumMod val="65000"/>
+        <a:lumOff val="35000"/>
+      </a:schemeClr>
+    </cs:fontRef>
+    <cs:spPr>
+      <a:ln w="9525">
+        <a:solidFill>
+          <a:schemeClr val="tx1">
+            <a:lumMod val="15000"/>
+            <a:lumOff val="85000"/>
+          </a:schemeClr>
+        </a:solidFill>
+      </a:ln>
+    </cs:spPr>
+    <cs:defRPr sz="1197"/>
+  </cs:dataTable>
+  <cs:downBar>
+    <cs:lnRef idx="0"/>
+    <cs:fillRef idx="0"/>
+    <cs:effectRef idx="0"/>
+    <cs:fontRef idx="minor">
+      <a:schemeClr val="dk1"/>
+    </cs:fontRef>
+    <cs:spPr>
+      <a:solidFill>
         <a:schemeClr val="dk1">
-          <a:lumMod val="75000"/>
-          <a:lumOff val="25000"/>
+          <a:lumMod val="65000"/>
+          <a:lumOff val="35000"/>
         </a:schemeClr>
       </a:solidFill>
       <a:ln w="9525">
         <a:solidFill>
-          <a:schemeClr val="lt1">
-            <a:lumMod val="95000"/>
-            <a:alpha val="54000"/>
+          <a:schemeClr val="tx1">
+            <a:lumMod val="65000"/>
+            <a:lumOff val="35000"/>
           </a:schemeClr>
         </a:solidFill>
       </a:ln>
@@ -970,14 +1801,14 @@
       <a:schemeClr val="tx1"/>
     </cs:fontRef>
     <cs:spPr>
-      <a:ln w="9525">
+      <a:ln w="9525" cap="flat" cmpd="sng" algn="ctr">
         <a:solidFill>
-          <a:schemeClr val="lt1">
-            <a:lumMod val="95000"/>
-            <a:alpha val="54000"/>
+          <a:schemeClr val="tx1">
+            <a:lumMod val="35000"/>
+            <a:lumOff val="65000"/>
           </a:schemeClr>
         </a:solidFill>
-        <a:prstDash val="dash"/>
+        <a:round/>
       </a:ln>
     </cs:spPr>
   </cs:dropLine>
@@ -991,8 +1822,9 @@
     <cs:spPr>
       <a:ln w="9525" cap="flat" cmpd="sng" algn="ctr">
         <a:solidFill>
-          <a:schemeClr val="lt1">
-            <a:lumMod val="95000"/>
+          <a:schemeClr val="tx1">
+            <a:lumMod val="65000"/>
+            <a:lumOff val="35000"/>
           </a:schemeClr>
         </a:solidFill>
         <a:round/>
@@ -1017,9 +1849,9 @@
     <cs:spPr>
       <a:ln w="9525" cap="flat" cmpd="sng" algn="ctr">
         <a:solidFill>
-          <a:schemeClr val="lt1">
-            <a:lumMod val="95000"/>
-            <a:alpha val="10000"/>
+          <a:schemeClr val="tx1">
+            <a:lumMod val="15000"/>
+            <a:lumOff val="85000"/>
           </a:schemeClr>
         </a:solidFill>
         <a:round/>
@@ -1034,13 +1866,14 @@
       <a:schemeClr val="tx1"/>
     </cs:fontRef>
     <cs:spPr>
-      <a:ln>
+      <a:ln w="9525" cap="flat" cmpd="sng" algn="ctr">
         <a:solidFill>
-          <a:schemeClr val="lt1">
-            <a:lumMod val="95000"/>
-            <a:alpha val="5000"/>
+          <a:schemeClr val="tx1">
+            <a:lumMod val="15000"/>
+            <a:lumOff val="85000"/>
           </a:schemeClr>
         </a:solidFill>
+        <a:round/>
       </a:ln>
     </cs:spPr>
   </cs:gridlineMinor>
@@ -1052,14 +1885,14 @@
       <a:schemeClr val="tx1"/>
     </cs:fontRef>
     <cs:spPr>
-      <a:ln w="9525">
+      <a:ln w="9525" cap="flat" cmpd="sng" algn="ctr">
         <a:solidFill>
-          <a:schemeClr val="lt1">
-            <a:lumMod val="95000"/>
-            <a:alpha val="54000"/>
+          <a:schemeClr val="tx1">
+            <a:lumMod val="75000"/>
+            <a:lumOff val="25000"/>
           </a:schemeClr>
         </a:solidFill>
-        <a:prstDash val="dash"/>
+        <a:round/>
       </a:ln>
     </cs:spPr>
   </cs:hiLoLine>
@@ -1071,13 +1904,14 @@
       <a:schemeClr val="tx1"/>
     </cs:fontRef>
     <cs:spPr>
-      <a:ln w="9525">
+      <a:ln w="9525" cap="flat" cmpd="sng" algn="ctr">
         <a:solidFill>
-          <a:schemeClr val="lt1">
-            <a:lumMod val="95000"/>
-            <a:alpha val="54000"/>
+          <a:schemeClr val="tx1">
+            <a:lumMod val="35000"/>
+            <a:lumOff val="65000"/>
           </a:schemeClr>
         </a:solidFill>
+        <a:round/>
       </a:ln>
     </cs:spPr>
   </cs:leaderLine>
@@ -1086,13 +1920,14 @@
     <cs:fillRef idx="0"/>
     <cs:effectRef idx="0"/>
     <cs:fontRef idx="minor">
-      <a:schemeClr val="lt1">
-        <a:lumMod val="85000"/>
+      <a:schemeClr val="tx1">
+        <a:lumMod val="65000"/>
+        <a:lumOff val="35000"/>
       </a:schemeClr>
     </cs:fontRef>
-    <cs:defRPr sz="1197" kern="1200"/>
+    <cs:defRPr sz="1197"/>
   </cs:legend>
-  <cs:plotArea>
+  <cs:plotArea mods="allowNoFillOverride allowNoLineOverride">
     <cs:lnRef idx="0"/>
     <cs:fillRef idx="0"/>
     <cs:effectRef idx="0"/>
@@ -1100,7 +1935,7 @@
       <a:schemeClr val="tx1"/>
     </cs:fontRef>
   </cs:plotArea>
-  <cs:plotArea3D>
+  <cs:plotArea3D mods="allowNoFillOverride allowNoLineOverride">
     <cs:lnRef idx="0"/>
     <cs:fillRef idx="0"/>
     <cs:effectRef idx="0"/>
@@ -1113,37 +1948,35 @@
     <cs:fillRef idx="0"/>
     <cs:effectRef idx="0"/>
     <cs:fontRef idx="minor">
-      <a:schemeClr val="lt1">
-        <a:lumMod val="85000"/>
+      <a:schemeClr val="tx1">
+        <a:lumMod val="65000"/>
+        <a:lumOff val="35000"/>
       </a:schemeClr>
     </cs:fontRef>
     <cs:spPr>
-      <a:ln w="12700" cap="flat" cmpd="sng" algn="ctr">
+      <a:ln w="9525" cap="flat" cmpd="sng" algn="ctr">
         <a:solidFill>
-          <a:schemeClr val="lt1">
-            <a:lumMod val="95000"/>
-            <a:alpha val="54000"/>
+          <a:schemeClr val="tx1">
+            <a:lumMod val="15000"/>
+            <a:lumOff val="85000"/>
           </a:schemeClr>
         </a:solidFill>
         <a:round/>
       </a:ln>
     </cs:spPr>
-    <cs:defRPr sz="1197" kern="1200"/>
+    <cs:defRPr sz="1197"/>
   </cs:seriesAxis>
   <cs:seriesLine>
     <cs:lnRef idx="0"/>
     <cs:fillRef idx="0"/>
     <cs:effectRef idx="0"/>
     <cs:fontRef idx="minor">
-      <a:schemeClr val="lt1"/>
+      <a:schemeClr val="tx1"/>
     </cs:fontRef>
     <cs:spPr>
-      <a:ln w="9525" cap="flat" cmpd="sng" algn="ctr">
+      <a:ln w="9525" cap="flat">
         <a:solidFill>
-          <a:schemeClr val="lt1">
-            <a:lumMod val="95000"/>
-            <a:alpha val="54000"/>
-          </a:schemeClr>
+          <a:srgbClr val="D9D9D9"/>
         </a:solidFill>
         <a:round/>
       </a:ln>
@@ -1154,19 +1987,12 @@
     <cs:fillRef idx="0"/>
     <cs:effectRef idx="0"/>
     <cs:fontRef idx="minor">
-      <a:schemeClr val="lt1">
-        <a:lumMod val="95000"/>
+      <a:schemeClr val="tx1">
+        <a:lumMod val="65000"/>
+        <a:lumOff val="35000"/>
       </a:schemeClr>
     </cs:fontRef>
-    <cs:defRPr sz="2128" b="1" kern="1200" spc="100" baseline="0">
-      <a:effectLst>
-        <a:outerShdw blurRad="50800" dist="38100" dir="5400000" algn="t" rotWithShape="0">
-          <a:prstClr val="black">
-            <a:alpha val="40000"/>
-          </a:prstClr>
-        </a:outerShdw>
-      </a:effectLst>
-    </cs:defRPr>
+    <cs:defRPr sz="1862"/>
   </cs:title>
   <cs:trendline>
     <cs:lnRef idx="0">
@@ -1182,6 +2008,7 @@
         <a:solidFill>
           <a:schemeClr val="phClr"/>
         </a:solidFill>
+        <a:prstDash val="sysDash"/>
       </a:ln>
     </cs:spPr>
   </cs:trendline>
@@ -1190,18 +2017,19 @@
     <cs:fillRef idx="0"/>
     <cs:effectRef idx="0"/>
     <cs:fontRef idx="minor">
-      <a:schemeClr val="lt1">
-        <a:lumMod val="85000"/>
+      <a:schemeClr val="tx1">
+        <a:lumMod val="65000"/>
+        <a:lumOff val="35000"/>
       </a:schemeClr>
     </cs:fontRef>
-    <cs:defRPr sz="1197" kern="1200"/>
+    <cs:defRPr sz="1197"/>
   </cs:trendlineLabel>
   <cs:upBar>
     <cs:lnRef idx="0"/>
     <cs:fillRef idx="0"/>
     <cs:effectRef idx="0"/>
     <cs:fontRef idx="minor">
-      <a:schemeClr val="tx1"/>
+      <a:schemeClr val="dk1"/>
     </cs:fontRef>
     <cs:spPr>
       <a:solidFill>
@@ -1209,9 +2037,9 @@
       </a:solidFill>
       <a:ln w="9525">
         <a:solidFill>
-          <a:schemeClr val="lt1">
-            <a:lumMod val="95000"/>
-            <a:alpha val="54000"/>
+          <a:schemeClr val="tx1">
+            <a:lumMod val="15000"/>
+            <a:lumOff val="85000"/>
           </a:schemeClr>
         </a:solidFill>
       </a:ln>
@@ -1222,11 +2050,12 @@
     <cs:fillRef idx="0"/>
     <cs:effectRef idx="0"/>
     <cs:fontRef idx="minor">
-      <a:schemeClr val="lt1">
-        <a:lumMod val="85000"/>
+      <a:schemeClr val="tx1">
+        <a:lumMod val="65000"/>
+        <a:lumOff val="35000"/>
       </a:schemeClr>
     </cs:fontRef>
-    <cs:defRPr sz="1197" kern="1200"/>
+    <cs:defRPr sz="1197"/>
   </cs:valueAxis>
   <cs:wall>
     <cs:lnRef idx="0"/>
@@ -17409,6 +18238,34 @@
           <a:chExt cx="0" cy="0"/>
         </a:xfrm>
       </p:grpSpPr>
+      <p:graphicFrame>
+        <p:nvGraphicFramePr>
+          <p:cNvPr id="7" name="Diagramm 6">
+            <a:extLst>
+              <a:ext uri="{FF2B5EF4-FFF2-40B4-BE49-F238E27FC236}">
+                <a16:creationId xmlns:a16="http://schemas.microsoft.com/office/drawing/2014/main" id="{7D976753-3E6D-4713-87D6-01E15925E917}"/>
+              </a:ext>
+            </a:extLst>
+          </p:cNvPr>
+          <p:cNvGraphicFramePr/>
+          <p:nvPr>
+            <p:extLst>
+              <p:ext uri="{D42A27DB-BD31-4B8C-83A1-F6EECF244321}">
+                <p14:modId xmlns:p14="http://schemas.microsoft.com/office/powerpoint/2010/main" val="2097892026"/>
+              </p:ext>
+            </p:extLst>
+          </p:nvPr>
+        </p:nvGraphicFramePr>
+        <p:xfrm>
+          <a:off x="2664260" y="1059204"/>
+          <a:ext cx="8767956" cy="5601156"/>
+        </p:xfrm>
+        <a:graphic>
+          <a:graphicData uri="http://schemas.openxmlformats.org/drawingml/2006/chart">
+            <c:chart xmlns:c="http://schemas.openxmlformats.org/drawingml/2006/chart" xmlns:r="http://schemas.openxmlformats.org/officeDocument/2006/relationships" r:id="rId2"/>
+          </a:graphicData>
+        </a:graphic>
+      </p:graphicFrame>
       <p:sp>
         <p:nvSpPr>
           <p:cNvPr id="1478" name="CustomShape 121"/>
@@ -17539,8 +18396,8 @@
         </p:nvSpPr>
         <p:spPr>
           <a:xfrm>
-            <a:off x="263520" y="6433200"/>
-            <a:ext cx="10783440" cy="227160"/>
+            <a:off x="0" y="6519818"/>
+            <a:ext cx="6236902" cy="229378"/>
           </a:xfrm>
           <a:prstGeom prst="rect">
             <a:avLst/>
@@ -17563,7 +18420,7 @@
           <a:fontRef idx="minor"/>
         </p:style>
         <p:txBody>
-          <a:bodyPr lIns="90000" tIns="45000" rIns="90000" bIns="45000" anchor="t">
+          <a:bodyPr wrap="square" lIns="90000" tIns="45000" rIns="90000" bIns="45000" anchor="t">
             <a:spAutoFit/>
           </a:bodyPr>
           <a:lstStyle/>
@@ -17602,34 +18459,78 @@
           </a:p>
         </p:txBody>
       </p:sp>
-      <p:graphicFrame>
-        <p:nvGraphicFramePr>
-          <p:cNvPr id="6" name="Diagramm 5">
+      <p:sp>
+        <p:nvSpPr>
+          <p:cNvPr id="8" name="CustomShape 123">
             <a:extLst>
               <a:ext uri="{FF2B5EF4-FFF2-40B4-BE49-F238E27FC236}">
-                <a16:creationId xmlns:a16="http://schemas.microsoft.com/office/drawing/2014/main" id="{95664852-9EEA-4D72-A203-CAA9D79B0E9B}"/>
+                <a16:creationId xmlns:a16="http://schemas.microsoft.com/office/drawing/2014/main" id="{F88D0B2F-07C8-44A8-A3E3-C21681FEC479}"/>
               </a:ext>
             </a:extLst>
           </p:cNvPr>
-          <p:cNvGraphicFramePr/>
-          <p:nvPr>
-            <p:extLst>
-              <p:ext uri="{D42A27DB-BD31-4B8C-83A1-F6EECF244321}">
-                <p14:modId xmlns:p14="http://schemas.microsoft.com/office/powerpoint/2010/main" val="3911412920"/>
-              </p:ext>
-            </p:extLst>
-          </p:nvPr>
-        </p:nvGraphicFramePr>
-        <p:xfrm>
-          <a:off x="2317315" y="1794086"/>
-          <a:ext cx="7823896" cy="4466108"/>
-        </p:xfrm>
-        <a:graphic>
-          <a:graphicData uri="http://schemas.openxmlformats.org/drawingml/2006/chart">
-            <c:chart xmlns:c="http://schemas.openxmlformats.org/drawingml/2006/chart" xmlns:r="http://schemas.openxmlformats.org/officeDocument/2006/relationships" r:id="rId2"/>
-          </a:graphicData>
-        </a:graphic>
-      </p:graphicFrame>
+          <p:cNvSpPr/>
+          <p:nvPr/>
+        </p:nvSpPr>
+        <p:spPr>
+          <a:xfrm>
+            <a:off x="131569" y="6130943"/>
+            <a:ext cx="2091373" cy="198601"/>
+          </a:xfrm>
+          <a:prstGeom prst="rect">
+            <a:avLst/>
+          </a:prstGeom>
+          <a:ln>
+            <a:solidFill>
+              <a:schemeClr val="accent3">
+                <a:lumMod val="75000"/>
+              </a:schemeClr>
+            </a:solidFill>
+          </a:ln>
+        </p:spPr>
+        <p:style>
+          <a:lnRef idx="2">
+            <a:schemeClr val="accent4"/>
+          </a:lnRef>
+          <a:fillRef idx="1">
+            <a:schemeClr val="lt1"/>
+          </a:fillRef>
+          <a:effectRef idx="0">
+            <a:schemeClr val="accent4"/>
+          </a:effectRef>
+          <a:fontRef idx="minor">
+            <a:schemeClr val="dk1"/>
+          </a:fontRef>
+        </p:style>
+        <p:txBody>
+          <a:bodyPr wrap="square" lIns="90000" tIns="45000" rIns="90000" bIns="45000" anchor="t">
+            <a:spAutoFit/>
+          </a:bodyPr>
+          <a:lstStyle/>
+          <a:p>
+            <a:pPr>
+              <a:lnSpc>
+                <a:spcPct val="100000"/>
+              </a:lnSpc>
+            </a:pPr>
+            <a:r>
+              <a:rPr lang="de-DE" sz="700" i="1" spc="-1" dirty="0">
+                <a:solidFill>
+                  <a:srgbClr val="A6A6A6"/>
+                </a:solidFill>
+                <a:latin typeface="DejaVu Sans"/>
+                <a:ea typeface="Roboto"/>
+              </a:rPr>
+              <a:t>Bundesministerium der Finanzen 2025</a:t>
+            </a:r>
+            <a:endParaRPr lang="de-DE" sz="700" b="0" i="1" strike="noStrike" spc="-1" dirty="0">
+              <a:solidFill>
+                <a:srgbClr val="000000"/>
+              </a:solidFill>
+              <a:latin typeface="Arial"/>
+            </a:endParaRPr>
+          </a:p>
+        </p:txBody>
+      </p:sp>
     </p:spTree>
   </p:cSld>
   <p:clrMapOvr>
@@ -17639,6 +18540,1213 @@
 </file>
 
 <file path=ppt/slides/slide28.xml><?xml version="1.0" encoding="utf-8"?>
+<p:sld xmlns:a="http://schemas.openxmlformats.org/drawingml/2006/main" xmlns:r="http://schemas.openxmlformats.org/officeDocument/2006/relationships" xmlns:p="http://schemas.openxmlformats.org/presentationml/2006/main">
+  <p:cSld>
+    <p:spTree>
+      <p:nvGrpSpPr>
+        <p:cNvPr id="1" name=""/>
+        <p:cNvGrpSpPr/>
+        <p:nvPr/>
+      </p:nvGrpSpPr>
+      <p:grpSpPr>
+        <a:xfrm>
+          <a:off x="0" y="0"/>
+          <a:ext cx="0" cy="0"/>
+          <a:chOff x="0" y="0"/>
+          <a:chExt cx="0" cy="0"/>
+        </a:xfrm>
+      </p:grpSpPr>
+      <p:sp>
+        <p:nvSpPr>
+          <p:cNvPr id="1478" name="CustomShape 121"/>
+          <p:cNvSpPr/>
+          <p:nvPr/>
+        </p:nvSpPr>
+        <p:spPr>
+          <a:xfrm>
+            <a:off x="335520" y="764640"/>
+            <a:ext cx="10726920" cy="477720"/>
+          </a:xfrm>
+          <a:prstGeom prst="rect">
+            <a:avLst/>
+          </a:prstGeom>
+          <a:noFill/>
+          <a:ln w="0">
+            <a:noFill/>
+          </a:ln>
+        </p:spPr>
+        <p:style>
+          <a:lnRef idx="0">
+            <a:scrgbClr r="0" g="0" b="0"/>
+          </a:lnRef>
+          <a:fillRef idx="0">
+            <a:scrgbClr r="0" g="0" b="0"/>
+          </a:fillRef>
+          <a:effectRef idx="0">
+            <a:scrgbClr r="0" g="0" b="0"/>
+          </a:effectRef>
+          <a:fontRef idx="minor"/>
+        </p:style>
+        <p:txBody>
+          <a:bodyPr lIns="90000" tIns="45000" rIns="90000" bIns="45000" anchor="t">
+            <a:noAutofit/>
+          </a:bodyPr>
+          <a:lstStyle/>
+          <a:p>
+            <a:pPr>
+              <a:lnSpc>
+                <a:spcPct val="100000"/>
+              </a:lnSpc>
+            </a:pPr>
+            <a:r>
+              <a:rPr lang="en-US" sz="2400" b="1" strike="noStrike" spc="-1">
+                <a:solidFill>
+                  <a:srgbClr val="000000"/>
+                </a:solidFill>
+                <a:latin typeface="DejaVu Sans"/>
+                <a:ea typeface="DejaVu Sans"/>
+              </a:rPr>
+              <a:t>Universal Basic Income</a:t>
+            </a:r>
+            <a:endParaRPr lang="en-GB" sz="2400" b="0" strike="noStrike" spc="-1">
+              <a:solidFill>
+                <a:srgbClr val="000000"/>
+              </a:solidFill>
+              <a:latin typeface="Arial"/>
+            </a:endParaRPr>
+          </a:p>
+        </p:txBody>
+      </p:sp>
+      <p:sp>
+        <p:nvSpPr>
+          <p:cNvPr id="1479" name="CustomShape 122"/>
+          <p:cNvSpPr/>
+          <p:nvPr/>
+        </p:nvSpPr>
+        <p:spPr>
+          <a:xfrm>
+            <a:off x="432720" y="1148040"/>
+            <a:ext cx="10332360" cy="473040"/>
+          </a:xfrm>
+          <a:prstGeom prst="rect">
+            <a:avLst/>
+          </a:prstGeom>
+          <a:noFill/>
+          <a:ln w="0">
+            <a:noFill/>
+          </a:ln>
+        </p:spPr>
+        <p:style>
+          <a:lnRef idx="0">
+            <a:scrgbClr r="0" g="0" b="0"/>
+          </a:lnRef>
+          <a:fillRef idx="0">
+            <a:scrgbClr r="0" g="0" b="0"/>
+          </a:fillRef>
+          <a:effectRef idx="0">
+            <a:scrgbClr r="0" g="0" b="0"/>
+          </a:effectRef>
+          <a:fontRef idx="minor"/>
+        </p:style>
+        <p:txBody>
+          <a:bodyPr lIns="0" tIns="0" rIns="0" bIns="0" anchor="ctr">
+            <a:noAutofit/>
+          </a:bodyPr>
+          <a:lstStyle/>
+          <a:p>
+            <a:pPr>
+              <a:lnSpc>
+                <a:spcPct val="100000"/>
+              </a:lnSpc>
+            </a:pPr>
+            <a:r>
+              <a:rPr lang="en-US" sz="2200" b="1" strike="noStrike" spc="-1">
+                <a:solidFill>
+                  <a:srgbClr val="666666"/>
+                </a:solidFill>
+                <a:latin typeface="DejaVu Sans"/>
+                <a:ea typeface="DejaVu Sans"/>
+              </a:rPr>
+              <a:t>Funding (Germany)</a:t>
+            </a:r>
+            <a:endParaRPr lang="en-GB" sz="2200" b="0" strike="noStrike" spc="-1">
+              <a:solidFill>
+                <a:srgbClr val="000000"/>
+              </a:solidFill>
+              <a:latin typeface="Arial"/>
+            </a:endParaRPr>
+          </a:p>
+        </p:txBody>
+      </p:sp>
+      <p:sp>
+        <p:nvSpPr>
+          <p:cNvPr id="1481" name="CustomShape 123"/>
+          <p:cNvSpPr/>
+          <p:nvPr/>
+        </p:nvSpPr>
+        <p:spPr>
+          <a:xfrm>
+            <a:off x="201503" y="6424553"/>
+            <a:ext cx="4197030" cy="367878"/>
+          </a:xfrm>
+          <a:prstGeom prst="rect">
+            <a:avLst/>
+          </a:prstGeom>
+          <a:noFill/>
+          <a:ln w="0">
+            <a:noFill/>
+          </a:ln>
+        </p:spPr>
+        <p:style>
+          <a:lnRef idx="0">
+            <a:scrgbClr r="0" g="0" b="0"/>
+          </a:lnRef>
+          <a:fillRef idx="0">
+            <a:scrgbClr r="0" g="0" b="0"/>
+          </a:fillRef>
+          <a:effectRef idx="0">
+            <a:scrgbClr r="0" g="0" b="0"/>
+          </a:effectRef>
+          <a:fontRef idx="minor"/>
+        </p:style>
+        <p:txBody>
+          <a:bodyPr wrap="square" lIns="90000" tIns="45000" rIns="90000" bIns="45000" anchor="t">
+            <a:spAutoFit/>
+          </a:bodyPr>
+          <a:lstStyle/>
+          <a:p>
+            <a:pPr>
+              <a:lnSpc>
+                <a:spcPct val="100000"/>
+              </a:lnSpc>
+            </a:pPr>
+            <a:r>
+              <a:rPr lang="en-US" sz="900" spc="-1" dirty="0">
+                <a:solidFill>
+                  <a:srgbClr val="A6A6A6"/>
+                </a:solidFill>
+                <a:latin typeface="DejaVu Sans"/>
+                <a:ea typeface="Roboto"/>
+              </a:rPr>
+              <a:t>A</a:t>
+            </a:r>
+            <a:r>
+              <a:rPr lang="en-US" sz="900" b="0" strike="noStrike" spc="-1" dirty="0">
+                <a:solidFill>
+                  <a:srgbClr val="A6A6A6"/>
+                </a:solidFill>
+                <a:latin typeface="DejaVu Sans"/>
+                <a:ea typeface="Roboto"/>
+              </a:rPr>
+              <a:t>dapted from https://www.bundeshaushalt.de/DE/Bundeshaushalt-digital/bundeshaushalt-digital.html</a:t>
+            </a:r>
+            <a:endParaRPr lang="en-GB" sz="900" b="0" strike="noStrike" spc="-1" dirty="0">
+              <a:solidFill>
+                <a:srgbClr val="000000"/>
+              </a:solidFill>
+              <a:latin typeface="Arial"/>
+            </a:endParaRPr>
+          </a:p>
+        </p:txBody>
+      </p:sp>
+      <p:sp>
+        <p:nvSpPr>
+          <p:cNvPr id="8" name="CustomShape 123">
+            <a:extLst>
+              <a:ext uri="{FF2B5EF4-FFF2-40B4-BE49-F238E27FC236}">
+                <a16:creationId xmlns:a16="http://schemas.microsoft.com/office/drawing/2014/main" id="{F88D0B2F-07C8-44A8-A3E3-C21681FEC479}"/>
+              </a:ext>
+            </a:extLst>
+          </p:cNvPr>
+          <p:cNvSpPr/>
+          <p:nvPr/>
+        </p:nvSpPr>
+        <p:spPr>
+          <a:xfrm>
+            <a:off x="9319326" y="6493959"/>
+            <a:ext cx="2091373" cy="198601"/>
+          </a:xfrm>
+          <a:prstGeom prst="rect">
+            <a:avLst/>
+          </a:prstGeom>
+          <a:ln>
+            <a:solidFill>
+              <a:schemeClr val="accent3">
+                <a:lumMod val="75000"/>
+              </a:schemeClr>
+            </a:solidFill>
+          </a:ln>
+        </p:spPr>
+        <p:style>
+          <a:lnRef idx="2">
+            <a:schemeClr val="accent4"/>
+          </a:lnRef>
+          <a:fillRef idx="1">
+            <a:schemeClr val="lt1"/>
+          </a:fillRef>
+          <a:effectRef idx="0">
+            <a:schemeClr val="accent4"/>
+          </a:effectRef>
+          <a:fontRef idx="minor">
+            <a:schemeClr val="dk1"/>
+          </a:fontRef>
+        </p:style>
+        <p:txBody>
+          <a:bodyPr wrap="square" lIns="90000" tIns="45000" rIns="90000" bIns="45000" anchor="t">
+            <a:spAutoFit/>
+          </a:bodyPr>
+          <a:lstStyle/>
+          <a:p>
+            <a:pPr>
+              <a:lnSpc>
+                <a:spcPct val="100000"/>
+              </a:lnSpc>
+            </a:pPr>
+            <a:r>
+              <a:rPr lang="de-DE" sz="700" i="1" spc="-1" dirty="0">
+                <a:solidFill>
+                  <a:srgbClr val="A6A6A6"/>
+                </a:solidFill>
+                <a:latin typeface="DejaVu Sans"/>
+                <a:ea typeface="Roboto"/>
+              </a:rPr>
+              <a:t>Bundesministerium der Finanzen 2025</a:t>
+            </a:r>
+            <a:endParaRPr lang="de-DE" sz="700" b="0" i="1" strike="noStrike" spc="-1" dirty="0">
+              <a:solidFill>
+                <a:srgbClr val="000000"/>
+              </a:solidFill>
+              <a:latin typeface="Arial"/>
+            </a:endParaRPr>
+          </a:p>
+        </p:txBody>
+      </p:sp>
+      <mc:AlternateContent xmlns:mc="http://schemas.openxmlformats.org/markup-compatibility/2006">
+        <mc:Choice xmlns:cx1="http://schemas.microsoft.com/office/drawing/2015/9/8/chartex" Requires="cx1">
+          <p:graphicFrame>
+            <p:nvGraphicFramePr>
+              <p:cNvPr id="11" name="Diagramm 10">
+                <a:extLst>
+                  <a:ext uri="{FF2B5EF4-FFF2-40B4-BE49-F238E27FC236}">
+                    <a16:creationId xmlns:a16="http://schemas.microsoft.com/office/drawing/2014/main" id="{15F71DEC-6AB1-4B90-9BF8-7B276EF0677F}"/>
+                  </a:ext>
+                </a:extLst>
+              </p:cNvPr>
+              <p:cNvGraphicFramePr/>
+              <p:nvPr>
+                <p:extLst>
+                  <p:ext uri="{D42A27DB-BD31-4B8C-83A1-F6EECF244321}">
+                    <p14:modId xmlns:p14="http://schemas.microsoft.com/office/powerpoint/2010/main" val="2105770957"/>
+                  </p:ext>
+                </p:extLst>
+              </p:nvPr>
+            </p:nvGraphicFramePr>
+            <p:xfrm>
+              <a:off x="2410804" y="1016538"/>
+              <a:ext cx="9268666" cy="5061103"/>
+            </p:xfrm>
+            <a:graphic>
+              <a:graphicData uri="http://schemas.microsoft.com/office/drawing/2014/chartex">
+                <cx:chart xmlns:cx="http://schemas.microsoft.com/office/drawing/2014/chartex" xmlns:r="http://schemas.openxmlformats.org/officeDocument/2006/relationships" r:id="rId2"/>
+              </a:graphicData>
+            </a:graphic>
+          </p:graphicFrame>
+        </mc:Choice>
+        <mc:Fallback>
+          <p:pic>
+            <p:nvPicPr>
+              <p:cNvPr id="11" name="Diagramm 10">
+                <a:extLst>
+                  <a:ext uri="{FF2B5EF4-FFF2-40B4-BE49-F238E27FC236}">
+                    <a16:creationId xmlns:a16="http://schemas.microsoft.com/office/drawing/2014/main" id="{15F71DEC-6AB1-4B90-9BF8-7B276EF0677F}"/>
+                  </a:ext>
+                </a:extLst>
+              </p:cNvPr>
+              <p:cNvPicPr>
+                <a:picLocks noGrp="1" noRot="1" noChangeAspect="1" noMove="1" noResize="1" noEditPoints="1" noAdjustHandles="1" noChangeArrowheads="1" noChangeShapeType="1"/>
+              </p:cNvPicPr>
+              <p:nvPr/>
+            </p:nvPicPr>
+            <p:blipFill>
+              <a:blip r:embed="rId3"/>
+              <a:stretch>
+                <a:fillRect/>
+              </a:stretch>
+            </p:blipFill>
+            <p:spPr>
+              <a:xfrm>
+                <a:off x="2410804" y="1016538"/>
+                <a:ext cx="9268666" cy="5061103"/>
+              </a:xfrm>
+              <a:prstGeom prst="rect">
+                <a:avLst/>
+              </a:prstGeom>
+            </p:spPr>
+          </p:pic>
+        </mc:Fallback>
+      </mc:AlternateContent>
+      <p:sp>
+        <p:nvSpPr>
+          <p:cNvPr id="12" name="Textfeld 11">
+            <a:extLst>
+              <a:ext uri="{FF2B5EF4-FFF2-40B4-BE49-F238E27FC236}">
+                <a16:creationId xmlns:a16="http://schemas.microsoft.com/office/drawing/2014/main" id="{BBBB8DE1-9B35-4EC1-8386-7580DE79A078}"/>
+              </a:ext>
+            </a:extLst>
+          </p:cNvPr>
+          <p:cNvSpPr txBox="1"/>
+          <p:nvPr/>
+        </p:nvSpPr>
+        <p:spPr>
+          <a:xfrm>
+            <a:off x="8846414" y="3661755"/>
+            <a:ext cx="1471668" cy="600164"/>
+          </a:xfrm>
+          <a:prstGeom prst="rect">
+            <a:avLst/>
+          </a:prstGeom>
+          <a:solidFill>
+            <a:srgbClr val="E7E6E6">
+              <a:lumMod val="10000"/>
+              <a:alpha val="50000"/>
+            </a:srgbClr>
+          </a:solidFill>
+          <a:ln w="6350">
+            <a:solidFill>
+              <a:sysClr val="windowText" lastClr="000000"/>
+            </a:solidFill>
+            <a:prstDash val="lgDash"/>
+          </a:ln>
+          <a:effectLst>
+            <a:outerShdw blurRad="50800" dist="38100" algn="l" rotWithShape="0">
+              <a:prstClr val="black">
+                <a:alpha val="40000"/>
+              </a:prstClr>
+            </a:outerShdw>
+          </a:effectLst>
+        </p:spPr>
+        <p:txBody>
+          <a:bodyPr wrap="square" rtlCol="0">
+            <a:spAutoFit/>
+          </a:bodyPr>
+          <a:lstStyle/>
+          <a:p>
+            <a:pPr marL="0" marR="0" lvl="0" indent="0" algn="ctr" defTabSz="914400" eaLnBrk="1" fontAlgn="auto" latinLnBrk="0" hangingPunct="1">
+              <a:lnSpc>
+                <a:spcPct val="100000"/>
+              </a:lnSpc>
+              <a:spcBef>
+                <a:spcPts val="0"/>
+              </a:spcBef>
+              <a:spcAft>
+                <a:spcPts val="0"/>
+              </a:spcAft>
+              <a:buClrTx/>
+              <a:buSzTx/>
+              <a:buFontTx/>
+              <a:buNone/>
+              <a:tabLst/>
+              <a:defRPr/>
+            </a:pPr>
+            <a:r>
+              <a:rPr kumimoji="0" lang="de-DE" sz="1100" b="0" i="0" u="none" strike="noStrike" kern="0" cap="none" spc="0" normalizeH="0" baseline="0" noProof="0" dirty="0">
+                <a:ln>
+                  <a:noFill/>
+                </a:ln>
+                <a:solidFill>
+                  <a:prstClr val="white"/>
+                </a:solidFill>
+                <a:effectLst/>
+                <a:uLnTx/>
+                <a:uFillTx/>
+                <a:latin typeface="StoneSerITCStd SemiBold" panose="02000503080000020004" pitchFamily="50" charset="0"/>
+                <a:ea typeface="+mn-ea"/>
+                <a:cs typeface="+mn-cs"/>
+              </a:rPr>
+              <a:t>36,69%</a:t>
+            </a:r>
+          </a:p>
+          <a:p>
+            <a:pPr marL="0" marR="0" lvl="0" indent="0" defTabSz="914400" eaLnBrk="1" fontAlgn="auto" latinLnBrk="0" hangingPunct="1">
+              <a:lnSpc>
+                <a:spcPct val="100000"/>
+              </a:lnSpc>
+              <a:spcBef>
+                <a:spcPts val="0"/>
+              </a:spcBef>
+              <a:spcAft>
+                <a:spcPts val="0"/>
+              </a:spcAft>
+              <a:buClrTx/>
+              <a:buSzTx/>
+              <a:buFontTx/>
+              <a:buNone/>
+              <a:tabLst/>
+              <a:defRPr/>
+            </a:pPr>
+            <a:r>
+              <a:rPr kumimoji="0" lang="de-DE" sz="1100" b="0" i="0" u="none" strike="noStrike" kern="0" cap="none" spc="0" normalizeH="0" baseline="0" noProof="0" dirty="0">
+                <a:ln>
+                  <a:noFill/>
+                </a:ln>
+                <a:solidFill>
+                  <a:prstClr val="white"/>
+                </a:solidFill>
+                <a:effectLst/>
+                <a:uLnTx/>
+                <a:uFillTx/>
+                <a:latin typeface="StoneSerITCStd SemiBold" panose="02000503080000020004" pitchFamily="50" charset="0"/>
+                <a:ea typeface="+mn-ea"/>
+                <a:cs typeface="+mn-cs"/>
+              </a:rPr>
+              <a:t>179.257.094 </a:t>
+            </a:r>
+            <a:r>
+              <a:rPr kumimoji="0" lang="de-DE" sz="1100" b="0" i="1" u="none" strike="noStrike" kern="0" cap="none" spc="0" normalizeH="0" baseline="0" noProof="0" dirty="0">
+                <a:ln>
+                  <a:noFill/>
+                </a:ln>
+                <a:solidFill>
+                  <a:prstClr val="white"/>
+                </a:solidFill>
+                <a:effectLst/>
+                <a:uLnTx/>
+                <a:uFillTx/>
+                <a:latin typeface="StoneSerITCStd SemiBold" panose="02000503080000020004" pitchFamily="50" charset="0"/>
+                <a:ea typeface="+mn-ea"/>
+                <a:cs typeface="+mn-cs"/>
+              </a:rPr>
+              <a:t>(in Tausend Euro)</a:t>
+            </a:r>
+          </a:p>
+        </p:txBody>
+      </p:sp>
+      <p:sp>
+        <p:nvSpPr>
+          <p:cNvPr id="13" name="Textfeld 12">
+            <a:extLst>
+              <a:ext uri="{FF2B5EF4-FFF2-40B4-BE49-F238E27FC236}">
+                <a16:creationId xmlns:a16="http://schemas.microsoft.com/office/drawing/2014/main" id="{44063690-050F-419E-A7EB-4DC7C8B40559}"/>
+              </a:ext>
+            </a:extLst>
+          </p:cNvPr>
+          <p:cNvSpPr txBox="1"/>
+          <p:nvPr/>
+        </p:nvSpPr>
+        <p:spPr>
+          <a:xfrm>
+            <a:off x="7588026" y="5795086"/>
+            <a:ext cx="1319151" cy="600164"/>
+          </a:xfrm>
+          <a:prstGeom prst="rect">
+            <a:avLst/>
+          </a:prstGeom>
+          <a:solidFill>
+            <a:srgbClr val="E7E6E6">
+              <a:lumMod val="10000"/>
+              <a:alpha val="50000"/>
+            </a:srgbClr>
+          </a:solidFill>
+          <a:ln w="6350">
+            <a:solidFill>
+              <a:sysClr val="windowText" lastClr="000000"/>
+            </a:solidFill>
+            <a:prstDash val="lgDash"/>
+          </a:ln>
+          <a:effectLst>
+            <a:outerShdw blurRad="50800" dist="38100" algn="l" rotWithShape="0">
+              <a:prstClr val="black">
+                <a:alpha val="40000"/>
+              </a:prstClr>
+            </a:outerShdw>
+          </a:effectLst>
+        </p:spPr>
+        <p:txBody>
+          <a:bodyPr wrap="square" rtlCol="0">
+            <a:spAutoFit/>
+          </a:bodyPr>
+          <a:lstStyle/>
+          <a:p>
+            <a:pPr marL="0" marR="0" lvl="0" indent="0" algn="ctr" defTabSz="914400" eaLnBrk="1" fontAlgn="auto" latinLnBrk="0" hangingPunct="1">
+              <a:lnSpc>
+                <a:spcPct val="100000"/>
+              </a:lnSpc>
+              <a:spcBef>
+                <a:spcPts val="0"/>
+              </a:spcBef>
+              <a:spcAft>
+                <a:spcPts val="0"/>
+              </a:spcAft>
+              <a:buClrTx/>
+              <a:buSzTx/>
+              <a:buFontTx/>
+              <a:buNone/>
+              <a:tabLst/>
+              <a:defRPr/>
+            </a:pPr>
+            <a:r>
+              <a:rPr kumimoji="0" lang="de-DE" sz="1100" b="0" i="0" u="none" strike="noStrike" kern="0" cap="none" spc="0" normalizeH="0" baseline="0" noProof="0" dirty="0">
+                <a:ln>
+                  <a:noFill/>
+                </a:ln>
+                <a:solidFill>
+                  <a:prstClr val="white"/>
+                </a:solidFill>
+                <a:effectLst/>
+                <a:uLnTx/>
+                <a:uFillTx/>
+                <a:latin typeface="StoneSerITCStd SemiBold" panose="02000503080000020004" pitchFamily="50" charset="0"/>
+                <a:ea typeface="+mn-ea"/>
+                <a:cs typeface="+mn-cs"/>
+              </a:rPr>
+              <a:t>10,09%</a:t>
+            </a:r>
+          </a:p>
+          <a:p>
+            <a:pPr marL="0" marR="0" lvl="0" indent="0" defTabSz="914400" eaLnBrk="1" fontAlgn="auto" latinLnBrk="0" hangingPunct="1">
+              <a:lnSpc>
+                <a:spcPct val="100000"/>
+              </a:lnSpc>
+              <a:spcBef>
+                <a:spcPts val="0"/>
+              </a:spcBef>
+              <a:spcAft>
+                <a:spcPts val="0"/>
+              </a:spcAft>
+              <a:buClrTx/>
+              <a:buSzTx/>
+              <a:buFontTx/>
+              <a:buNone/>
+              <a:tabLst/>
+              <a:defRPr/>
+            </a:pPr>
+            <a:r>
+              <a:rPr kumimoji="0" lang="de-DE" sz="1100" b="0" i="0" u="none" strike="noStrike" kern="0" cap="none" spc="0" normalizeH="0" baseline="0" noProof="0" dirty="0">
+                <a:ln>
+                  <a:noFill/>
+                </a:ln>
+                <a:solidFill>
+                  <a:prstClr val="white"/>
+                </a:solidFill>
+                <a:effectLst/>
+                <a:uLnTx/>
+                <a:uFillTx/>
+                <a:latin typeface="StoneSerITCStd SemiBold" panose="02000503080000020004" pitchFamily="50" charset="0"/>
+                <a:ea typeface="+mn-ea"/>
+                <a:cs typeface="+mn-cs"/>
+              </a:rPr>
+              <a:t>53.250.000 </a:t>
+            </a:r>
+            <a:r>
+              <a:rPr kumimoji="0" lang="de-DE" sz="1100" b="0" i="1" u="none" strike="noStrike" kern="0" cap="none" spc="0" normalizeH="0" baseline="0" noProof="0" dirty="0">
+                <a:ln>
+                  <a:noFill/>
+                </a:ln>
+                <a:solidFill>
+                  <a:prstClr val="white"/>
+                </a:solidFill>
+                <a:effectLst/>
+                <a:uLnTx/>
+                <a:uFillTx/>
+                <a:latin typeface="StoneSerITCStd SemiBold" panose="02000503080000020004" pitchFamily="50" charset="0"/>
+                <a:ea typeface="+mn-ea"/>
+                <a:cs typeface="+mn-cs"/>
+              </a:rPr>
+              <a:t>(in Tausend Euro)</a:t>
+            </a:r>
+          </a:p>
+        </p:txBody>
+      </p:sp>
+      <p:sp>
+        <p:nvSpPr>
+          <p:cNvPr id="14" name="Textfeld 13">
+            <a:extLst>
+              <a:ext uri="{FF2B5EF4-FFF2-40B4-BE49-F238E27FC236}">
+                <a16:creationId xmlns:a16="http://schemas.microsoft.com/office/drawing/2014/main" id="{94F1C2FE-2D91-4575-AA00-300C2F29577C}"/>
+              </a:ext>
+            </a:extLst>
+          </p:cNvPr>
+          <p:cNvSpPr txBox="1"/>
+          <p:nvPr/>
+        </p:nvSpPr>
+        <p:spPr>
+          <a:xfrm rot="20240294">
+            <a:off x="5361827" y="5808543"/>
+            <a:ext cx="1157319" cy="600164"/>
+          </a:xfrm>
+          <a:prstGeom prst="rect">
+            <a:avLst/>
+          </a:prstGeom>
+          <a:solidFill>
+            <a:srgbClr val="E7E6E6">
+              <a:lumMod val="10000"/>
+              <a:alpha val="50000"/>
+            </a:srgbClr>
+          </a:solidFill>
+          <a:ln w="6350">
+            <a:solidFill>
+              <a:sysClr val="windowText" lastClr="000000"/>
+            </a:solidFill>
+            <a:prstDash val="lgDash"/>
+          </a:ln>
+          <a:effectLst>
+            <a:outerShdw blurRad="50800" dist="38100" algn="l" rotWithShape="0">
+              <a:prstClr val="black">
+                <a:alpha val="40000"/>
+              </a:prstClr>
+            </a:outerShdw>
+          </a:effectLst>
+        </p:spPr>
+        <p:txBody>
+          <a:bodyPr wrap="square" rtlCol="0">
+            <a:spAutoFit/>
+          </a:bodyPr>
+          <a:lstStyle/>
+          <a:p>
+            <a:pPr marL="0" marR="0" lvl="0" indent="0" algn="ctr" defTabSz="914400" eaLnBrk="1" fontAlgn="auto" latinLnBrk="0" hangingPunct="1">
+              <a:lnSpc>
+                <a:spcPct val="100000"/>
+              </a:lnSpc>
+              <a:spcBef>
+                <a:spcPts val="0"/>
+              </a:spcBef>
+              <a:spcAft>
+                <a:spcPts val="0"/>
+              </a:spcAft>
+              <a:buClrTx/>
+              <a:buSzTx/>
+              <a:buFontTx/>
+              <a:buNone/>
+              <a:tabLst/>
+              <a:defRPr/>
+            </a:pPr>
+            <a:r>
+              <a:rPr kumimoji="0" lang="de-DE" sz="1100" b="0" i="0" u="none" strike="noStrike" kern="0" cap="none" spc="0" normalizeH="0" baseline="0" noProof="0" dirty="0">
+                <a:ln>
+                  <a:noFill/>
+                </a:ln>
+                <a:solidFill>
+                  <a:prstClr val="white"/>
+                </a:solidFill>
+                <a:effectLst/>
+                <a:uLnTx/>
+                <a:uFillTx/>
+                <a:latin typeface="StoneSerITCStd SemiBold" panose="02000503080000020004" pitchFamily="50" charset="0"/>
+                <a:ea typeface="+mn-ea"/>
+                <a:cs typeface="+mn-cs"/>
+              </a:rPr>
+              <a:t>10,17%</a:t>
+            </a:r>
+          </a:p>
+          <a:p>
+            <a:pPr marL="0" marR="0" lvl="0" indent="0" defTabSz="914400" eaLnBrk="1" fontAlgn="auto" latinLnBrk="0" hangingPunct="1">
+              <a:lnSpc>
+                <a:spcPct val="100000"/>
+              </a:lnSpc>
+              <a:spcBef>
+                <a:spcPts val="0"/>
+              </a:spcBef>
+              <a:spcAft>
+                <a:spcPts val="0"/>
+              </a:spcAft>
+              <a:buClrTx/>
+              <a:buSzTx/>
+              <a:buFontTx/>
+              <a:buNone/>
+              <a:tabLst/>
+              <a:defRPr/>
+            </a:pPr>
+            <a:r>
+              <a:rPr kumimoji="0" lang="de-DE" sz="1100" b="0" i="0" u="none" strike="noStrike" kern="0" cap="none" spc="0" normalizeH="0" baseline="0" noProof="0" dirty="0">
+                <a:ln>
+                  <a:noFill/>
+                </a:ln>
+                <a:solidFill>
+                  <a:prstClr val="white"/>
+                </a:solidFill>
+                <a:effectLst/>
+                <a:uLnTx/>
+                <a:uFillTx/>
+                <a:latin typeface="StoneSerITCStd SemiBold" panose="02000503080000020004" pitchFamily="50" charset="0"/>
+                <a:ea typeface="+mn-ea"/>
+                <a:cs typeface="+mn-cs"/>
+              </a:rPr>
+              <a:t>49.667.947 </a:t>
+            </a:r>
+            <a:r>
+              <a:rPr kumimoji="0" lang="de-DE" sz="1100" b="0" i="1" u="none" strike="noStrike" kern="0" cap="none" spc="0" normalizeH="0" baseline="0" noProof="0" dirty="0">
+                <a:ln>
+                  <a:noFill/>
+                </a:ln>
+                <a:solidFill>
+                  <a:prstClr val="white"/>
+                </a:solidFill>
+                <a:effectLst/>
+                <a:uLnTx/>
+                <a:uFillTx/>
+                <a:latin typeface="StoneSerITCStd SemiBold" panose="02000503080000020004" pitchFamily="50" charset="0"/>
+                <a:ea typeface="+mn-ea"/>
+                <a:cs typeface="+mn-cs"/>
+              </a:rPr>
+              <a:t>(in Tausend Euro)</a:t>
+            </a:r>
+          </a:p>
+        </p:txBody>
+      </p:sp>
+      <p:sp>
+        <p:nvSpPr>
+          <p:cNvPr id="15" name="Textfeld 14">
+            <a:extLst>
+              <a:ext uri="{FF2B5EF4-FFF2-40B4-BE49-F238E27FC236}">
+                <a16:creationId xmlns:a16="http://schemas.microsoft.com/office/drawing/2014/main" id="{0FE27321-E559-4F90-84D2-6BEFA9ACDB96}"/>
+              </a:ext>
+            </a:extLst>
+          </p:cNvPr>
+          <p:cNvSpPr txBox="1"/>
+          <p:nvPr/>
+        </p:nvSpPr>
+        <p:spPr>
+          <a:xfrm>
+            <a:off x="4022409" y="4931987"/>
+            <a:ext cx="1299207" cy="596101"/>
+          </a:xfrm>
+          <a:prstGeom prst="rect">
+            <a:avLst/>
+          </a:prstGeom>
+          <a:solidFill>
+            <a:srgbClr val="E7E6E6">
+              <a:lumMod val="10000"/>
+              <a:alpha val="50000"/>
+            </a:srgbClr>
+          </a:solidFill>
+          <a:ln w="6350">
+            <a:solidFill>
+              <a:sysClr val="windowText" lastClr="000000"/>
+            </a:solidFill>
+            <a:prstDash val="lgDash"/>
+          </a:ln>
+          <a:effectLst>
+            <a:outerShdw blurRad="50800" dist="38100" algn="l" rotWithShape="0">
+              <a:prstClr val="black">
+                <a:alpha val="40000"/>
+              </a:prstClr>
+            </a:outerShdw>
+          </a:effectLst>
+        </p:spPr>
+        <p:txBody>
+          <a:bodyPr wrap="square" rtlCol="0">
+            <a:spAutoFit/>
+          </a:bodyPr>
+          <a:lstStyle/>
+          <a:p>
+            <a:pPr marL="0" marR="0" lvl="0" indent="0" algn="ctr" defTabSz="914400" eaLnBrk="1" fontAlgn="auto" latinLnBrk="0" hangingPunct="1">
+              <a:lnSpc>
+                <a:spcPct val="100000"/>
+              </a:lnSpc>
+              <a:spcBef>
+                <a:spcPts val="0"/>
+              </a:spcBef>
+              <a:spcAft>
+                <a:spcPts val="0"/>
+              </a:spcAft>
+              <a:buClrTx/>
+              <a:buSzTx/>
+              <a:buFontTx/>
+              <a:buNone/>
+              <a:tabLst/>
+              <a:defRPr/>
+            </a:pPr>
+            <a:r>
+              <a:rPr kumimoji="0" lang="de-DE" sz="1100" b="0" i="0" u="none" strike="noStrike" kern="0" cap="none" spc="0" normalizeH="0" baseline="0" noProof="0" dirty="0">
+                <a:ln>
+                  <a:noFill/>
+                </a:ln>
+                <a:solidFill>
+                  <a:prstClr val="white"/>
+                </a:solidFill>
+                <a:effectLst/>
+                <a:uLnTx/>
+                <a:uFillTx/>
+                <a:latin typeface="StoneSerITCStd SemiBold" panose="02000503080000020004" pitchFamily="50" charset="0"/>
+                <a:ea typeface="+mn-ea"/>
+                <a:cs typeface="+mn-cs"/>
+              </a:rPr>
+              <a:t>9,45%</a:t>
+            </a:r>
+          </a:p>
+          <a:p>
+            <a:pPr marL="0" marR="0" lvl="0" indent="0" defTabSz="914400" eaLnBrk="1" fontAlgn="auto" latinLnBrk="0" hangingPunct="1">
+              <a:lnSpc>
+                <a:spcPct val="100000"/>
+              </a:lnSpc>
+              <a:spcBef>
+                <a:spcPts val="0"/>
+              </a:spcBef>
+              <a:spcAft>
+                <a:spcPts val="0"/>
+              </a:spcAft>
+              <a:buClrTx/>
+              <a:buSzTx/>
+              <a:buFontTx/>
+              <a:buNone/>
+              <a:tabLst/>
+              <a:defRPr/>
+            </a:pPr>
+            <a:r>
+              <a:rPr kumimoji="0" lang="de-DE" sz="1100" b="0" i="0" u="none" strike="noStrike" kern="0" cap="none" spc="0" normalizeH="0" baseline="0" noProof="0" dirty="0">
+                <a:ln>
+                  <a:noFill/>
+                </a:ln>
+                <a:solidFill>
+                  <a:prstClr val="white"/>
+                </a:solidFill>
+                <a:effectLst/>
+                <a:uLnTx/>
+                <a:uFillTx/>
+                <a:latin typeface="StoneSerITCStd SemiBold" panose="02000503080000020004" pitchFamily="50" charset="0"/>
+                <a:ea typeface="+mn-ea"/>
+                <a:cs typeface="+mn-cs"/>
+              </a:rPr>
+              <a:t>46.170.579 </a:t>
+            </a:r>
+            <a:r>
+              <a:rPr kumimoji="0" lang="de-DE" sz="1100" b="0" i="1" u="none" strike="noStrike" kern="0" cap="none" spc="0" normalizeH="0" baseline="0" noProof="0" dirty="0">
+                <a:ln>
+                  <a:noFill/>
+                </a:ln>
+                <a:solidFill>
+                  <a:prstClr val="white"/>
+                </a:solidFill>
+                <a:effectLst/>
+                <a:uLnTx/>
+                <a:uFillTx/>
+                <a:latin typeface="StoneSerITCStd SemiBold" panose="02000503080000020004" pitchFamily="50" charset="0"/>
+                <a:ea typeface="+mn-ea"/>
+                <a:cs typeface="+mn-cs"/>
+              </a:rPr>
+              <a:t>(in Tausend Euro)</a:t>
+            </a:r>
+          </a:p>
+        </p:txBody>
+      </p:sp>
+      <p:sp>
+        <p:nvSpPr>
+          <p:cNvPr id="16" name="Textfeld 15">
+            <a:extLst>
+              <a:ext uri="{FF2B5EF4-FFF2-40B4-BE49-F238E27FC236}">
+                <a16:creationId xmlns:a16="http://schemas.microsoft.com/office/drawing/2014/main" id="{0B6D596A-AE73-480B-9DC5-8442109BD45E}"/>
+              </a:ext>
+            </a:extLst>
+          </p:cNvPr>
+          <p:cNvSpPr txBox="1"/>
+          <p:nvPr/>
+        </p:nvSpPr>
+        <p:spPr>
+          <a:xfrm>
+            <a:off x="3670757" y="4004722"/>
+            <a:ext cx="1222018" cy="600164"/>
+          </a:xfrm>
+          <a:prstGeom prst="rect">
+            <a:avLst/>
+          </a:prstGeom>
+          <a:solidFill>
+            <a:srgbClr val="E7E6E6">
+              <a:lumMod val="10000"/>
+              <a:alpha val="50000"/>
+            </a:srgbClr>
+          </a:solidFill>
+          <a:ln w="6350">
+            <a:solidFill>
+              <a:sysClr val="windowText" lastClr="000000"/>
+            </a:solidFill>
+            <a:prstDash val="lgDash"/>
+          </a:ln>
+          <a:effectLst>
+            <a:outerShdw blurRad="50800" dist="38100" algn="l" rotWithShape="0">
+              <a:prstClr val="black">
+                <a:alpha val="40000"/>
+              </a:prstClr>
+            </a:outerShdw>
+          </a:effectLst>
+        </p:spPr>
+        <p:txBody>
+          <a:bodyPr wrap="square" rtlCol="0">
+            <a:spAutoFit/>
+          </a:bodyPr>
+          <a:lstStyle/>
+          <a:p>
+            <a:pPr marL="0" marR="0" lvl="0" indent="0" algn="ctr" defTabSz="914400" eaLnBrk="1" fontAlgn="auto" latinLnBrk="0" hangingPunct="1">
+              <a:lnSpc>
+                <a:spcPct val="100000"/>
+              </a:lnSpc>
+              <a:spcBef>
+                <a:spcPts val="0"/>
+              </a:spcBef>
+              <a:spcAft>
+                <a:spcPts val="0"/>
+              </a:spcAft>
+              <a:buClrTx/>
+              <a:buSzTx/>
+              <a:buFontTx/>
+              <a:buNone/>
+              <a:tabLst/>
+              <a:defRPr/>
+            </a:pPr>
+            <a:r>
+              <a:rPr kumimoji="0" lang="de-DE" sz="1100" b="0" i="0" u="none" strike="noStrike" kern="0" cap="none" spc="0" normalizeH="0" baseline="0" noProof="0" dirty="0">
+                <a:ln>
+                  <a:noFill/>
+                </a:ln>
+                <a:solidFill>
+                  <a:prstClr val="white"/>
+                </a:solidFill>
+                <a:effectLst/>
+                <a:uLnTx/>
+                <a:uFillTx/>
+                <a:latin typeface="StoneSerITCStd SemiBold" panose="02000503080000020004" pitchFamily="50" charset="0"/>
+                <a:ea typeface="+mn-ea"/>
+                <a:cs typeface="+mn-cs"/>
+              </a:rPr>
+              <a:t>6,8%</a:t>
+            </a:r>
+          </a:p>
+          <a:p>
+            <a:pPr marL="0" marR="0" lvl="0" indent="0" defTabSz="914400" eaLnBrk="1" fontAlgn="auto" latinLnBrk="0" hangingPunct="1">
+              <a:lnSpc>
+                <a:spcPct val="100000"/>
+              </a:lnSpc>
+              <a:spcBef>
+                <a:spcPts val="0"/>
+              </a:spcBef>
+              <a:spcAft>
+                <a:spcPts val="0"/>
+              </a:spcAft>
+              <a:buClrTx/>
+              <a:buSzTx/>
+              <a:buFontTx/>
+              <a:buNone/>
+              <a:tabLst/>
+              <a:defRPr/>
+            </a:pPr>
+            <a:r>
+              <a:rPr kumimoji="0" lang="de-DE" sz="1100" b="0" i="0" u="none" strike="noStrike" kern="0" cap="none" spc="0" normalizeH="0" baseline="0" noProof="0" dirty="0">
+                <a:ln>
+                  <a:noFill/>
+                </a:ln>
+                <a:solidFill>
+                  <a:prstClr val="white"/>
+                </a:solidFill>
+                <a:effectLst/>
+                <a:uLnTx/>
+                <a:uFillTx/>
+                <a:latin typeface="StoneSerITCStd SemiBold" panose="02000503080000020004" pitchFamily="50" charset="0"/>
+                <a:ea typeface="+mn-ea"/>
+                <a:cs typeface="+mn-cs"/>
+              </a:rPr>
+              <a:t>33.216.446 </a:t>
+            </a:r>
+            <a:r>
+              <a:rPr kumimoji="0" lang="de-DE" sz="1100" b="0" i="1" u="none" strike="noStrike" kern="0" cap="none" spc="0" normalizeH="0" baseline="0" noProof="0" dirty="0">
+                <a:ln>
+                  <a:noFill/>
+                </a:ln>
+                <a:solidFill>
+                  <a:prstClr val="white"/>
+                </a:solidFill>
+                <a:effectLst/>
+                <a:uLnTx/>
+                <a:uFillTx/>
+                <a:latin typeface="StoneSerITCStd SemiBold" panose="02000503080000020004" pitchFamily="50" charset="0"/>
+                <a:ea typeface="+mn-ea"/>
+                <a:cs typeface="+mn-cs"/>
+              </a:rPr>
+              <a:t>(in Tausend Euro)</a:t>
+            </a:r>
+          </a:p>
+        </p:txBody>
+      </p:sp>
+      <p:sp>
+        <p:nvSpPr>
+          <p:cNvPr id="19" name="Textfeld 18">
+            <a:extLst>
+              <a:ext uri="{FF2B5EF4-FFF2-40B4-BE49-F238E27FC236}">
+                <a16:creationId xmlns:a16="http://schemas.microsoft.com/office/drawing/2014/main" id="{013F76DD-FECB-49EB-B294-20E797432AFA}"/>
+              </a:ext>
+            </a:extLst>
+          </p:cNvPr>
+          <p:cNvSpPr txBox="1"/>
+          <p:nvPr/>
+        </p:nvSpPr>
+        <p:spPr>
+          <a:xfrm>
+            <a:off x="9555201" y="1621080"/>
+            <a:ext cx="1855498" cy="615553"/>
+          </a:xfrm>
+          <a:prstGeom prst="rect">
+            <a:avLst/>
+          </a:prstGeom>
+          <a:gradFill rotWithShape="1">
+            <a:gsLst>
+              <a:gs pos="0">
+                <a:srgbClr val="ED7D31">
+                  <a:lumMod val="110000"/>
+                  <a:satMod val="105000"/>
+                  <a:tint val="67000"/>
+                </a:srgbClr>
+              </a:gs>
+              <a:gs pos="50000">
+                <a:srgbClr val="ED7D31">
+                  <a:lumMod val="105000"/>
+                  <a:satMod val="103000"/>
+                  <a:tint val="73000"/>
+                </a:srgbClr>
+              </a:gs>
+              <a:gs pos="100000">
+                <a:srgbClr val="ED7D31">
+                  <a:lumMod val="105000"/>
+                  <a:satMod val="109000"/>
+                  <a:tint val="81000"/>
+                </a:srgbClr>
+              </a:gs>
+            </a:gsLst>
+            <a:lin ang="5400000" scaled="0"/>
+          </a:gradFill>
+          <a:ln w="6350" cap="flat" cmpd="sng" algn="ctr">
+            <a:solidFill>
+              <a:srgbClr val="ED7D31"/>
+            </a:solidFill>
+            <a:prstDash val="solid"/>
+            <a:miter lim="800000"/>
+          </a:ln>
+          <a:effectLst/>
+        </p:spPr>
+        <p:txBody>
+          <a:bodyPr wrap="square" rtlCol="0">
+            <a:spAutoFit/>
+          </a:bodyPr>
+          <a:lstStyle/>
+          <a:p>
+            <a:pPr marL="0" marR="0" lvl="0" indent="0" algn="ctr" defTabSz="914400" eaLnBrk="1" fontAlgn="auto" latinLnBrk="0" hangingPunct="1">
+              <a:lnSpc>
+                <a:spcPct val="100000"/>
+              </a:lnSpc>
+              <a:spcBef>
+                <a:spcPts val="0"/>
+              </a:spcBef>
+              <a:spcAft>
+                <a:spcPts val="0"/>
+              </a:spcAft>
+              <a:buClrTx/>
+              <a:buSzTx/>
+              <a:buFontTx/>
+              <a:buNone/>
+              <a:tabLst/>
+              <a:defRPr/>
+            </a:pPr>
+            <a:r>
+              <a:rPr kumimoji="0" lang="en-GB" sz="1100" b="0" i="0" u="none" strike="noStrike" kern="0" cap="none" spc="0" normalizeH="0" baseline="0" noProof="0" dirty="0">
+                <a:ln>
+                  <a:noFill/>
+                </a:ln>
+                <a:solidFill>
+                  <a:prstClr val="black"/>
+                </a:solidFill>
+                <a:effectLst/>
+                <a:uLnTx/>
+                <a:uFillTx/>
+                <a:latin typeface="StoneSerITCStd SemiBold" panose="02000503080000020004" pitchFamily="50" charset="0"/>
+                <a:ea typeface="+mn-ea"/>
+                <a:cs typeface="+mn-cs"/>
+              </a:rPr>
+              <a:t>Amount </a:t>
+            </a:r>
+            <a:r>
+              <a:rPr kumimoji="0" lang="en-GB" sz="1100" b="0" i="1" u="none" strike="noStrike" kern="0" cap="none" spc="0" normalizeH="0" baseline="0" noProof="0" dirty="0">
+                <a:ln>
+                  <a:noFill/>
+                </a:ln>
+                <a:solidFill>
+                  <a:prstClr val="black"/>
+                </a:solidFill>
+                <a:effectLst/>
+                <a:uLnTx/>
+                <a:uFillTx/>
+                <a:latin typeface="StoneSerITCStd SemiBold" panose="02000503080000020004" pitchFamily="50" charset="0"/>
+                <a:ea typeface="+mn-ea"/>
+                <a:cs typeface="+mn-cs"/>
+              </a:rPr>
+              <a:t>in thousands of </a:t>
+            </a:r>
+            <a:r>
+              <a:rPr kumimoji="0" lang="de-DE" sz="1100" b="0" i="1" u="none" strike="noStrike" kern="0" cap="none" spc="0" normalizeH="0" baseline="0" noProof="0" dirty="0">
+                <a:ln>
+                  <a:noFill/>
+                </a:ln>
+                <a:solidFill>
+                  <a:prstClr val="black"/>
+                </a:solidFill>
+                <a:effectLst/>
+                <a:uLnTx/>
+                <a:uFillTx/>
+                <a:latin typeface="StoneSerITCStd SemiBold" panose="02000503080000020004" pitchFamily="50" charset="0"/>
+                <a:ea typeface="+mn-ea"/>
+                <a:cs typeface="+mn-cs"/>
+              </a:rPr>
+              <a:t>Euro</a:t>
+            </a:r>
+          </a:p>
+          <a:p>
+            <a:pPr marL="0" marR="0" lvl="0" indent="0" algn="ctr" defTabSz="914400" eaLnBrk="1" fontAlgn="auto" latinLnBrk="0" hangingPunct="1">
+              <a:lnSpc>
+                <a:spcPct val="100000"/>
+              </a:lnSpc>
+              <a:spcBef>
+                <a:spcPts val="0"/>
+              </a:spcBef>
+              <a:spcAft>
+                <a:spcPts val="0"/>
+              </a:spcAft>
+              <a:buClrTx/>
+              <a:buSzTx/>
+              <a:buFontTx/>
+              <a:buNone/>
+              <a:tabLst/>
+              <a:defRPr/>
+            </a:pPr>
+            <a:r>
+              <a:rPr kumimoji="0" lang="de-DE" sz="1200" b="1" i="1" u="none" strike="noStrike" kern="0" cap="none" spc="0" normalizeH="0" baseline="0" noProof="0" dirty="0">
+                <a:ln>
+                  <a:noFill/>
+                </a:ln>
+                <a:solidFill>
+                  <a:prstClr val="black"/>
+                </a:solidFill>
+                <a:effectLst/>
+                <a:uLnTx/>
+                <a:uFillTx/>
+                <a:latin typeface="StoneSerITCStd SemiBold" panose="02000503080000020004" pitchFamily="50" charset="0"/>
+                <a:ea typeface="+mn-ea"/>
+                <a:cs typeface="+mn-cs"/>
+              </a:rPr>
+              <a:t>488.609.000</a:t>
+            </a:r>
+          </a:p>
+        </p:txBody>
+      </p:sp>
+    </p:spTree>
+    <p:extLst>
+      <p:ext uri="{BB962C8B-B14F-4D97-AF65-F5344CB8AC3E}">
+        <p14:creationId xmlns:p14="http://schemas.microsoft.com/office/powerpoint/2010/main" val="1354582108"/>
+      </p:ext>
+    </p:extLst>
+  </p:cSld>
+  <p:clrMapOvr>
+    <a:masterClrMapping/>
+  </p:clrMapOvr>
+</p:sld>
+</file>
+
+<file path=ppt/slides/slide29.xml><?xml version="1.0" encoding="utf-8"?>
 <p:sld xmlns:a="http://schemas.openxmlformats.org/drawingml/2006/main" xmlns:r="http://schemas.openxmlformats.org/officeDocument/2006/relationships" xmlns:p="http://schemas.openxmlformats.org/presentationml/2006/main">
   <p:cSld>
     <p:spTree>
@@ -17973,364 +20081,6 @@
               <a:rPr lang="en-US" sz="1800" b="0" strike="noStrike" spc="-1">
                 <a:solidFill>
                   <a:srgbClr val="FFFFFF"/>
-                </a:solidFill>
-                <a:latin typeface="Arial"/>
-                <a:ea typeface="DejaVu Sans"/>
-              </a:rPr>
-              <a:t>→ Only professional finanance gamblers loose money, nobody else</a:t>
-            </a:r>
-            <a:endParaRPr lang="en-GB" sz="1800" b="0" strike="noStrike" spc="-1">
-              <a:solidFill>
-                <a:srgbClr val="000000"/>
-              </a:solidFill>
-              <a:latin typeface="Arial"/>
-            </a:endParaRPr>
-          </a:p>
-        </p:txBody>
-      </p:sp>
-    </p:spTree>
-  </p:cSld>
-  <p:clrMapOvr>
-    <a:masterClrMapping/>
-  </p:clrMapOvr>
-</p:sld>
-</file>
-
-<file path=ppt/slides/slide29.xml><?xml version="1.0" encoding="utf-8"?>
-<p:sld xmlns:a="http://schemas.openxmlformats.org/drawingml/2006/main" xmlns:r="http://schemas.openxmlformats.org/officeDocument/2006/relationships" xmlns:p="http://schemas.openxmlformats.org/presentationml/2006/main">
-  <p:cSld>
-    <p:spTree>
-      <p:nvGrpSpPr>
-        <p:cNvPr id="1" name=""/>
-        <p:cNvGrpSpPr/>
-        <p:nvPr/>
-      </p:nvGrpSpPr>
-      <p:grpSpPr>
-        <a:xfrm>
-          <a:off x="0" y="0"/>
-          <a:ext cx="0" cy="0"/>
-          <a:chOff x="0" y="0"/>
-          <a:chExt cx="0" cy="0"/>
-        </a:xfrm>
-      </p:grpSpPr>
-      <p:sp>
-        <p:nvSpPr>
-          <p:cNvPr id="1485" name="CustomShape 35"/>
-          <p:cNvSpPr/>
-          <p:nvPr/>
-        </p:nvSpPr>
-        <p:spPr>
-          <a:xfrm>
-            <a:off x="335520" y="764640"/>
-            <a:ext cx="10726920" cy="477720"/>
-          </a:xfrm>
-          <a:prstGeom prst="rect">
-            <a:avLst/>
-          </a:prstGeom>
-          <a:noFill/>
-          <a:ln w="0">
-            <a:noFill/>
-          </a:ln>
-        </p:spPr>
-        <p:style>
-          <a:lnRef idx="0">
-            <a:scrgbClr r="0" g="0" b="0"/>
-          </a:lnRef>
-          <a:fillRef idx="0">
-            <a:scrgbClr r="0" g="0" b="0"/>
-          </a:fillRef>
-          <a:effectRef idx="0">
-            <a:scrgbClr r="0" g="0" b="0"/>
-          </a:effectRef>
-          <a:fontRef idx="minor"/>
-        </p:style>
-        <p:txBody>
-          <a:bodyPr lIns="90000" tIns="45000" rIns="90000" bIns="45000" anchor="t">
-            <a:noAutofit/>
-          </a:bodyPr>
-          <a:lstStyle/>
-          <a:p>
-            <a:pPr>
-              <a:lnSpc>
-                <a:spcPct val="100000"/>
-              </a:lnSpc>
-            </a:pPr>
-            <a:r>
-              <a:rPr lang="en-US" sz="2400" b="1" strike="noStrike" spc="-1">
-                <a:solidFill>
-                  <a:srgbClr val="000000"/>
-                </a:solidFill>
-                <a:latin typeface="DejaVu Sans"/>
-                <a:ea typeface="DejaVu Sans"/>
-              </a:rPr>
-              <a:t>Universal Basic Income</a:t>
-            </a:r>
-            <a:endParaRPr lang="en-GB" sz="2400" b="0" strike="noStrike" spc="-1">
-              <a:solidFill>
-                <a:srgbClr val="000000"/>
-              </a:solidFill>
-              <a:latin typeface="Arial"/>
-            </a:endParaRPr>
-          </a:p>
-        </p:txBody>
-      </p:sp>
-      <p:sp>
-        <p:nvSpPr>
-          <p:cNvPr id="1486" name="CustomShape 126"/>
-          <p:cNvSpPr/>
-          <p:nvPr/>
-        </p:nvSpPr>
-        <p:spPr>
-          <a:xfrm>
-            <a:off x="432720" y="1148040"/>
-            <a:ext cx="10332360" cy="473040"/>
-          </a:xfrm>
-          <a:prstGeom prst="rect">
-            <a:avLst/>
-          </a:prstGeom>
-          <a:noFill/>
-          <a:ln w="0">
-            <a:noFill/>
-          </a:ln>
-        </p:spPr>
-        <p:style>
-          <a:lnRef idx="0">
-            <a:scrgbClr r="0" g="0" b="0"/>
-          </a:lnRef>
-          <a:fillRef idx="0">
-            <a:scrgbClr r="0" g="0" b="0"/>
-          </a:fillRef>
-          <a:effectRef idx="0">
-            <a:scrgbClr r="0" g="0" b="0"/>
-          </a:effectRef>
-          <a:fontRef idx="minor"/>
-        </p:style>
-        <p:txBody>
-          <a:bodyPr lIns="0" tIns="0" rIns="0" bIns="0" anchor="ctr">
-            <a:noAutofit/>
-          </a:bodyPr>
-          <a:lstStyle/>
-          <a:p>
-            <a:pPr>
-              <a:lnSpc>
-                <a:spcPct val="100000"/>
-              </a:lnSpc>
-            </a:pPr>
-            <a:r>
-              <a:rPr lang="en-US" sz="2200" b="1" strike="noStrike" spc="-1">
-                <a:solidFill>
-                  <a:srgbClr val="666666"/>
-                </a:solidFill>
-                <a:latin typeface="DejaVu Sans"/>
-                <a:ea typeface="DejaVu Sans"/>
-              </a:rPr>
-              <a:t>Funding (Germany) – Financial Transaction Tax</a:t>
-            </a:r>
-            <a:endParaRPr lang="en-GB" sz="2200" b="0" strike="noStrike" spc="-1">
-              <a:solidFill>
-                <a:srgbClr val="000000"/>
-              </a:solidFill>
-              <a:latin typeface="Arial"/>
-            </a:endParaRPr>
-          </a:p>
-        </p:txBody>
-      </p:sp>
-      <p:sp>
-        <p:nvSpPr>
-          <p:cNvPr id="1487" name="CustomShape 127"/>
-          <p:cNvSpPr/>
-          <p:nvPr/>
-        </p:nvSpPr>
-        <p:spPr>
-          <a:xfrm>
-            <a:off x="335520" y="1268280"/>
-            <a:ext cx="10635480" cy="5337360"/>
-          </a:xfrm>
-          <a:prstGeom prst="rect">
-            <a:avLst/>
-          </a:prstGeom>
-          <a:noFill/>
-          <a:ln w="0">
-            <a:noFill/>
-          </a:ln>
-        </p:spPr>
-        <p:style>
-          <a:lnRef idx="0">
-            <a:scrgbClr r="0" g="0" b="0"/>
-          </a:lnRef>
-          <a:fillRef idx="0">
-            <a:scrgbClr r="0" g="0" b="0"/>
-          </a:fillRef>
-          <a:effectRef idx="0">
-            <a:scrgbClr r="0" g="0" b="0"/>
-          </a:effectRef>
-          <a:fontRef idx="minor"/>
-        </p:style>
-        <p:txBody>
-          <a:bodyPr lIns="90000" tIns="45000" rIns="90000" bIns="45000" anchor="ctr">
-            <a:noAutofit/>
-          </a:bodyPr>
-          <a:lstStyle/>
-          <a:p>
-            <a:pPr>
-              <a:lnSpc>
-                <a:spcPct val="100000"/>
-              </a:lnSpc>
-            </a:pPr>
-            <a:endParaRPr lang="en-GB" sz="1800" b="0" strike="noStrike" spc="-1">
-              <a:solidFill>
-                <a:srgbClr val="000000"/>
-              </a:solidFill>
-              <a:latin typeface="Arial"/>
-            </a:endParaRPr>
-          </a:p>
-          <a:p>
-            <a:pPr marL="216000" indent="-207720">
-              <a:lnSpc>
-                <a:spcPct val="100000"/>
-              </a:lnSpc>
-              <a:spcBef>
-                <a:spcPts val="360"/>
-              </a:spcBef>
-              <a:buClr>
-                <a:srgbClr val="008C4F"/>
-              </a:buClr>
-              <a:buSzPct val="45000"/>
-              <a:buFont typeface="OpenSymbol"/>
-              <a:buChar char="■"/>
-            </a:pPr>
-            <a:r>
-              <a:rPr lang="en-US" sz="1800" b="0" strike="noStrike" spc="-1">
-                <a:solidFill>
-                  <a:srgbClr val="000000"/>
-                </a:solidFill>
-                <a:latin typeface="Arial"/>
-                <a:ea typeface="DejaVu Sans"/>
-              </a:rPr>
-              <a:t>Financial transaction tax </a:t>
-            </a:r>
-            <a:endParaRPr lang="en-GB" sz="1800" b="0" strike="noStrike" spc="-1">
-              <a:solidFill>
-                <a:srgbClr val="000000"/>
-              </a:solidFill>
-              <a:latin typeface="Arial"/>
-            </a:endParaRPr>
-          </a:p>
-          <a:p>
-            <a:pPr marL="432000" lvl="1" indent="-216000">
-              <a:lnSpc>
-                <a:spcPct val="100000"/>
-              </a:lnSpc>
-              <a:spcBef>
-                <a:spcPts val="360"/>
-              </a:spcBef>
-              <a:buClr>
-                <a:srgbClr val="000000"/>
-              </a:buClr>
-              <a:buSzPct val="45000"/>
-              <a:buFont typeface="Wingdings" charset="2"/>
-              <a:buChar char=""/>
-            </a:pPr>
-            <a:r>
-              <a:rPr lang="en-US" sz="1800" b="0" strike="noStrike" spc="-1">
-                <a:solidFill>
-                  <a:srgbClr val="000000"/>
-                </a:solidFill>
-                <a:latin typeface="Arial"/>
-                <a:ea typeface="DejaVu Sans"/>
-              </a:rPr>
-              <a:t>Tax financial transactions (stock exchange, etc. - not everyday transactions, e.g., supermarket)</a:t>
-            </a:r>
-            <a:endParaRPr lang="en-GB" sz="1800" b="0" strike="noStrike" spc="-1">
-              <a:solidFill>
-                <a:srgbClr val="000000"/>
-              </a:solidFill>
-              <a:latin typeface="Arial"/>
-            </a:endParaRPr>
-          </a:p>
-          <a:p>
-            <a:pPr marL="432000" lvl="1" indent="-216000">
-              <a:lnSpc>
-                <a:spcPct val="100000"/>
-              </a:lnSpc>
-              <a:spcBef>
-                <a:spcPts val="360"/>
-              </a:spcBef>
-              <a:buClr>
-                <a:srgbClr val="000000"/>
-              </a:buClr>
-              <a:buSzPct val="45000"/>
-              <a:buFont typeface="Wingdings" charset="2"/>
-              <a:buChar char=""/>
-            </a:pPr>
-            <a:r>
-              <a:rPr lang="en-US" sz="1800" b="0" strike="noStrike" spc="-1">
-                <a:solidFill>
-                  <a:srgbClr val="000000"/>
-                </a:solidFill>
-                <a:latin typeface="Arial"/>
-                <a:ea typeface="DejaVu Sans"/>
-              </a:rPr>
-              <a:t>Prevent financial market speculation from being more profitable than investments in the real economy.</a:t>
-            </a:r>
-            <a:endParaRPr lang="en-GB" sz="1800" b="0" strike="noStrike" spc="-1">
-              <a:solidFill>
-                <a:srgbClr val="000000"/>
-              </a:solidFill>
-              <a:latin typeface="Arial"/>
-            </a:endParaRPr>
-          </a:p>
-          <a:p>
-            <a:pPr marL="432000" lvl="1" indent="-216000">
-              <a:lnSpc>
-                <a:spcPct val="100000"/>
-              </a:lnSpc>
-              <a:spcBef>
-                <a:spcPts val="360"/>
-              </a:spcBef>
-              <a:buClr>
-                <a:srgbClr val="000000"/>
-              </a:buClr>
-              <a:buSzPct val="45000"/>
-              <a:buFont typeface="Wingdings" charset="2"/>
-              <a:buChar char=""/>
-            </a:pPr>
-            <a:r>
-              <a:rPr lang="en-US" sz="1800" b="0" strike="noStrike" spc="-1">
-                <a:solidFill>
-                  <a:srgbClr val="000000"/>
-                </a:solidFill>
-                <a:latin typeface="Arial"/>
-                <a:ea typeface="DejaVu Sans"/>
-              </a:rPr>
-              <a:t>→ Less gambling in the finance sector</a:t>
-            </a:r>
-            <a:endParaRPr lang="en-GB" sz="1800" b="0" strike="noStrike" spc="-1">
-              <a:solidFill>
-                <a:srgbClr val="000000"/>
-              </a:solidFill>
-              <a:latin typeface="Arial"/>
-            </a:endParaRPr>
-          </a:p>
-          <a:p>
-            <a:pPr marL="432000" lvl="1" indent="-216000">
-              <a:lnSpc>
-                <a:spcPct val="100000"/>
-              </a:lnSpc>
-              <a:spcBef>
-                <a:spcPts val="360"/>
-              </a:spcBef>
-              <a:buClr>
-                <a:srgbClr val="000000"/>
-              </a:buClr>
-              <a:buSzPct val="45000"/>
-              <a:buFont typeface="Wingdings" charset="2"/>
-              <a:buChar char=""/>
-            </a:pPr>
-            <a:r>
-              <a:rPr lang="en-US" sz="1800" b="0" strike="noStrike" spc="-1">
-                <a:solidFill>
-                  <a:srgbClr val="000000"/>
                 </a:solidFill>
                 <a:latin typeface="Arial"/>
                 <a:ea typeface="DejaVu Sans"/>
@@ -18511,6 +20261,364 @@
       </p:grpSpPr>
       <p:sp>
         <p:nvSpPr>
+          <p:cNvPr id="1485" name="CustomShape 35"/>
+          <p:cNvSpPr/>
+          <p:nvPr/>
+        </p:nvSpPr>
+        <p:spPr>
+          <a:xfrm>
+            <a:off x="335520" y="764640"/>
+            <a:ext cx="10726920" cy="477720"/>
+          </a:xfrm>
+          <a:prstGeom prst="rect">
+            <a:avLst/>
+          </a:prstGeom>
+          <a:noFill/>
+          <a:ln w="0">
+            <a:noFill/>
+          </a:ln>
+        </p:spPr>
+        <p:style>
+          <a:lnRef idx="0">
+            <a:scrgbClr r="0" g="0" b="0"/>
+          </a:lnRef>
+          <a:fillRef idx="0">
+            <a:scrgbClr r="0" g="0" b="0"/>
+          </a:fillRef>
+          <a:effectRef idx="0">
+            <a:scrgbClr r="0" g="0" b="0"/>
+          </a:effectRef>
+          <a:fontRef idx="minor"/>
+        </p:style>
+        <p:txBody>
+          <a:bodyPr lIns="90000" tIns="45000" rIns="90000" bIns="45000" anchor="t">
+            <a:noAutofit/>
+          </a:bodyPr>
+          <a:lstStyle/>
+          <a:p>
+            <a:pPr>
+              <a:lnSpc>
+                <a:spcPct val="100000"/>
+              </a:lnSpc>
+            </a:pPr>
+            <a:r>
+              <a:rPr lang="en-US" sz="2400" b="1" strike="noStrike" spc="-1">
+                <a:solidFill>
+                  <a:srgbClr val="000000"/>
+                </a:solidFill>
+                <a:latin typeface="DejaVu Sans"/>
+                <a:ea typeface="DejaVu Sans"/>
+              </a:rPr>
+              <a:t>Universal Basic Income</a:t>
+            </a:r>
+            <a:endParaRPr lang="en-GB" sz="2400" b="0" strike="noStrike" spc="-1">
+              <a:solidFill>
+                <a:srgbClr val="000000"/>
+              </a:solidFill>
+              <a:latin typeface="Arial"/>
+            </a:endParaRPr>
+          </a:p>
+        </p:txBody>
+      </p:sp>
+      <p:sp>
+        <p:nvSpPr>
+          <p:cNvPr id="1486" name="CustomShape 126"/>
+          <p:cNvSpPr/>
+          <p:nvPr/>
+        </p:nvSpPr>
+        <p:spPr>
+          <a:xfrm>
+            <a:off x="432720" y="1148040"/>
+            <a:ext cx="10332360" cy="473040"/>
+          </a:xfrm>
+          <a:prstGeom prst="rect">
+            <a:avLst/>
+          </a:prstGeom>
+          <a:noFill/>
+          <a:ln w="0">
+            <a:noFill/>
+          </a:ln>
+        </p:spPr>
+        <p:style>
+          <a:lnRef idx="0">
+            <a:scrgbClr r="0" g="0" b="0"/>
+          </a:lnRef>
+          <a:fillRef idx="0">
+            <a:scrgbClr r="0" g="0" b="0"/>
+          </a:fillRef>
+          <a:effectRef idx="0">
+            <a:scrgbClr r="0" g="0" b="0"/>
+          </a:effectRef>
+          <a:fontRef idx="minor"/>
+        </p:style>
+        <p:txBody>
+          <a:bodyPr lIns="0" tIns="0" rIns="0" bIns="0" anchor="ctr">
+            <a:noAutofit/>
+          </a:bodyPr>
+          <a:lstStyle/>
+          <a:p>
+            <a:pPr>
+              <a:lnSpc>
+                <a:spcPct val="100000"/>
+              </a:lnSpc>
+            </a:pPr>
+            <a:r>
+              <a:rPr lang="en-US" sz="2200" b="1" strike="noStrike" spc="-1">
+                <a:solidFill>
+                  <a:srgbClr val="666666"/>
+                </a:solidFill>
+                <a:latin typeface="DejaVu Sans"/>
+                <a:ea typeface="DejaVu Sans"/>
+              </a:rPr>
+              <a:t>Funding (Germany) – Financial Transaction Tax</a:t>
+            </a:r>
+            <a:endParaRPr lang="en-GB" sz="2200" b="0" strike="noStrike" spc="-1">
+              <a:solidFill>
+                <a:srgbClr val="000000"/>
+              </a:solidFill>
+              <a:latin typeface="Arial"/>
+            </a:endParaRPr>
+          </a:p>
+        </p:txBody>
+      </p:sp>
+      <p:sp>
+        <p:nvSpPr>
+          <p:cNvPr id="1487" name="CustomShape 127"/>
+          <p:cNvSpPr/>
+          <p:nvPr/>
+        </p:nvSpPr>
+        <p:spPr>
+          <a:xfrm>
+            <a:off x="335520" y="1268280"/>
+            <a:ext cx="10635480" cy="5337360"/>
+          </a:xfrm>
+          <a:prstGeom prst="rect">
+            <a:avLst/>
+          </a:prstGeom>
+          <a:noFill/>
+          <a:ln w="0">
+            <a:noFill/>
+          </a:ln>
+        </p:spPr>
+        <p:style>
+          <a:lnRef idx="0">
+            <a:scrgbClr r="0" g="0" b="0"/>
+          </a:lnRef>
+          <a:fillRef idx="0">
+            <a:scrgbClr r="0" g="0" b="0"/>
+          </a:fillRef>
+          <a:effectRef idx="0">
+            <a:scrgbClr r="0" g="0" b="0"/>
+          </a:effectRef>
+          <a:fontRef idx="minor"/>
+        </p:style>
+        <p:txBody>
+          <a:bodyPr lIns="90000" tIns="45000" rIns="90000" bIns="45000" anchor="ctr">
+            <a:noAutofit/>
+          </a:bodyPr>
+          <a:lstStyle/>
+          <a:p>
+            <a:pPr>
+              <a:lnSpc>
+                <a:spcPct val="100000"/>
+              </a:lnSpc>
+            </a:pPr>
+            <a:endParaRPr lang="en-GB" sz="1800" b="0" strike="noStrike" spc="-1">
+              <a:solidFill>
+                <a:srgbClr val="000000"/>
+              </a:solidFill>
+              <a:latin typeface="Arial"/>
+            </a:endParaRPr>
+          </a:p>
+          <a:p>
+            <a:pPr marL="216000" indent="-207720">
+              <a:lnSpc>
+                <a:spcPct val="100000"/>
+              </a:lnSpc>
+              <a:spcBef>
+                <a:spcPts val="360"/>
+              </a:spcBef>
+              <a:buClr>
+                <a:srgbClr val="008C4F"/>
+              </a:buClr>
+              <a:buSzPct val="45000"/>
+              <a:buFont typeface="OpenSymbol"/>
+              <a:buChar char="■"/>
+            </a:pPr>
+            <a:r>
+              <a:rPr lang="en-US" sz="1800" b="0" strike="noStrike" spc="-1">
+                <a:solidFill>
+                  <a:srgbClr val="000000"/>
+                </a:solidFill>
+                <a:latin typeface="Arial"/>
+                <a:ea typeface="DejaVu Sans"/>
+              </a:rPr>
+              <a:t>Financial transaction tax </a:t>
+            </a:r>
+            <a:endParaRPr lang="en-GB" sz="1800" b="0" strike="noStrike" spc="-1">
+              <a:solidFill>
+                <a:srgbClr val="000000"/>
+              </a:solidFill>
+              <a:latin typeface="Arial"/>
+            </a:endParaRPr>
+          </a:p>
+          <a:p>
+            <a:pPr marL="432000" lvl="1" indent="-216000">
+              <a:lnSpc>
+                <a:spcPct val="100000"/>
+              </a:lnSpc>
+              <a:spcBef>
+                <a:spcPts val="360"/>
+              </a:spcBef>
+              <a:buClr>
+                <a:srgbClr val="000000"/>
+              </a:buClr>
+              <a:buSzPct val="45000"/>
+              <a:buFont typeface="Wingdings" charset="2"/>
+              <a:buChar char=""/>
+            </a:pPr>
+            <a:r>
+              <a:rPr lang="en-US" sz="1800" b="0" strike="noStrike" spc="-1">
+                <a:solidFill>
+                  <a:srgbClr val="000000"/>
+                </a:solidFill>
+                <a:latin typeface="Arial"/>
+                <a:ea typeface="DejaVu Sans"/>
+              </a:rPr>
+              <a:t>Tax financial transactions (stock exchange, etc. - not everyday transactions, e.g., supermarket)</a:t>
+            </a:r>
+            <a:endParaRPr lang="en-GB" sz="1800" b="0" strike="noStrike" spc="-1">
+              <a:solidFill>
+                <a:srgbClr val="000000"/>
+              </a:solidFill>
+              <a:latin typeface="Arial"/>
+            </a:endParaRPr>
+          </a:p>
+          <a:p>
+            <a:pPr marL="432000" lvl="1" indent="-216000">
+              <a:lnSpc>
+                <a:spcPct val="100000"/>
+              </a:lnSpc>
+              <a:spcBef>
+                <a:spcPts val="360"/>
+              </a:spcBef>
+              <a:buClr>
+                <a:srgbClr val="000000"/>
+              </a:buClr>
+              <a:buSzPct val="45000"/>
+              <a:buFont typeface="Wingdings" charset="2"/>
+              <a:buChar char=""/>
+            </a:pPr>
+            <a:r>
+              <a:rPr lang="en-US" sz="1800" b="0" strike="noStrike" spc="-1">
+                <a:solidFill>
+                  <a:srgbClr val="000000"/>
+                </a:solidFill>
+                <a:latin typeface="Arial"/>
+                <a:ea typeface="DejaVu Sans"/>
+              </a:rPr>
+              <a:t>Prevent financial market speculation from being more profitable than investments in the real economy.</a:t>
+            </a:r>
+            <a:endParaRPr lang="en-GB" sz="1800" b="0" strike="noStrike" spc="-1">
+              <a:solidFill>
+                <a:srgbClr val="000000"/>
+              </a:solidFill>
+              <a:latin typeface="Arial"/>
+            </a:endParaRPr>
+          </a:p>
+          <a:p>
+            <a:pPr marL="432000" lvl="1" indent="-216000">
+              <a:lnSpc>
+                <a:spcPct val="100000"/>
+              </a:lnSpc>
+              <a:spcBef>
+                <a:spcPts val="360"/>
+              </a:spcBef>
+              <a:buClr>
+                <a:srgbClr val="000000"/>
+              </a:buClr>
+              <a:buSzPct val="45000"/>
+              <a:buFont typeface="Wingdings" charset="2"/>
+              <a:buChar char=""/>
+            </a:pPr>
+            <a:r>
+              <a:rPr lang="en-US" sz="1800" b="0" strike="noStrike" spc="-1">
+                <a:solidFill>
+                  <a:srgbClr val="000000"/>
+                </a:solidFill>
+                <a:latin typeface="Arial"/>
+                <a:ea typeface="DejaVu Sans"/>
+              </a:rPr>
+              <a:t>→ Less gambling in the finance sector</a:t>
+            </a:r>
+            <a:endParaRPr lang="en-GB" sz="1800" b="0" strike="noStrike" spc="-1">
+              <a:solidFill>
+                <a:srgbClr val="000000"/>
+              </a:solidFill>
+              <a:latin typeface="Arial"/>
+            </a:endParaRPr>
+          </a:p>
+          <a:p>
+            <a:pPr marL="432000" lvl="1" indent="-216000">
+              <a:lnSpc>
+                <a:spcPct val="100000"/>
+              </a:lnSpc>
+              <a:spcBef>
+                <a:spcPts val="360"/>
+              </a:spcBef>
+              <a:buClr>
+                <a:srgbClr val="000000"/>
+              </a:buClr>
+              <a:buSzPct val="45000"/>
+              <a:buFont typeface="Wingdings" charset="2"/>
+              <a:buChar char=""/>
+            </a:pPr>
+            <a:r>
+              <a:rPr lang="en-US" sz="1800" b="0" strike="noStrike" spc="-1">
+                <a:solidFill>
+                  <a:srgbClr val="000000"/>
+                </a:solidFill>
+                <a:latin typeface="Arial"/>
+                <a:ea typeface="DejaVu Sans"/>
+              </a:rPr>
+              <a:t>→ Only professional finanance gamblers loose money, nobody else</a:t>
+            </a:r>
+            <a:endParaRPr lang="en-GB" sz="1800" b="0" strike="noStrike" spc="-1">
+              <a:solidFill>
+                <a:srgbClr val="000000"/>
+              </a:solidFill>
+              <a:latin typeface="Arial"/>
+            </a:endParaRPr>
+          </a:p>
+        </p:txBody>
+      </p:sp>
+    </p:spTree>
+  </p:cSld>
+  <p:clrMapOvr>
+    <a:masterClrMapping/>
+  </p:clrMapOvr>
+</p:sld>
+</file>
+
+<file path=ppt/slides/slide31.xml><?xml version="1.0" encoding="utf-8"?>
+<p:sld xmlns:a="http://schemas.openxmlformats.org/drawingml/2006/main" xmlns:r="http://schemas.openxmlformats.org/officeDocument/2006/relationships" xmlns:p="http://schemas.openxmlformats.org/presentationml/2006/main">
+  <p:cSld>
+    <p:spTree>
+      <p:nvGrpSpPr>
+        <p:cNvPr id="1" name=""/>
+        <p:cNvGrpSpPr/>
+        <p:nvPr/>
+      </p:nvGrpSpPr>
+      <p:grpSpPr>
+        <a:xfrm>
+          <a:off x="0" y="0"/>
+          <a:ext cx="0" cy="0"/>
+          <a:chOff x="0" y="0"/>
+          <a:chExt cx="0" cy="0"/>
+        </a:xfrm>
+      </p:grpSpPr>
+      <p:sp>
+        <p:nvSpPr>
           <p:cNvPr id="1488" name="CustomShape 36"/>
           <p:cNvSpPr/>
           <p:nvPr/>
@@ -18906,7 +21014,7 @@
 </p:sld>
 </file>
 
-<file path=ppt/slides/slide31.xml><?xml version="1.0" encoding="utf-8"?>
+<file path=ppt/slides/slide32.xml><?xml version="1.0" encoding="utf-8"?>
 <p:sld xmlns:a="http://schemas.openxmlformats.org/drawingml/2006/main" xmlns:r="http://schemas.openxmlformats.org/officeDocument/2006/relationships" xmlns:p="http://schemas.openxmlformats.org/presentationml/2006/main">
   <p:cSld>
     <p:spTree>
@@ -19404,7 +21512,7 @@
 </p:sld>
 </file>
 
-<file path=ppt/slides/slide32.xml><?xml version="1.0" encoding="utf-8"?>
+<file path=ppt/slides/slide33.xml><?xml version="1.0" encoding="utf-8"?>
 <p:sld xmlns:a="http://schemas.openxmlformats.org/drawingml/2006/main" xmlns:r="http://schemas.openxmlformats.org/officeDocument/2006/relationships" xmlns:p="http://schemas.openxmlformats.org/presentationml/2006/main">
   <p:cSld>
     <p:spTree>
@@ -19842,7 +21950,7 @@
 </p:sld>
 </file>
 
-<file path=ppt/slides/slide33.xml><?xml version="1.0" encoding="utf-8"?>
+<file path=ppt/slides/slide34.xml><?xml version="1.0" encoding="utf-8"?>
 <p:sld xmlns:a="http://schemas.openxmlformats.org/drawingml/2006/main" xmlns:r="http://schemas.openxmlformats.org/officeDocument/2006/relationships" xmlns:p="http://schemas.openxmlformats.org/presentationml/2006/main">
   <p:cSld>
     <p:spTree>
@@ -20073,7 +22181,7 @@
 </p:sld>
 </file>
 
-<file path=ppt/slides/slide34.xml><?xml version="1.0" encoding="utf-8"?>
+<file path=ppt/slides/slide35.xml><?xml version="1.0" encoding="utf-8"?>
 <p:sld xmlns:a="http://schemas.openxmlformats.org/drawingml/2006/main" xmlns:r="http://schemas.openxmlformats.org/officeDocument/2006/relationships" xmlns:p="http://schemas.openxmlformats.org/presentationml/2006/main" show="0">
   <p:cSld>
     <p:spTree>
@@ -20247,7 +22355,7 @@
 </p:sld>
 </file>
 
-<file path=ppt/slides/slide35.xml><?xml version="1.0" encoding="utf-8"?>
+<file path=ppt/slides/slide36.xml><?xml version="1.0" encoding="utf-8"?>
 <p:sld xmlns:a="http://schemas.openxmlformats.org/drawingml/2006/main" xmlns:r="http://schemas.openxmlformats.org/officeDocument/2006/relationships" xmlns:p="http://schemas.openxmlformats.org/presentationml/2006/main" show="0">
   <p:cSld>
     <p:spTree>
@@ -20421,7 +22529,7 @@
 </p:sld>
 </file>
 
-<file path=ppt/slides/slide36.xml><?xml version="1.0" encoding="utf-8"?>
+<file path=ppt/slides/slide37.xml><?xml version="1.0" encoding="utf-8"?>
 <p:sld xmlns:a="http://schemas.openxmlformats.org/drawingml/2006/main" xmlns:r="http://schemas.openxmlformats.org/officeDocument/2006/relationships" xmlns:p="http://schemas.openxmlformats.org/presentationml/2006/main" show="0">
   <p:cSld>
     <p:spTree>
@@ -20702,7 +22810,7 @@
 </p:sld>
 </file>
 
-<file path=ppt/slides/slide37.xml><?xml version="1.0" encoding="utf-8"?>
+<file path=ppt/slides/slide38.xml><?xml version="1.0" encoding="utf-8"?>
 <p:sld xmlns:a="http://schemas.openxmlformats.org/drawingml/2006/main" xmlns:r="http://schemas.openxmlformats.org/officeDocument/2006/relationships" xmlns:p="http://schemas.openxmlformats.org/presentationml/2006/main">
   <p:cSld>
     <p:spTree>
@@ -20840,7 +22948,7 @@
 </p:sld>
 </file>
 
-<file path=ppt/slides/slide38.xml><?xml version="1.0" encoding="utf-8"?>
+<file path=ppt/slides/slide39.xml><?xml version="1.0" encoding="utf-8"?>
 <p:sld xmlns:a="http://schemas.openxmlformats.org/drawingml/2006/main" xmlns:r="http://schemas.openxmlformats.org/officeDocument/2006/relationships" xmlns:p="http://schemas.openxmlformats.org/presentationml/2006/main">
   <p:cSld>
     <p:spTree>
@@ -21106,334 +23214,6 @@
                 <a:ea typeface="DejaVu Sans"/>
               </a:rPr>
               <a:t>Several small-scale pilots and a few large-scale experiments have been conducted or are still being conducted</a:t>
-            </a:r>
-            <a:endParaRPr lang="en-GB" sz="1800" b="0" strike="noStrike" spc="-1">
-              <a:solidFill>
-                <a:srgbClr val="000000"/>
-              </a:solidFill>
-              <a:latin typeface="Arial"/>
-            </a:endParaRPr>
-          </a:p>
-        </p:txBody>
-      </p:sp>
-    </p:spTree>
-  </p:cSld>
-  <p:clrMapOvr>
-    <a:masterClrMapping/>
-  </p:clrMapOvr>
-</p:sld>
-</file>
-
-<file path=ppt/slides/slide39.xml><?xml version="1.0" encoding="utf-8"?>
-<p:sld xmlns:a="http://schemas.openxmlformats.org/drawingml/2006/main" xmlns:r="http://schemas.openxmlformats.org/officeDocument/2006/relationships" xmlns:p="http://schemas.openxmlformats.org/presentationml/2006/main">
-  <p:cSld>
-    <p:spTree>
-      <p:nvGrpSpPr>
-        <p:cNvPr id="1" name=""/>
-        <p:cNvGrpSpPr/>
-        <p:nvPr/>
-      </p:nvGrpSpPr>
-      <p:grpSpPr>
-        <a:xfrm>
-          <a:off x="0" y="0"/>
-          <a:ext cx="0" cy="0"/>
-          <a:chOff x="0" y="0"/>
-          <a:chExt cx="0" cy="0"/>
-        </a:xfrm>
-      </p:grpSpPr>
-      <p:sp>
-        <p:nvSpPr>
-          <p:cNvPr id="1515" name="CustomShape 1"/>
-          <p:cNvSpPr/>
-          <p:nvPr/>
-        </p:nvSpPr>
-        <p:spPr>
-          <a:xfrm>
-            <a:off x="335520" y="764640"/>
-            <a:ext cx="10733040" cy="483840"/>
-          </a:xfrm>
-          <a:prstGeom prst="rect">
-            <a:avLst/>
-          </a:prstGeom>
-          <a:noFill/>
-          <a:ln w="0">
-            <a:noFill/>
-          </a:ln>
-        </p:spPr>
-        <p:style>
-          <a:lnRef idx="0">
-            <a:scrgbClr r="0" g="0" b="0"/>
-          </a:lnRef>
-          <a:fillRef idx="0">
-            <a:scrgbClr r="0" g="0" b="0"/>
-          </a:fillRef>
-          <a:effectRef idx="0">
-            <a:scrgbClr r="0" g="0" b="0"/>
-          </a:effectRef>
-          <a:fontRef idx="minor"/>
-        </p:style>
-        <p:txBody>
-          <a:bodyPr lIns="90000" tIns="45000" rIns="90000" bIns="45000" anchor="t">
-            <a:noAutofit/>
-          </a:bodyPr>
-          <a:lstStyle/>
-          <a:p>
-            <a:pPr>
-              <a:lnSpc>
-                <a:spcPct val="100000"/>
-              </a:lnSpc>
-            </a:pPr>
-            <a:r>
-              <a:rPr lang="en-GB" sz="2400" b="1" strike="noStrike" spc="-1">
-                <a:solidFill>
-                  <a:srgbClr val="000000"/>
-                </a:solidFill>
-                <a:latin typeface="DejaVu Sans"/>
-                <a:ea typeface="DejaVu Sans"/>
-              </a:rPr>
-              <a:t>Additional Resources</a:t>
-            </a:r>
-            <a:endParaRPr lang="en-GB" sz="2400" b="0" strike="noStrike" spc="-1">
-              <a:solidFill>
-                <a:srgbClr val="000000"/>
-              </a:solidFill>
-              <a:latin typeface="Arial"/>
-            </a:endParaRPr>
-          </a:p>
-        </p:txBody>
-      </p:sp>
-      <p:sp>
-        <p:nvSpPr>
-          <p:cNvPr id="1516" name="CustomShape 2"/>
-          <p:cNvSpPr/>
-          <p:nvPr/>
-        </p:nvSpPr>
-        <p:spPr>
-          <a:xfrm>
-            <a:off x="335520" y="1268640"/>
-            <a:ext cx="10733040" cy="5020560"/>
-          </a:xfrm>
-          <a:prstGeom prst="rect">
-            <a:avLst/>
-          </a:prstGeom>
-          <a:noFill/>
-          <a:ln w="0">
-            <a:noFill/>
-          </a:ln>
-        </p:spPr>
-        <p:style>
-          <a:lnRef idx="0">
-            <a:scrgbClr r="0" g="0" b="0"/>
-          </a:lnRef>
-          <a:fillRef idx="0">
-            <a:scrgbClr r="0" g="0" b="0"/>
-          </a:fillRef>
-          <a:effectRef idx="0">
-            <a:scrgbClr r="0" g="0" b="0"/>
-          </a:effectRef>
-          <a:fontRef idx="minor"/>
-        </p:style>
-        <p:txBody>
-          <a:bodyPr lIns="90000" tIns="45000" rIns="90000" bIns="45000" anchor="ctr">
-            <a:noAutofit/>
-          </a:bodyPr>
-          <a:lstStyle/>
-          <a:p>
-            <a:pPr marL="195120" indent="-186840">
-              <a:lnSpc>
-                <a:spcPct val="100000"/>
-              </a:lnSpc>
-              <a:spcBef>
-                <a:spcPts val="360"/>
-              </a:spcBef>
-              <a:buClr>
-                <a:srgbClr val="008C4F"/>
-              </a:buClr>
-              <a:buSzPct val="115000"/>
-              <a:buFont typeface="Wingdings" charset="2"/>
-              <a:buChar char=""/>
-            </a:pPr>
-            <a:r>
-              <a:rPr lang="en-GB" sz="1800" b="0" strike="noStrike" spc="-1">
-                <a:solidFill>
-                  <a:srgbClr val="000000"/>
-                </a:solidFill>
-                <a:latin typeface="DejaVu Sans"/>
-                <a:ea typeface="DejaVu Sans"/>
-              </a:rPr>
-              <a:t>Manfred Folkers, Niko Paech (2020) – All you need is less</a:t>
-            </a:r>
-            <a:endParaRPr lang="en-GB" sz="1800" b="0" strike="noStrike" spc="-1">
-              <a:solidFill>
-                <a:srgbClr val="000000"/>
-              </a:solidFill>
-              <a:latin typeface="Arial"/>
-            </a:endParaRPr>
-          </a:p>
-          <a:p>
-            <a:pPr marL="195120" indent="-186840">
-              <a:lnSpc>
-                <a:spcPct val="100000"/>
-              </a:lnSpc>
-              <a:spcBef>
-                <a:spcPts val="360"/>
-              </a:spcBef>
-              <a:buClr>
-                <a:srgbClr val="008C4F"/>
-              </a:buClr>
-              <a:buSzPct val="115000"/>
-              <a:buFont typeface="Wingdings" charset="2"/>
-              <a:buChar char=""/>
-            </a:pPr>
-            <a:r>
-              <a:rPr lang="en-GB" sz="1800" b="0" strike="noStrike" spc="-1">
-                <a:solidFill>
-                  <a:srgbClr val="000000"/>
-                </a:solidFill>
-                <a:latin typeface="DejaVu Sans"/>
-                <a:ea typeface="DejaVu Sans"/>
-              </a:rPr>
-              <a:t>Christian Felber (2010) - Die Gemeinwohl-Ökonomie – Das Wirtschaftsmodell der Zukunft</a:t>
-            </a:r>
-            <a:endParaRPr lang="en-GB" sz="1800" b="0" strike="noStrike" spc="-1">
-              <a:solidFill>
-                <a:srgbClr val="000000"/>
-              </a:solidFill>
-              <a:latin typeface="Arial"/>
-            </a:endParaRPr>
-          </a:p>
-          <a:p>
-            <a:pPr marL="195120" indent="-186840">
-              <a:lnSpc>
-                <a:spcPct val="100000"/>
-              </a:lnSpc>
-              <a:spcBef>
-                <a:spcPts val="360"/>
-              </a:spcBef>
-              <a:buClr>
-                <a:srgbClr val="008C4F"/>
-              </a:buClr>
-              <a:buSzPct val="115000"/>
-              <a:buFont typeface="Wingdings" charset="2"/>
-              <a:buChar char=""/>
-            </a:pPr>
-            <a:r>
-              <a:rPr lang="en-GB" sz="1800" b="0" strike="noStrike" spc="-1">
-                <a:solidFill>
-                  <a:srgbClr val="000000"/>
-                </a:solidFill>
-                <a:latin typeface="DejaVu Sans"/>
-                <a:ea typeface="DejaVu Sans"/>
-              </a:rPr>
-              <a:t>Christian Felber, Gus Hagelberg (2017) – The Economy for the Common Good: A Workbable, Transformative Ethics-Based Alternative – </a:t>
-            </a:r>
-            <a:r>
-              <a:rPr lang="en-GB" sz="1800" b="0" u="sng" strike="noStrike" spc="-1">
-                <a:solidFill>
-                  <a:srgbClr val="0000FF"/>
-                </a:solidFill>
-                <a:uFillTx/>
-                <a:latin typeface="DejaVu Sans"/>
-                <a:ea typeface="DejaVu Sans"/>
-                <a:hlinkClick r:id="rId2"/>
-              </a:rPr>
-              <a:t>Link</a:t>
-            </a:r>
-            <a:r>
-              <a:rPr lang="en-GB" sz="1800" b="0" strike="noStrike" spc="-1">
-                <a:solidFill>
-                  <a:srgbClr val="000000"/>
-                </a:solidFill>
-                <a:latin typeface="DejaVu Sans"/>
-                <a:ea typeface="DejaVu Sans"/>
-              </a:rPr>
-              <a:t> </a:t>
-            </a:r>
-            <a:endParaRPr lang="en-GB" sz="1800" b="0" strike="noStrike" spc="-1">
-              <a:solidFill>
-                <a:srgbClr val="000000"/>
-              </a:solidFill>
-              <a:latin typeface="Arial"/>
-            </a:endParaRPr>
-          </a:p>
-          <a:p>
-            <a:pPr marL="195120" indent="-186840">
-              <a:lnSpc>
-                <a:spcPct val="100000"/>
-              </a:lnSpc>
-              <a:spcBef>
-                <a:spcPts val="360"/>
-              </a:spcBef>
-              <a:buClr>
-                <a:srgbClr val="008C4F"/>
-              </a:buClr>
-              <a:buSzPct val="115000"/>
-              <a:buFont typeface="Wingdings" charset="2"/>
-              <a:buChar char=""/>
-            </a:pPr>
-            <a:r>
-              <a:rPr lang="en-GB" sz="1800" b="0" strike="noStrike" spc="-1">
-                <a:solidFill>
-                  <a:srgbClr val="000000"/>
-                </a:solidFill>
-                <a:latin typeface="DejaVu Sans"/>
-                <a:ea typeface="DejaVu Sans"/>
-              </a:rPr>
-              <a:t>Rutger Bregman (2017) – Utopia for Realists: And How We Can Get There</a:t>
-            </a:r>
-            <a:endParaRPr lang="en-GB" sz="1800" b="0" strike="noStrike" spc="-1">
-              <a:solidFill>
-                <a:srgbClr val="000000"/>
-              </a:solidFill>
-              <a:latin typeface="Arial"/>
-            </a:endParaRPr>
-          </a:p>
-          <a:p>
-            <a:pPr marL="195120" indent="-186840">
-              <a:lnSpc>
-                <a:spcPct val="100000"/>
-              </a:lnSpc>
-              <a:spcBef>
-                <a:spcPts val="360"/>
-              </a:spcBef>
-              <a:buClr>
-                <a:srgbClr val="008C4F"/>
-              </a:buClr>
-              <a:buSzPct val="115000"/>
-              <a:buFont typeface="Wingdings" charset="2"/>
-              <a:buChar char=""/>
-            </a:pPr>
-            <a:r>
-              <a:rPr lang="en-GB" sz="1800" b="0" strike="noStrike" spc="-1">
-                <a:solidFill>
-                  <a:srgbClr val="000000"/>
-                </a:solidFill>
-                <a:latin typeface="DejaVu Sans"/>
-                <a:ea typeface="DejaVu Sans"/>
-              </a:rPr>
-              <a:t>Mein Grund Einkommen (Berlin based non-profit organization) – </a:t>
-            </a:r>
-            <a:r>
-              <a:rPr lang="en-GB" sz="1800" b="0" u="sng" strike="noStrike" spc="-1">
-                <a:solidFill>
-                  <a:srgbClr val="0000FF"/>
-                </a:solidFill>
-                <a:uFillTx/>
-                <a:latin typeface="DejaVu Sans"/>
-                <a:ea typeface="DejaVu Sans"/>
-                <a:hlinkClick r:id="rId3"/>
-              </a:rPr>
-              <a:t>Link</a:t>
-            </a:r>
-            <a:r>
-              <a:rPr lang="en-GB" sz="1800" b="0" strike="noStrike" spc="-1">
-                <a:solidFill>
-                  <a:srgbClr val="000000"/>
-                </a:solidFill>
-                <a:latin typeface="DejaVu Sans"/>
-                <a:ea typeface="DejaVu Sans"/>
-              </a:rPr>
-              <a:t> </a:t>
             </a:r>
             <a:endParaRPr lang="en-GB" sz="1800" b="0" strike="noStrike" spc="-1">
               <a:solidFill>
@@ -22012,6 +23792,334 @@
 </file>
 
 <file path=ppt/slides/slide40.xml><?xml version="1.0" encoding="utf-8"?>
+<p:sld xmlns:a="http://schemas.openxmlformats.org/drawingml/2006/main" xmlns:r="http://schemas.openxmlformats.org/officeDocument/2006/relationships" xmlns:p="http://schemas.openxmlformats.org/presentationml/2006/main">
+  <p:cSld>
+    <p:spTree>
+      <p:nvGrpSpPr>
+        <p:cNvPr id="1" name=""/>
+        <p:cNvGrpSpPr/>
+        <p:nvPr/>
+      </p:nvGrpSpPr>
+      <p:grpSpPr>
+        <a:xfrm>
+          <a:off x="0" y="0"/>
+          <a:ext cx="0" cy="0"/>
+          <a:chOff x="0" y="0"/>
+          <a:chExt cx="0" cy="0"/>
+        </a:xfrm>
+      </p:grpSpPr>
+      <p:sp>
+        <p:nvSpPr>
+          <p:cNvPr id="1515" name="CustomShape 1"/>
+          <p:cNvSpPr/>
+          <p:nvPr/>
+        </p:nvSpPr>
+        <p:spPr>
+          <a:xfrm>
+            <a:off x="335520" y="764640"/>
+            <a:ext cx="10733040" cy="483840"/>
+          </a:xfrm>
+          <a:prstGeom prst="rect">
+            <a:avLst/>
+          </a:prstGeom>
+          <a:noFill/>
+          <a:ln w="0">
+            <a:noFill/>
+          </a:ln>
+        </p:spPr>
+        <p:style>
+          <a:lnRef idx="0">
+            <a:scrgbClr r="0" g="0" b="0"/>
+          </a:lnRef>
+          <a:fillRef idx="0">
+            <a:scrgbClr r="0" g="0" b="0"/>
+          </a:fillRef>
+          <a:effectRef idx="0">
+            <a:scrgbClr r="0" g="0" b="0"/>
+          </a:effectRef>
+          <a:fontRef idx="minor"/>
+        </p:style>
+        <p:txBody>
+          <a:bodyPr lIns="90000" tIns="45000" rIns="90000" bIns="45000" anchor="t">
+            <a:noAutofit/>
+          </a:bodyPr>
+          <a:lstStyle/>
+          <a:p>
+            <a:pPr>
+              <a:lnSpc>
+                <a:spcPct val="100000"/>
+              </a:lnSpc>
+            </a:pPr>
+            <a:r>
+              <a:rPr lang="en-GB" sz="2400" b="1" strike="noStrike" spc="-1">
+                <a:solidFill>
+                  <a:srgbClr val="000000"/>
+                </a:solidFill>
+                <a:latin typeface="DejaVu Sans"/>
+                <a:ea typeface="DejaVu Sans"/>
+              </a:rPr>
+              <a:t>Additional Resources</a:t>
+            </a:r>
+            <a:endParaRPr lang="en-GB" sz="2400" b="0" strike="noStrike" spc="-1">
+              <a:solidFill>
+                <a:srgbClr val="000000"/>
+              </a:solidFill>
+              <a:latin typeface="Arial"/>
+            </a:endParaRPr>
+          </a:p>
+        </p:txBody>
+      </p:sp>
+      <p:sp>
+        <p:nvSpPr>
+          <p:cNvPr id="1516" name="CustomShape 2"/>
+          <p:cNvSpPr/>
+          <p:nvPr/>
+        </p:nvSpPr>
+        <p:spPr>
+          <a:xfrm>
+            <a:off x="335520" y="1268640"/>
+            <a:ext cx="10733040" cy="5020560"/>
+          </a:xfrm>
+          <a:prstGeom prst="rect">
+            <a:avLst/>
+          </a:prstGeom>
+          <a:noFill/>
+          <a:ln w="0">
+            <a:noFill/>
+          </a:ln>
+        </p:spPr>
+        <p:style>
+          <a:lnRef idx="0">
+            <a:scrgbClr r="0" g="0" b="0"/>
+          </a:lnRef>
+          <a:fillRef idx="0">
+            <a:scrgbClr r="0" g="0" b="0"/>
+          </a:fillRef>
+          <a:effectRef idx="0">
+            <a:scrgbClr r="0" g="0" b="0"/>
+          </a:effectRef>
+          <a:fontRef idx="minor"/>
+        </p:style>
+        <p:txBody>
+          <a:bodyPr lIns="90000" tIns="45000" rIns="90000" bIns="45000" anchor="ctr">
+            <a:noAutofit/>
+          </a:bodyPr>
+          <a:lstStyle/>
+          <a:p>
+            <a:pPr marL="195120" indent="-186840">
+              <a:lnSpc>
+                <a:spcPct val="100000"/>
+              </a:lnSpc>
+              <a:spcBef>
+                <a:spcPts val="360"/>
+              </a:spcBef>
+              <a:buClr>
+                <a:srgbClr val="008C4F"/>
+              </a:buClr>
+              <a:buSzPct val="115000"/>
+              <a:buFont typeface="Wingdings" charset="2"/>
+              <a:buChar char=""/>
+            </a:pPr>
+            <a:r>
+              <a:rPr lang="en-GB" sz="1800" b="0" strike="noStrike" spc="-1">
+                <a:solidFill>
+                  <a:srgbClr val="000000"/>
+                </a:solidFill>
+                <a:latin typeface="DejaVu Sans"/>
+                <a:ea typeface="DejaVu Sans"/>
+              </a:rPr>
+              <a:t>Manfred Folkers, Niko Paech (2020) – All you need is less</a:t>
+            </a:r>
+            <a:endParaRPr lang="en-GB" sz="1800" b="0" strike="noStrike" spc="-1">
+              <a:solidFill>
+                <a:srgbClr val="000000"/>
+              </a:solidFill>
+              <a:latin typeface="Arial"/>
+            </a:endParaRPr>
+          </a:p>
+          <a:p>
+            <a:pPr marL="195120" indent="-186840">
+              <a:lnSpc>
+                <a:spcPct val="100000"/>
+              </a:lnSpc>
+              <a:spcBef>
+                <a:spcPts val="360"/>
+              </a:spcBef>
+              <a:buClr>
+                <a:srgbClr val="008C4F"/>
+              </a:buClr>
+              <a:buSzPct val="115000"/>
+              <a:buFont typeface="Wingdings" charset="2"/>
+              <a:buChar char=""/>
+            </a:pPr>
+            <a:r>
+              <a:rPr lang="en-GB" sz="1800" b="0" strike="noStrike" spc="-1">
+                <a:solidFill>
+                  <a:srgbClr val="000000"/>
+                </a:solidFill>
+                <a:latin typeface="DejaVu Sans"/>
+                <a:ea typeface="DejaVu Sans"/>
+              </a:rPr>
+              <a:t>Christian Felber (2010) - Die Gemeinwohl-Ökonomie – Das Wirtschaftsmodell der Zukunft</a:t>
+            </a:r>
+            <a:endParaRPr lang="en-GB" sz="1800" b="0" strike="noStrike" spc="-1">
+              <a:solidFill>
+                <a:srgbClr val="000000"/>
+              </a:solidFill>
+              <a:latin typeface="Arial"/>
+            </a:endParaRPr>
+          </a:p>
+          <a:p>
+            <a:pPr marL="195120" indent="-186840">
+              <a:lnSpc>
+                <a:spcPct val="100000"/>
+              </a:lnSpc>
+              <a:spcBef>
+                <a:spcPts val="360"/>
+              </a:spcBef>
+              <a:buClr>
+                <a:srgbClr val="008C4F"/>
+              </a:buClr>
+              <a:buSzPct val="115000"/>
+              <a:buFont typeface="Wingdings" charset="2"/>
+              <a:buChar char=""/>
+            </a:pPr>
+            <a:r>
+              <a:rPr lang="en-GB" sz="1800" b="0" strike="noStrike" spc="-1">
+                <a:solidFill>
+                  <a:srgbClr val="000000"/>
+                </a:solidFill>
+                <a:latin typeface="DejaVu Sans"/>
+                <a:ea typeface="DejaVu Sans"/>
+              </a:rPr>
+              <a:t>Christian Felber, Gus Hagelberg (2017) – The Economy for the Common Good: A Workbable, Transformative Ethics-Based Alternative – </a:t>
+            </a:r>
+            <a:r>
+              <a:rPr lang="en-GB" sz="1800" b="0" u="sng" strike="noStrike" spc="-1">
+                <a:solidFill>
+                  <a:srgbClr val="0000FF"/>
+                </a:solidFill>
+                <a:uFillTx/>
+                <a:latin typeface="DejaVu Sans"/>
+                <a:ea typeface="DejaVu Sans"/>
+                <a:hlinkClick r:id="rId2"/>
+              </a:rPr>
+              <a:t>Link</a:t>
+            </a:r>
+            <a:r>
+              <a:rPr lang="en-GB" sz="1800" b="0" strike="noStrike" spc="-1">
+                <a:solidFill>
+                  <a:srgbClr val="000000"/>
+                </a:solidFill>
+                <a:latin typeface="DejaVu Sans"/>
+                <a:ea typeface="DejaVu Sans"/>
+              </a:rPr>
+              <a:t> </a:t>
+            </a:r>
+            <a:endParaRPr lang="en-GB" sz="1800" b="0" strike="noStrike" spc="-1">
+              <a:solidFill>
+                <a:srgbClr val="000000"/>
+              </a:solidFill>
+              <a:latin typeface="Arial"/>
+            </a:endParaRPr>
+          </a:p>
+          <a:p>
+            <a:pPr marL="195120" indent="-186840">
+              <a:lnSpc>
+                <a:spcPct val="100000"/>
+              </a:lnSpc>
+              <a:spcBef>
+                <a:spcPts val="360"/>
+              </a:spcBef>
+              <a:buClr>
+                <a:srgbClr val="008C4F"/>
+              </a:buClr>
+              <a:buSzPct val="115000"/>
+              <a:buFont typeface="Wingdings" charset="2"/>
+              <a:buChar char=""/>
+            </a:pPr>
+            <a:r>
+              <a:rPr lang="en-GB" sz="1800" b="0" strike="noStrike" spc="-1">
+                <a:solidFill>
+                  <a:srgbClr val="000000"/>
+                </a:solidFill>
+                <a:latin typeface="DejaVu Sans"/>
+                <a:ea typeface="DejaVu Sans"/>
+              </a:rPr>
+              <a:t>Rutger Bregman (2017) – Utopia for Realists: And How We Can Get There</a:t>
+            </a:r>
+            <a:endParaRPr lang="en-GB" sz="1800" b="0" strike="noStrike" spc="-1">
+              <a:solidFill>
+                <a:srgbClr val="000000"/>
+              </a:solidFill>
+              <a:latin typeface="Arial"/>
+            </a:endParaRPr>
+          </a:p>
+          <a:p>
+            <a:pPr marL="195120" indent="-186840">
+              <a:lnSpc>
+                <a:spcPct val="100000"/>
+              </a:lnSpc>
+              <a:spcBef>
+                <a:spcPts val="360"/>
+              </a:spcBef>
+              <a:buClr>
+                <a:srgbClr val="008C4F"/>
+              </a:buClr>
+              <a:buSzPct val="115000"/>
+              <a:buFont typeface="Wingdings" charset="2"/>
+              <a:buChar char=""/>
+            </a:pPr>
+            <a:r>
+              <a:rPr lang="en-GB" sz="1800" b="0" strike="noStrike" spc="-1">
+                <a:solidFill>
+                  <a:srgbClr val="000000"/>
+                </a:solidFill>
+                <a:latin typeface="DejaVu Sans"/>
+                <a:ea typeface="DejaVu Sans"/>
+              </a:rPr>
+              <a:t>Mein Grund Einkommen (Berlin based non-profit organization) – </a:t>
+            </a:r>
+            <a:r>
+              <a:rPr lang="en-GB" sz="1800" b="0" u="sng" strike="noStrike" spc="-1">
+                <a:solidFill>
+                  <a:srgbClr val="0000FF"/>
+                </a:solidFill>
+                <a:uFillTx/>
+                <a:latin typeface="DejaVu Sans"/>
+                <a:ea typeface="DejaVu Sans"/>
+                <a:hlinkClick r:id="rId3"/>
+              </a:rPr>
+              <a:t>Link</a:t>
+            </a:r>
+            <a:r>
+              <a:rPr lang="en-GB" sz="1800" b="0" strike="noStrike" spc="-1">
+                <a:solidFill>
+                  <a:srgbClr val="000000"/>
+                </a:solidFill>
+                <a:latin typeface="DejaVu Sans"/>
+                <a:ea typeface="DejaVu Sans"/>
+              </a:rPr>
+              <a:t> </a:t>
+            </a:r>
+            <a:endParaRPr lang="en-GB" sz="1800" b="0" strike="noStrike" spc="-1">
+              <a:solidFill>
+                <a:srgbClr val="000000"/>
+              </a:solidFill>
+              <a:latin typeface="Arial"/>
+            </a:endParaRPr>
+          </a:p>
+        </p:txBody>
+      </p:sp>
+    </p:spTree>
+  </p:cSld>
+  <p:clrMapOvr>
+    <a:masterClrMapping/>
+  </p:clrMapOvr>
+</p:sld>
+</file>
+
+<file path=ppt/slides/slide41.xml><?xml version="1.0" encoding="utf-8"?>
 <p:sld xmlns:a="http://schemas.openxmlformats.org/drawingml/2006/main" xmlns:r="http://schemas.openxmlformats.org/officeDocument/2006/relationships" xmlns:p="http://schemas.openxmlformats.org/presentationml/2006/main">
   <p:cSld>
     <p:spTree>
@@ -25698,4 +27806,290 @@
   <a:objectDefaults/>
   <a:extraClrSchemeLst/>
 </a:theme>
+</file>
+
+<file path=ppt/theme/themeOverride1.xml><?xml version="1.0" encoding="utf-8"?>
+<a:themeOverride xmlns:a="http://schemas.openxmlformats.org/drawingml/2006/main">
+  <a:clrScheme name="Office">
+    <a:dk1>
+      <a:sysClr val="windowText" lastClr="000000"/>
+    </a:dk1>
+    <a:lt1>
+      <a:sysClr val="window" lastClr="FFFFFF"/>
+    </a:lt1>
+    <a:dk2>
+      <a:srgbClr val="44546A"/>
+    </a:dk2>
+    <a:lt2>
+      <a:srgbClr val="E7E6E6"/>
+    </a:lt2>
+    <a:accent1>
+      <a:srgbClr val="4472C4"/>
+    </a:accent1>
+    <a:accent2>
+      <a:srgbClr val="ED7D31"/>
+    </a:accent2>
+    <a:accent3>
+      <a:srgbClr val="A5A5A5"/>
+    </a:accent3>
+    <a:accent4>
+      <a:srgbClr val="FFC000"/>
+    </a:accent4>
+    <a:accent5>
+      <a:srgbClr val="5B9BD5"/>
+    </a:accent5>
+    <a:accent6>
+      <a:srgbClr val="70AD47"/>
+    </a:accent6>
+    <a:hlink>
+      <a:srgbClr val="0563C1"/>
+    </a:hlink>
+    <a:folHlink>
+      <a:srgbClr val="954F72"/>
+    </a:folHlink>
+  </a:clrScheme>
+  <a:fontScheme name="Office">
+    <a:majorFont>
+      <a:latin typeface="Calibri Light" panose="020F0302020204030204"/>
+      <a:ea typeface=""/>
+      <a:cs typeface=""/>
+      <a:font script="Jpan" typeface="游ゴシック Light"/>
+      <a:font script="Hang" typeface="맑은 고딕"/>
+      <a:font script="Hans" typeface="等线 Light"/>
+      <a:font script="Hant" typeface="新細明體"/>
+      <a:font script="Arab" typeface="Times New Roman"/>
+      <a:font script="Hebr" typeface="Times New Roman"/>
+      <a:font script="Thai" typeface="Angsana New"/>
+      <a:font script="Ethi" typeface="Nyala"/>
+      <a:font script="Beng" typeface="Vrinda"/>
+      <a:font script="Gujr" typeface="Shruti"/>
+      <a:font script="Khmr" typeface="MoolBoran"/>
+      <a:font script="Knda" typeface="Tunga"/>
+      <a:font script="Guru" typeface="Raavi"/>
+      <a:font script="Cans" typeface="Euphemia"/>
+      <a:font script="Cher" typeface="Plantagenet Cherokee"/>
+      <a:font script="Yiii" typeface="Microsoft Yi Baiti"/>
+      <a:font script="Tibt" typeface="Microsoft Himalaya"/>
+      <a:font script="Thaa" typeface="MV Boli"/>
+      <a:font script="Deva" typeface="Mangal"/>
+      <a:font script="Telu" typeface="Gautami"/>
+      <a:font script="Taml" typeface="Latha"/>
+      <a:font script="Syrc" typeface="Estrangelo Edessa"/>
+      <a:font script="Orya" typeface="Kalinga"/>
+      <a:font script="Mlym" typeface="Kartika"/>
+      <a:font script="Laoo" typeface="DokChampa"/>
+      <a:font script="Sinh" typeface="Iskoola Pota"/>
+      <a:font script="Mong" typeface="Mongolian Baiti"/>
+      <a:font script="Viet" typeface="Times New Roman"/>
+      <a:font script="Uigh" typeface="Microsoft Uighur"/>
+      <a:font script="Geor" typeface="Sylfaen"/>
+      <a:font script="Armn" typeface="Arial"/>
+      <a:font script="Bugi" typeface="Leelawadee UI"/>
+      <a:font script="Bopo" typeface="Microsoft JhengHei"/>
+      <a:font script="Java" typeface="Javanese Text"/>
+      <a:font script="Lisu" typeface="Segoe UI"/>
+      <a:font script="Mymr" typeface="Myanmar Text"/>
+      <a:font script="Nkoo" typeface="Ebrima"/>
+      <a:font script="Olck" typeface="Nirmala UI"/>
+      <a:font script="Osma" typeface="Ebrima"/>
+      <a:font script="Phag" typeface="Phagspa"/>
+      <a:font script="Syrn" typeface="Estrangelo Edessa"/>
+      <a:font script="Syrj" typeface="Estrangelo Edessa"/>
+      <a:font script="Syre" typeface="Estrangelo Edessa"/>
+      <a:font script="Sora" typeface="Nirmala UI"/>
+      <a:font script="Tale" typeface="Microsoft Tai Le"/>
+      <a:font script="Talu" typeface="Microsoft New Tai Lue"/>
+      <a:font script="Tfng" typeface="Ebrima"/>
+    </a:majorFont>
+    <a:minorFont>
+      <a:latin typeface="Calibri" panose="020F0502020204030204"/>
+      <a:ea typeface=""/>
+      <a:cs typeface=""/>
+      <a:font script="Jpan" typeface="游ゴシック"/>
+      <a:font script="Hang" typeface="맑은 고딕"/>
+      <a:font script="Hans" typeface="等线"/>
+      <a:font script="Hant" typeface="新細明體"/>
+      <a:font script="Arab" typeface="Arial"/>
+      <a:font script="Hebr" typeface="Arial"/>
+      <a:font script="Thai" typeface="Cordia New"/>
+      <a:font script="Ethi" typeface="Nyala"/>
+      <a:font script="Beng" typeface="Vrinda"/>
+      <a:font script="Gujr" typeface="Shruti"/>
+      <a:font script="Khmr" typeface="DaunPenh"/>
+      <a:font script="Knda" typeface="Tunga"/>
+      <a:font script="Guru" typeface="Raavi"/>
+      <a:font script="Cans" typeface="Euphemia"/>
+      <a:font script="Cher" typeface="Plantagenet Cherokee"/>
+      <a:font script="Yiii" typeface="Microsoft Yi Baiti"/>
+      <a:font script="Tibt" typeface="Microsoft Himalaya"/>
+      <a:font script="Thaa" typeface="MV Boli"/>
+      <a:font script="Deva" typeface="Mangal"/>
+      <a:font script="Telu" typeface="Gautami"/>
+      <a:font script="Taml" typeface="Latha"/>
+      <a:font script="Syrc" typeface="Estrangelo Edessa"/>
+      <a:font script="Orya" typeface="Kalinga"/>
+      <a:font script="Mlym" typeface="Kartika"/>
+      <a:font script="Laoo" typeface="DokChampa"/>
+      <a:font script="Sinh" typeface="Iskoola Pota"/>
+      <a:font script="Mong" typeface="Mongolian Baiti"/>
+      <a:font script="Viet" typeface="Arial"/>
+      <a:font script="Uigh" typeface="Microsoft Uighur"/>
+      <a:font script="Geor" typeface="Sylfaen"/>
+      <a:font script="Armn" typeface="Arial"/>
+      <a:font script="Bugi" typeface="Leelawadee UI"/>
+      <a:font script="Bopo" typeface="Microsoft JhengHei"/>
+      <a:font script="Java" typeface="Javanese Text"/>
+      <a:font script="Lisu" typeface="Segoe UI"/>
+      <a:font script="Mymr" typeface="Myanmar Text"/>
+      <a:font script="Nkoo" typeface="Ebrima"/>
+      <a:font script="Olck" typeface="Nirmala UI"/>
+      <a:font script="Osma" typeface="Ebrima"/>
+      <a:font script="Phag" typeface="Phagspa"/>
+      <a:font script="Syrn" typeface="Estrangelo Edessa"/>
+      <a:font script="Syrj" typeface="Estrangelo Edessa"/>
+      <a:font script="Syre" typeface="Estrangelo Edessa"/>
+      <a:font script="Sora" typeface="Nirmala UI"/>
+      <a:font script="Tale" typeface="Microsoft Tai Le"/>
+      <a:font script="Talu" typeface="Microsoft New Tai Lue"/>
+      <a:font script="Tfng" typeface="Ebrima"/>
+    </a:minorFont>
+  </a:fontScheme>
+  <a:fmtScheme name="Office">
+    <a:fillStyleLst>
+      <a:solidFill>
+        <a:schemeClr val="phClr"/>
+      </a:solidFill>
+      <a:gradFill rotWithShape="1">
+        <a:gsLst>
+          <a:gs pos="0">
+            <a:schemeClr val="phClr">
+              <a:lumMod val="110000"/>
+              <a:satMod val="105000"/>
+              <a:tint val="67000"/>
+            </a:schemeClr>
+          </a:gs>
+          <a:gs pos="50000">
+            <a:schemeClr val="phClr">
+              <a:lumMod val="105000"/>
+              <a:satMod val="103000"/>
+              <a:tint val="73000"/>
+            </a:schemeClr>
+          </a:gs>
+          <a:gs pos="100000">
+            <a:schemeClr val="phClr">
+              <a:lumMod val="105000"/>
+              <a:satMod val="109000"/>
+              <a:tint val="81000"/>
+            </a:schemeClr>
+          </a:gs>
+        </a:gsLst>
+        <a:lin ang="5400000" scaled="0"/>
+      </a:gradFill>
+      <a:gradFill rotWithShape="1">
+        <a:gsLst>
+          <a:gs pos="0">
+            <a:schemeClr val="phClr">
+              <a:satMod val="103000"/>
+              <a:lumMod val="102000"/>
+              <a:tint val="94000"/>
+            </a:schemeClr>
+          </a:gs>
+          <a:gs pos="50000">
+            <a:schemeClr val="phClr">
+              <a:satMod val="110000"/>
+              <a:lumMod val="100000"/>
+              <a:shade val="100000"/>
+            </a:schemeClr>
+          </a:gs>
+          <a:gs pos="100000">
+            <a:schemeClr val="phClr">
+              <a:lumMod val="99000"/>
+              <a:satMod val="120000"/>
+              <a:shade val="78000"/>
+            </a:schemeClr>
+          </a:gs>
+        </a:gsLst>
+        <a:lin ang="5400000" scaled="0"/>
+      </a:gradFill>
+    </a:fillStyleLst>
+    <a:lnStyleLst>
+      <a:ln w="6350" cap="flat" cmpd="sng" algn="ctr">
+        <a:solidFill>
+          <a:schemeClr val="phClr"/>
+        </a:solidFill>
+        <a:prstDash val="solid"/>
+        <a:miter lim="800000"/>
+      </a:ln>
+      <a:ln w="12700" cap="flat" cmpd="sng" algn="ctr">
+        <a:solidFill>
+          <a:schemeClr val="phClr"/>
+        </a:solidFill>
+        <a:prstDash val="solid"/>
+        <a:miter lim="800000"/>
+      </a:ln>
+      <a:ln w="19050" cap="flat" cmpd="sng" algn="ctr">
+        <a:solidFill>
+          <a:schemeClr val="phClr"/>
+        </a:solidFill>
+        <a:prstDash val="solid"/>
+        <a:miter lim="800000"/>
+      </a:ln>
+    </a:lnStyleLst>
+    <a:effectStyleLst>
+      <a:effectStyle>
+        <a:effectLst/>
+      </a:effectStyle>
+      <a:effectStyle>
+        <a:effectLst/>
+      </a:effectStyle>
+      <a:effectStyle>
+        <a:effectLst>
+          <a:outerShdw blurRad="57150" dist="19050" dir="5400000" algn="ctr" rotWithShape="0">
+            <a:srgbClr val="000000">
+              <a:alpha val="63000"/>
+            </a:srgbClr>
+          </a:outerShdw>
+        </a:effectLst>
+      </a:effectStyle>
+    </a:effectStyleLst>
+    <a:bgFillStyleLst>
+      <a:solidFill>
+        <a:schemeClr val="phClr"/>
+      </a:solidFill>
+      <a:solidFill>
+        <a:schemeClr val="phClr">
+          <a:tint val="95000"/>
+          <a:satMod val="170000"/>
+        </a:schemeClr>
+      </a:solidFill>
+      <a:gradFill rotWithShape="1">
+        <a:gsLst>
+          <a:gs pos="0">
+            <a:schemeClr val="phClr">
+              <a:tint val="93000"/>
+              <a:satMod val="150000"/>
+              <a:shade val="98000"/>
+              <a:lumMod val="102000"/>
+            </a:schemeClr>
+          </a:gs>
+          <a:gs pos="50000">
+            <a:schemeClr val="phClr">
+              <a:tint val="98000"/>
+              <a:satMod val="130000"/>
+              <a:shade val="90000"/>
+              <a:lumMod val="103000"/>
+            </a:schemeClr>
+          </a:gs>
+          <a:gs pos="100000">
+            <a:schemeClr val="phClr">
+              <a:shade val="63000"/>
+              <a:satMod val="120000"/>
+            </a:schemeClr>
+          </a:gs>
+        </a:gsLst>
+        <a:lin ang="5400000" scaled="0"/>
+      </a:gradFill>
+    </a:bgFillStyleLst>
+  </a:fmtScheme>
+</a:themeOverride>
 </file>